--- a/lecture-slides/2019-09-06-oop.pptx
+++ b/lecture-slides/2019-09-06-oop.pptx
@@ -213,7 +213,7 @@
           <a:p>
             <a:fld id="{A677DEB0-5AA4-49C7-B0AD-AD047A002C4C}" type="datetimeFigureOut">
               <a:rPr lang="en-US" smtClean="0"/>
-              <a:t>9/5/19</a:t>
+              <a:t>9/6/19</a:t>
             </a:fld>
             <a:endParaRPr lang="en-US"/>
           </a:p>
@@ -1135,6 +1135,30 @@
           <a:bodyPr/>
           <a:lstStyle/>
           <a:p>
+            <a:r>
+              <a:rPr lang="en-US" sz="1000" dirty="0"/>
+              <a:t>Encapsulation</a:t>
+            </a:r>
+          </a:p>
+          <a:p>
+            <a:r>
+              <a:rPr lang="en-US" sz="1000" dirty="0"/>
+              <a:t>Inheritance</a:t>
+            </a:r>
+          </a:p>
+          <a:p>
+            <a:r>
+              <a:rPr lang="en-US" sz="1000" dirty="0"/>
+              <a:t>Polymorphism</a:t>
+            </a:r>
+          </a:p>
+          <a:p>
+            <a:endParaRPr lang="en-US" sz="1000" dirty="0"/>
+          </a:p>
+          <a:p>
+            <a:endParaRPr lang="en-US" sz="1000" dirty="0"/>
+          </a:p>
+          <a:p>
             <a:endParaRPr lang="en-US" sz="1000" dirty="0"/>
           </a:p>
         </p:txBody>
@@ -1658,7 +1682,7 @@
           <a:p>
             <a:fld id="{1B52E0E1-344B-4E26-B5AD-CE86AB802485}" type="datetimeFigureOut">
               <a:rPr lang="en-US" smtClean="0"/>
-              <a:t>9/5/19</a:t>
+              <a:t>9/6/19</a:t>
             </a:fld>
             <a:endParaRPr lang="en-US"/>
           </a:p>
@@ -1856,7 +1880,7 @@
           <a:p>
             <a:fld id="{1B52E0E1-344B-4E26-B5AD-CE86AB802485}" type="datetimeFigureOut">
               <a:rPr lang="en-US" smtClean="0"/>
-              <a:t>9/5/19</a:t>
+              <a:t>9/6/19</a:t>
             </a:fld>
             <a:endParaRPr lang="en-US"/>
           </a:p>
@@ -2064,7 +2088,7 @@
           <a:p>
             <a:fld id="{1B52E0E1-344B-4E26-B5AD-CE86AB802485}" type="datetimeFigureOut">
               <a:rPr lang="en-US" smtClean="0"/>
-              <a:t>9/5/19</a:t>
+              <a:t>9/6/19</a:t>
             </a:fld>
             <a:endParaRPr lang="en-US"/>
           </a:p>
@@ -2262,7 +2286,7 @@
           <a:p>
             <a:fld id="{1B52E0E1-344B-4E26-B5AD-CE86AB802485}" type="datetimeFigureOut">
               <a:rPr lang="en-US" smtClean="0"/>
-              <a:t>9/5/19</a:t>
+              <a:t>9/6/19</a:t>
             </a:fld>
             <a:endParaRPr lang="en-US"/>
           </a:p>
@@ -2537,7 +2561,7 @@
           <a:p>
             <a:fld id="{1B52E0E1-344B-4E26-B5AD-CE86AB802485}" type="datetimeFigureOut">
               <a:rPr lang="en-US" smtClean="0"/>
-              <a:t>9/5/19</a:t>
+              <a:t>9/6/19</a:t>
             </a:fld>
             <a:endParaRPr lang="en-US"/>
           </a:p>
@@ -2802,7 +2826,7 @@
           <a:p>
             <a:fld id="{1B52E0E1-344B-4E26-B5AD-CE86AB802485}" type="datetimeFigureOut">
               <a:rPr lang="en-US" smtClean="0"/>
-              <a:t>9/5/19</a:t>
+              <a:t>9/6/19</a:t>
             </a:fld>
             <a:endParaRPr lang="en-US"/>
           </a:p>
@@ -3214,7 +3238,7 @@
           <a:p>
             <a:fld id="{1B52E0E1-344B-4E26-B5AD-CE86AB802485}" type="datetimeFigureOut">
               <a:rPr lang="en-US" smtClean="0"/>
-              <a:t>9/5/19</a:t>
+              <a:t>9/6/19</a:t>
             </a:fld>
             <a:endParaRPr lang="en-US"/>
           </a:p>
@@ -3355,7 +3379,7 @@
           <a:p>
             <a:fld id="{1B52E0E1-344B-4E26-B5AD-CE86AB802485}" type="datetimeFigureOut">
               <a:rPr lang="en-US" smtClean="0"/>
-              <a:t>9/5/19</a:t>
+              <a:t>9/6/19</a:t>
             </a:fld>
             <a:endParaRPr lang="en-US"/>
           </a:p>
@@ -3468,7 +3492,7 @@
           <a:p>
             <a:fld id="{1B52E0E1-344B-4E26-B5AD-CE86AB802485}" type="datetimeFigureOut">
               <a:rPr lang="en-US" smtClean="0"/>
-              <a:t>9/5/19</a:t>
+              <a:t>9/6/19</a:t>
             </a:fld>
             <a:endParaRPr lang="en-US"/>
           </a:p>
@@ -3779,7 +3803,7 @@
           <a:p>
             <a:fld id="{1B52E0E1-344B-4E26-B5AD-CE86AB802485}" type="datetimeFigureOut">
               <a:rPr lang="en-US" smtClean="0"/>
-              <a:t>9/5/19</a:t>
+              <a:t>9/6/19</a:t>
             </a:fld>
             <a:endParaRPr lang="en-US"/>
           </a:p>
@@ -4067,7 +4091,7 @@
           <a:p>
             <a:fld id="{1B52E0E1-344B-4E26-B5AD-CE86AB802485}" type="datetimeFigureOut">
               <a:rPr lang="en-US" smtClean="0"/>
-              <a:t>9/5/19</a:t>
+              <a:t>9/6/19</a:t>
             </a:fld>
             <a:endParaRPr lang="en-US"/>
           </a:p>
@@ -4308,7 +4332,7 @@
           <a:p>
             <a:fld id="{1B52E0E1-344B-4E26-B5AD-CE86AB802485}" type="datetimeFigureOut">
               <a:rPr lang="en-US" smtClean="0"/>
-              <a:t>9/5/19</a:t>
+              <a:t>9/6/19</a:t>
             </a:fld>
             <a:endParaRPr lang="en-US"/>
           </a:p>
@@ -6454,13 +6478,23 @@
         </p:spPr>
         <p:txBody>
           <a:bodyPr anchor="ctr">
-            <a:normAutofit/>
+            <a:normAutofit fontScale="90000"/>
           </a:bodyPr>
           <a:lstStyle/>
           <a:p>
             <a:r>
               <a:rPr lang="en-US" sz="4800" dirty="0"/>
               <a:t>Discussion: OOP Patterns</a:t>
+            </a:r>
+            <a:br>
+              <a:rPr lang="en-US" sz="4800" dirty="0"/>
+            </a:br>
+            <a:br>
+              <a:rPr lang="en-US" sz="4800" dirty="0"/>
+            </a:br>
+            <a:r>
+              <a:rPr lang="en-US" sz="4800" dirty="0"/>
+              <a:t>(Who are the Gang of Four?)</a:t>
             </a:r>
           </a:p>
         </p:txBody>

--- a/lecture-slides/2019-09-06-oop.pptx
+++ b/lecture-slides/2019-09-06-oop.pptx
@@ -5,26 +5,30 @@
     <p:sldMasterId id="2147483648" r:id="rId1"/>
   </p:sldMasterIdLst>
   <p:notesMasterIdLst>
-    <p:notesMasterId r:id="rId19"/>
+    <p:notesMasterId r:id="rId23"/>
   </p:notesMasterIdLst>
   <p:sldIdLst>
     <p:sldId id="305" r:id="rId2"/>
-    <p:sldId id="569" r:id="rId3"/>
-    <p:sldId id="577" r:id="rId4"/>
-    <p:sldId id="471" r:id="rId5"/>
-    <p:sldId id="574" r:id="rId6"/>
-    <p:sldId id="575" r:id="rId7"/>
-    <p:sldId id="576" r:id="rId8"/>
-    <p:sldId id="547" r:id="rId9"/>
-    <p:sldId id="318" r:id="rId10"/>
-    <p:sldId id="565" r:id="rId11"/>
-    <p:sldId id="271" r:id="rId12"/>
-    <p:sldId id="503" r:id="rId13"/>
-    <p:sldId id="504" r:id="rId14"/>
-    <p:sldId id="507" r:id="rId15"/>
-    <p:sldId id="491" r:id="rId16"/>
-    <p:sldId id="528" r:id="rId17"/>
-    <p:sldId id="522" r:id="rId18"/>
+    <p:sldId id="578" r:id="rId3"/>
+    <p:sldId id="579" r:id="rId4"/>
+    <p:sldId id="541" r:id="rId5"/>
+    <p:sldId id="581" r:id="rId6"/>
+    <p:sldId id="580" r:id="rId7"/>
+    <p:sldId id="582" r:id="rId8"/>
+    <p:sldId id="583" r:id="rId9"/>
+    <p:sldId id="558" r:id="rId10"/>
+    <p:sldId id="318" r:id="rId11"/>
+    <p:sldId id="565" r:id="rId12"/>
+    <p:sldId id="271" r:id="rId13"/>
+    <p:sldId id="503" r:id="rId14"/>
+    <p:sldId id="504" r:id="rId15"/>
+    <p:sldId id="507" r:id="rId16"/>
+    <p:sldId id="491" r:id="rId17"/>
+    <p:sldId id="528" r:id="rId18"/>
+    <p:sldId id="522" r:id="rId19"/>
+    <p:sldId id="533" r:id="rId20"/>
+    <p:sldId id="534" r:id="rId21"/>
+    <p:sldId id="531" r:id="rId22"/>
   </p:sldIdLst>
   <p:sldSz cx="12192000" cy="6858000"/>
   <p:notesSz cx="6858000" cy="9144000"/>
@@ -213,7 +217,7 @@
           <a:p>
             <a:fld id="{A677DEB0-5AA4-49C7-B0AD-AD047A002C4C}" type="datetimeFigureOut">
               <a:rPr lang="en-US" smtClean="0"/>
-              <a:t>9/6/19</a:t>
+              <a:t>9/9/19</a:t>
             </a:fld>
             <a:endParaRPr lang="en-US"/>
           </a:p>
@@ -619,7 +623,7 @@
             <a:spLocks noGrp="1"/>
           </p:cNvSpPr>
           <p:nvPr>
-            <p:ph type="sldNum" sz="quarter" idx="5"/>
+            <p:ph type="sldNum" sz="quarter" idx="10"/>
           </p:nvPr>
         </p:nvSpPr>
         <p:spPr/>
@@ -627,9 +631,9 @@
           <a:bodyPr/>
           <a:lstStyle/>
           <a:p>
-            <a:fld id="{35A4D32B-0177-4B34-AE20-6C72705619FE}" type="slidenum">
+            <a:fld id="{23B99BB9-C7F6-43B3-A122-46088ABB36FB}" type="slidenum">
               <a:rPr lang="en-US" smtClean="0"/>
-              <a:t>12</a:t>
+              <a:t>17</a:t>
             </a:fld>
             <a:endParaRPr lang="en-US"/>
           </a:p>
@@ -638,7 +642,7 @@
     </p:spTree>
     <p:extLst>
       <p:ext uri="{BB962C8B-B14F-4D97-AF65-F5344CB8AC3E}">
-        <p14:creationId xmlns:p14="http://schemas.microsoft.com/office/powerpoint/2010/main" val="716226611"/>
+        <p14:creationId xmlns:p14="http://schemas.microsoft.com/office/powerpoint/2010/main" val="1400231804"/>
       </p:ext>
     </p:extLst>
   </p:cSld>
@@ -665,64 +669,10 @@
           <a:chExt cx="0" cy="0"/>
         </a:xfrm>
       </p:grpSpPr>
-      <p:sp>
-        <p:nvSpPr>
-          <p:cNvPr id="2" name="Slide Image Placeholder 1"/>
-          <p:cNvSpPr>
-            <a:spLocks noGrp="1" noRot="1" noChangeAspect="1"/>
-          </p:cNvSpPr>
-          <p:nvPr>
-            <p:ph type="sldImg"/>
-          </p:nvPr>
-        </p:nvSpPr>
-        <p:spPr/>
-      </p:sp>
-      <p:sp>
-        <p:nvSpPr>
-          <p:cNvPr id="3" name="Notes Placeholder 2"/>
-          <p:cNvSpPr>
-            <a:spLocks noGrp="1"/>
-          </p:cNvSpPr>
-          <p:nvPr>
-            <p:ph type="body" idx="1"/>
-          </p:nvPr>
-        </p:nvSpPr>
-        <p:spPr/>
-        <p:txBody>
-          <a:bodyPr/>
-          <a:lstStyle/>
-          <a:p>
-            <a:endParaRPr lang="en-US" dirty="0"/>
-          </a:p>
-        </p:txBody>
-      </p:sp>
-      <p:sp>
-        <p:nvSpPr>
-          <p:cNvPr id="4" name="Slide Number Placeholder 3"/>
-          <p:cNvSpPr>
-            <a:spLocks noGrp="1"/>
-          </p:cNvSpPr>
-          <p:nvPr>
-            <p:ph type="sldNum" sz="quarter" idx="10"/>
-          </p:nvPr>
-        </p:nvSpPr>
-        <p:spPr/>
-        <p:txBody>
-          <a:bodyPr/>
-          <a:lstStyle/>
-          <a:p>
-            <a:fld id="{23B99BB9-C7F6-43B3-A122-46088ABB36FB}" type="slidenum">
-              <a:rPr lang="en-US" smtClean="0"/>
-              <a:t>15</a:t>
-            </a:fld>
-            <a:endParaRPr lang="en-US"/>
-          </a:p>
-        </p:txBody>
-      </p:sp>
     </p:spTree>
     <p:extLst>
       <p:ext uri="{BB962C8B-B14F-4D97-AF65-F5344CB8AC3E}">
-        <p14:creationId xmlns:p14="http://schemas.microsoft.com/office/powerpoint/2010/main" val="955952142"/>
+        <p14:creationId xmlns:p14="http://schemas.microsoft.com/office/powerpoint/2010/main" val="2523252854"/>
       </p:ext>
     </p:extLst>
   </p:cSld>
@@ -749,64 +699,94 @@
           <a:chExt cx="0" cy="0"/>
         </a:xfrm>
       </p:grpSpPr>
-      <p:sp>
-        <p:nvSpPr>
-          <p:cNvPr id="2" name="Slide Image Placeholder 1"/>
-          <p:cNvSpPr>
-            <a:spLocks noGrp="1" noRot="1" noChangeAspect="1"/>
-          </p:cNvSpPr>
-          <p:nvPr>
-            <p:ph type="sldImg"/>
-          </p:nvPr>
-        </p:nvSpPr>
-        <p:spPr/>
-      </p:sp>
-      <p:sp>
-        <p:nvSpPr>
-          <p:cNvPr id="3" name="Notes Placeholder 2"/>
-          <p:cNvSpPr>
-            <a:spLocks noGrp="1"/>
-          </p:cNvSpPr>
-          <p:nvPr>
-            <p:ph type="body" idx="1"/>
-          </p:nvPr>
-        </p:nvSpPr>
-        <p:spPr/>
-        <p:txBody>
-          <a:bodyPr/>
-          <a:lstStyle/>
-          <a:p>
-            <a:endParaRPr lang="en-US" dirty="0"/>
-          </a:p>
-        </p:txBody>
-      </p:sp>
-      <p:sp>
-        <p:nvSpPr>
-          <p:cNvPr id="4" name="Slide Number Placeholder 3"/>
-          <p:cNvSpPr>
-            <a:spLocks noGrp="1"/>
-          </p:cNvSpPr>
-          <p:nvPr>
-            <p:ph type="sldNum" sz="quarter" idx="10"/>
-          </p:nvPr>
-        </p:nvSpPr>
-        <p:spPr/>
-        <p:txBody>
-          <a:bodyPr/>
-          <a:lstStyle/>
-          <a:p>
-            <a:fld id="{23B99BB9-C7F6-43B3-A122-46088ABB36FB}" type="slidenum">
-              <a:rPr lang="en-US" smtClean="0"/>
-              <a:t>16</a:t>
-            </a:fld>
-            <a:endParaRPr lang="en-US"/>
-          </a:p>
-        </p:txBody>
-      </p:sp>
     </p:spTree>
     <p:extLst>
       <p:ext uri="{BB962C8B-B14F-4D97-AF65-F5344CB8AC3E}">
-        <p14:creationId xmlns:p14="http://schemas.microsoft.com/office/powerpoint/2010/main" val="1400231804"/>
+        <p14:creationId xmlns:p14="http://schemas.microsoft.com/office/powerpoint/2010/main" val="3940639226"/>
+      </p:ext>
+    </p:extLst>
+  </p:cSld>
+  <p:clrMapOvr>
+    <a:masterClrMapping/>
+  </p:clrMapOvr>
+</p:notes>
+</file>
+
+<file path=ppt/notesSlides/notesSlide13.xml><?xml version="1.0" encoding="utf-8"?>
+<p:notes xmlns:a="http://schemas.openxmlformats.org/drawingml/2006/main" xmlns:r="http://schemas.openxmlformats.org/officeDocument/2006/relationships" xmlns:p="http://schemas.openxmlformats.org/presentationml/2006/main">
+  <p:cSld>
+    <p:spTree>
+      <p:nvGrpSpPr>
+        <p:cNvPr id="1" name=""/>
+        <p:cNvGrpSpPr/>
+        <p:nvPr/>
+      </p:nvGrpSpPr>
+      <p:grpSpPr>
+        <a:xfrm>
+          <a:off x="0" y="0"/>
+          <a:ext cx="0" cy="0"/>
+          <a:chOff x="0" y="0"/>
+          <a:chExt cx="0" cy="0"/>
+        </a:xfrm>
+      </p:grpSpPr>
+      <p:sp>
+        <p:nvSpPr>
+          <p:cNvPr id="2" name="Slide Image Placeholder 1"/>
+          <p:cNvSpPr>
+            <a:spLocks noGrp="1" noRot="1" noChangeAspect="1"/>
+          </p:cNvSpPr>
+          <p:nvPr>
+            <p:ph type="sldImg"/>
+          </p:nvPr>
+        </p:nvSpPr>
+        <p:spPr/>
+      </p:sp>
+      <p:sp>
+        <p:nvSpPr>
+          <p:cNvPr id="3" name="Notes Placeholder 2"/>
+          <p:cNvSpPr>
+            <a:spLocks noGrp="1"/>
+          </p:cNvSpPr>
+          <p:nvPr>
+            <p:ph type="body" idx="1"/>
+          </p:nvPr>
+        </p:nvSpPr>
+        <p:spPr/>
+        <p:txBody>
+          <a:bodyPr/>
+          <a:lstStyle/>
+          <a:p>
+            <a:endParaRPr lang="en-US" dirty="0"/>
+          </a:p>
+        </p:txBody>
+      </p:sp>
+      <p:sp>
+        <p:nvSpPr>
+          <p:cNvPr id="4" name="Slide Number Placeholder 3"/>
+          <p:cNvSpPr>
+            <a:spLocks noGrp="1"/>
+          </p:cNvSpPr>
+          <p:nvPr>
+            <p:ph type="sldNum" sz="quarter" idx="5"/>
+          </p:nvPr>
+        </p:nvSpPr>
+        <p:spPr/>
+        <p:txBody>
+          <a:bodyPr/>
+          <a:lstStyle/>
+          <a:p>
+            <a:fld id="{35A4D32B-0177-4B34-AE20-6C72705619FE}" type="slidenum">
+              <a:rPr lang="en-US" smtClean="0"/>
+              <a:t>21</a:t>
+            </a:fld>
+            <a:endParaRPr lang="en-US"/>
+          </a:p>
+        </p:txBody>
+      </p:sp>
+    </p:spTree>
+    <p:extLst>
+      <p:ext uri="{BB962C8B-B14F-4D97-AF65-F5344CB8AC3E}">
+        <p14:creationId xmlns:p14="http://schemas.microsoft.com/office/powerpoint/2010/main" val="4165791278"/>
       </p:ext>
     </p:extLst>
   </p:cSld>
@@ -860,7 +840,7 @@
           <a:bodyPr/>
           <a:lstStyle/>
           <a:p>
-            <a:endParaRPr lang="en-US" sz="1000" dirty="0"/>
+            <a:endParaRPr lang="en-US" dirty="0"/>
           </a:p>
         </p:txBody>
       </p:sp>
@@ -879,18 +859,18 @@
           <a:bodyPr/>
           <a:lstStyle/>
           <a:p>
-            <a:fld id="{5394DE12-7B9B-46AA-AC19-C30A49928B9B}" type="slidenum">
+            <a:fld id="{23B99BB9-C7F6-43B3-A122-46088ABB36FB}" type="slidenum">
               <a:rPr lang="en-US" smtClean="0"/>
               <a:t>3</a:t>
             </a:fld>
-            <a:endParaRPr lang="en-US" dirty="0"/>
+            <a:endParaRPr lang="en-US"/>
           </a:p>
         </p:txBody>
       </p:sp>
     </p:spTree>
     <p:extLst>
       <p:ext uri="{BB962C8B-B14F-4D97-AF65-F5344CB8AC3E}">
-        <p14:creationId xmlns:p14="http://schemas.microsoft.com/office/powerpoint/2010/main" val="3619037015"/>
+        <p14:creationId xmlns:p14="http://schemas.microsoft.com/office/powerpoint/2010/main" val="3092910271"/>
       </p:ext>
     </p:extLst>
   </p:cSld>
@@ -944,29 +924,6 @@
           <a:bodyPr/>
           <a:lstStyle/>
           <a:p>
-            <a:pPr marL="0" marR="0" lvl="0" indent="0" algn="l" defTabSz="914400" rtl="0" eaLnBrk="1" fontAlgn="auto" latinLnBrk="0" hangingPunct="1">
-              <a:lnSpc>
-                <a:spcPct val="100000"/>
-              </a:lnSpc>
-              <a:spcBef>
-                <a:spcPts val="0"/>
-              </a:spcBef>
-              <a:spcAft>
-                <a:spcPts val="0"/>
-              </a:spcAft>
-              <a:buClrTx/>
-              <a:buSzTx/>
-              <a:buFontTx/>
-              <a:buNone/>
-              <a:tabLst/>
-              <a:defRPr/>
-            </a:pPr>
-            <a:r>
-              <a:rPr lang="en-US" dirty="0"/>
-              <a:t>A possible exception would be non-proportional based fonts</a:t>
-            </a:r>
-          </a:p>
-          <a:p>
             <a:endParaRPr lang="en-US" dirty="0"/>
           </a:p>
         </p:txBody>
@@ -986,18 +943,18 @@
           <a:bodyPr/>
           <a:lstStyle/>
           <a:p>
-            <a:fld id="{23B99BB9-C7F6-43B3-A122-46088ABB36FB}" type="slidenum">
+            <a:fld id="{5394DE12-7B9B-46AA-AC19-C30A49928B9B}" type="slidenum">
               <a:rPr lang="en-US" smtClean="0"/>
-              <a:t>4</a:t>
+              <a:t>5</a:t>
             </a:fld>
-            <a:endParaRPr lang="en-US"/>
+            <a:endParaRPr lang="en-US" dirty="0"/>
           </a:p>
         </p:txBody>
       </p:sp>
     </p:spTree>
     <p:extLst>
       <p:ext uri="{BB962C8B-B14F-4D97-AF65-F5344CB8AC3E}">
-        <p14:creationId xmlns:p14="http://schemas.microsoft.com/office/powerpoint/2010/main" val="169698126"/>
+        <p14:creationId xmlns:p14="http://schemas.microsoft.com/office/powerpoint/2010/main" val="260566741"/>
       </p:ext>
     </p:extLst>
   </p:cSld>
@@ -1051,7 +1008,7 @@
           <a:bodyPr/>
           <a:lstStyle/>
           <a:p>
-            <a:endParaRPr lang="en-US" sz="1000" dirty="0"/>
+            <a:endParaRPr lang="en-US" dirty="0"/>
           </a:p>
         </p:txBody>
       </p:sp>
@@ -1072,7 +1029,7 @@
           <a:p>
             <a:fld id="{5394DE12-7B9B-46AA-AC19-C30A49928B9B}" type="slidenum">
               <a:rPr lang="en-US" smtClean="0"/>
-              <a:t>5</a:t>
+              <a:t>6</a:t>
             </a:fld>
             <a:endParaRPr lang="en-US" dirty="0"/>
           </a:p>
@@ -1081,7 +1038,7 @@
     </p:spTree>
     <p:extLst>
       <p:ext uri="{BB962C8B-B14F-4D97-AF65-F5344CB8AC3E}">
-        <p14:creationId xmlns:p14="http://schemas.microsoft.com/office/powerpoint/2010/main" val="3137660331"/>
+        <p14:creationId xmlns:p14="http://schemas.microsoft.com/office/powerpoint/2010/main" val="890274923"/>
       </p:ext>
     </p:extLst>
   </p:cSld>
@@ -1135,31 +1092,7 @@
           <a:bodyPr/>
           <a:lstStyle/>
           <a:p>
-            <a:r>
-              <a:rPr lang="en-US" sz="1000" dirty="0"/>
-              <a:t>Encapsulation</a:t>
-            </a:r>
-          </a:p>
-          <a:p>
-            <a:r>
-              <a:rPr lang="en-US" sz="1000" dirty="0"/>
-              <a:t>Inheritance</a:t>
-            </a:r>
-          </a:p>
-          <a:p>
-            <a:r>
-              <a:rPr lang="en-US" sz="1000" dirty="0"/>
-              <a:t>Polymorphism</a:t>
-            </a:r>
-          </a:p>
-          <a:p>
-            <a:endParaRPr lang="en-US" sz="1000" dirty="0"/>
-          </a:p>
-          <a:p>
-            <a:endParaRPr lang="en-US" sz="1000" dirty="0"/>
-          </a:p>
-          <a:p>
-            <a:endParaRPr lang="en-US" sz="1000" dirty="0"/>
+            <a:endParaRPr lang="en-US" dirty="0"/>
           </a:p>
         </p:txBody>
       </p:sp>
@@ -1180,7 +1113,7 @@
           <a:p>
             <a:fld id="{5394DE12-7B9B-46AA-AC19-C30A49928B9B}" type="slidenum">
               <a:rPr lang="en-US" smtClean="0"/>
-              <a:t>6</a:t>
+              <a:t>7</a:t>
             </a:fld>
             <a:endParaRPr lang="en-US" dirty="0"/>
           </a:p>
@@ -1189,7 +1122,7 @@
     </p:spTree>
     <p:extLst>
       <p:ext uri="{BB962C8B-B14F-4D97-AF65-F5344CB8AC3E}">
-        <p14:creationId xmlns:p14="http://schemas.microsoft.com/office/powerpoint/2010/main" val="3878248095"/>
+        <p14:creationId xmlns:p14="http://schemas.microsoft.com/office/powerpoint/2010/main" val="2424338544"/>
       </p:ext>
     </p:extLst>
   </p:cSld>
@@ -1264,7 +1197,7 @@
           <a:p>
             <a:fld id="{5394DE12-7B9B-46AA-AC19-C30A49928B9B}" type="slidenum">
               <a:rPr lang="en-US" smtClean="0"/>
-              <a:t>7</a:t>
+              <a:t>11</a:t>
             </a:fld>
             <a:endParaRPr lang="en-US" dirty="0"/>
           </a:p>
@@ -1273,7 +1206,7 @@
     </p:spTree>
     <p:extLst>
       <p:ext uri="{BB962C8B-B14F-4D97-AF65-F5344CB8AC3E}">
-        <p14:creationId xmlns:p14="http://schemas.microsoft.com/office/powerpoint/2010/main" val="1868230516"/>
+        <p14:creationId xmlns:p14="http://schemas.microsoft.com/office/powerpoint/2010/main" val="3923728908"/>
       </p:ext>
     </p:extLst>
   </p:cSld>
@@ -1346,18 +1279,18 @@
           <a:bodyPr/>
           <a:lstStyle/>
           <a:p>
-            <a:fld id="{23B99BB9-C7F6-43B3-A122-46088ABB36FB}" type="slidenum">
+            <a:fld id="{5394DE12-7B9B-46AA-AC19-C30A49928B9B}" type="slidenum">
               <a:rPr lang="en-US" smtClean="0"/>
-              <a:t>8</a:t>
+              <a:t>12</a:t>
             </a:fld>
-            <a:endParaRPr lang="en-US"/>
+            <a:endParaRPr lang="en-US" dirty="0"/>
           </a:p>
         </p:txBody>
       </p:sp>
     </p:spTree>
     <p:extLst>
       <p:ext uri="{BB962C8B-B14F-4D97-AF65-F5344CB8AC3E}">
-        <p14:creationId xmlns:p14="http://schemas.microsoft.com/office/powerpoint/2010/main" val="2826606629"/>
+        <p14:creationId xmlns:p14="http://schemas.microsoft.com/office/powerpoint/2010/main" val="3355459141"/>
       </p:ext>
     </p:extLst>
   </p:cSld>
@@ -1411,7 +1344,7 @@
           <a:bodyPr/>
           <a:lstStyle/>
           <a:p>
-            <a:endParaRPr lang="en-US" sz="1000" dirty="0"/>
+            <a:endParaRPr lang="en-US" dirty="0"/>
           </a:p>
         </p:txBody>
       </p:sp>
@@ -1422,7 +1355,7 @@
             <a:spLocks noGrp="1"/>
           </p:cNvSpPr>
           <p:nvPr>
-            <p:ph type="sldNum" sz="quarter" idx="10"/>
+            <p:ph type="sldNum" sz="quarter" idx="5"/>
           </p:nvPr>
         </p:nvSpPr>
         <p:spPr/>
@@ -1430,18 +1363,18 @@
           <a:bodyPr/>
           <a:lstStyle/>
           <a:p>
-            <a:fld id="{5394DE12-7B9B-46AA-AC19-C30A49928B9B}" type="slidenum">
+            <a:fld id="{35A4D32B-0177-4B34-AE20-6C72705619FE}" type="slidenum">
               <a:rPr lang="en-US" smtClean="0"/>
-              <a:t>10</a:t>
+              <a:t>13</a:t>
             </a:fld>
-            <a:endParaRPr lang="en-US" dirty="0"/>
+            <a:endParaRPr lang="en-US"/>
           </a:p>
         </p:txBody>
       </p:sp>
     </p:spTree>
     <p:extLst>
       <p:ext uri="{BB962C8B-B14F-4D97-AF65-F5344CB8AC3E}">
-        <p14:creationId xmlns:p14="http://schemas.microsoft.com/office/powerpoint/2010/main" val="3923728908"/>
+        <p14:creationId xmlns:p14="http://schemas.microsoft.com/office/powerpoint/2010/main" val="716226611"/>
       </p:ext>
     </p:extLst>
   </p:cSld>
@@ -1514,18 +1447,18 @@
           <a:bodyPr/>
           <a:lstStyle/>
           <a:p>
-            <a:fld id="{5394DE12-7B9B-46AA-AC19-C30A49928B9B}" type="slidenum">
+            <a:fld id="{23B99BB9-C7F6-43B3-A122-46088ABB36FB}" type="slidenum">
               <a:rPr lang="en-US" smtClean="0"/>
-              <a:t>11</a:t>
+              <a:t>16</a:t>
             </a:fld>
-            <a:endParaRPr lang="en-US" dirty="0"/>
+            <a:endParaRPr lang="en-US"/>
           </a:p>
         </p:txBody>
       </p:sp>
     </p:spTree>
     <p:extLst>
       <p:ext uri="{BB962C8B-B14F-4D97-AF65-F5344CB8AC3E}">
-        <p14:creationId xmlns:p14="http://schemas.microsoft.com/office/powerpoint/2010/main" val="3355459141"/>
+        <p14:creationId xmlns:p14="http://schemas.microsoft.com/office/powerpoint/2010/main" val="955952142"/>
       </p:ext>
     </p:extLst>
   </p:cSld>
@@ -1682,7 +1615,7 @@
           <a:p>
             <a:fld id="{1B52E0E1-344B-4E26-B5AD-CE86AB802485}" type="datetimeFigureOut">
               <a:rPr lang="en-US" smtClean="0"/>
-              <a:t>9/6/19</a:t>
+              <a:t>9/9/19</a:t>
             </a:fld>
             <a:endParaRPr lang="en-US"/>
           </a:p>
@@ -1880,7 +1813,7 @@
           <a:p>
             <a:fld id="{1B52E0E1-344B-4E26-B5AD-CE86AB802485}" type="datetimeFigureOut">
               <a:rPr lang="en-US" smtClean="0"/>
-              <a:t>9/6/19</a:t>
+              <a:t>9/9/19</a:t>
             </a:fld>
             <a:endParaRPr lang="en-US"/>
           </a:p>
@@ -2088,7 +2021,7 @@
           <a:p>
             <a:fld id="{1B52E0E1-344B-4E26-B5AD-CE86AB802485}" type="datetimeFigureOut">
               <a:rPr lang="en-US" smtClean="0"/>
-              <a:t>9/6/19</a:t>
+              <a:t>9/9/19</a:t>
             </a:fld>
             <a:endParaRPr lang="en-US"/>
           </a:p>
@@ -2286,7 +2219,7 @@
           <a:p>
             <a:fld id="{1B52E0E1-344B-4E26-B5AD-CE86AB802485}" type="datetimeFigureOut">
               <a:rPr lang="en-US" smtClean="0"/>
-              <a:t>9/6/19</a:t>
+              <a:t>9/9/19</a:t>
             </a:fld>
             <a:endParaRPr lang="en-US"/>
           </a:p>
@@ -2561,7 +2494,7 @@
           <a:p>
             <a:fld id="{1B52E0E1-344B-4E26-B5AD-CE86AB802485}" type="datetimeFigureOut">
               <a:rPr lang="en-US" smtClean="0"/>
-              <a:t>9/6/19</a:t>
+              <a:t>9/9/19</a:t>
             </a:fld>
             <a:endParaRPr lang="en-US"/>
           </a:p>
@@ -2826,7 +2759,7 @@
           <a:p>
             <a:fld id="{1B52E0E1-344B-4E26-B5AD-CE86AB802485}" type="datetimeFigureOut">
               <a:rPr lang="en-US" smtClean="0"/>
-              <a:t>9/6/19</a:t>
+              <a:t>9/9/19</a:t>
             </a:fld>
             <a:endParaRPr lang="en-US"/>
           </a:p>
@@ -3238,7 +3171,7 @@
           <a:p>
             <a:fld id="{1B52E0E1-344B-4E26-B5AD-CE86AB802485}" type="datetimeFigureOut">
               <a:rPr lang="en-US" smtClean="0"/>
-              <a:t>9/6/19</a:t>
+              <a:t>9/9/19</a:t>
             </a:fld>
             <a:endParaRPr lang="en-US"/>
           </a:p>
@@ -3379,7 +3312,7 @@
           <a:p>
             <a:fld id="{1B52E0E1-344B-4E26-B5AD-CE86AB802485}" type="datetimeFigureOut">
               <a:rPr lang="en-US" smtClean="0"/>
-              <a:t>9/6/19</a:t>
+              <a:t>9/9/19</a:t>
             </a:fld>
             <a:endParaRPr lang="en-US"/>
           </a:p>
@@ -3492,7 +3425,7 @@
           <a:p>
             <a:fld id="{1B52E0E1-344B-4E26-B5AD-CE86AB802485}" type="datetimeFigureOut">
               <a:rPr lang="en-US" smtClean="0"/>
-              <a:t>9/6/19</a:t>
+              <a:t>9/9/19</a:t>
             </a:fld>
             <a:endParaRPr lang="en-US"/>
           </a:p>
@@ -3803,7 +3736,7 @@
           <a:p>
             <a:fld id="{1B52E0E1-344B-4E26-B5AD-CE86AB802485}" type="datetimeFigureOut">
               <a:rPr lang="en-US" smtClean="0"/>
-              <a:t>9/6/19</a:t>
+              <a:t>9/9/19</a:t>
             </a:fld>
             <a:endParaRPr lang="en-US"/>
           </a:p>
@@ -4091,7 +4024,7 @@
           <a:p>
             <a:fld id="{1B52E0E1-344B-4E26-B5AD-CE86AB802485}" type="datetimeFigureOut">
               <a:rPr lang="en-US" smtClean="0"/>
-              <a:t>9/6/19</a:t>
+              <a:t>9/9/19</a:t>
             </a:fld>
             <a:endParaRPr lang="en-US"/>
           </a:p>
@@ -4332,7 +4265,7 @@
           <a:p>
             <a:fld id="{1B52E0E1-344B-4E26-B5AD-CE86AB802485}" type="datetimeFigureOut">
               <a:rPr lang="en-US" smtClean="0"/>
-              <a:t>9/6/19</a:t>
+              <a:t>9/9/19</a:t>
             </a:fld>
             <a:endParaRPr lang="en-US"/>
           </a:p>
@@ -4830,15 +4763,15 @@
               <a:buNone/>
             </a:pPr>
             <a:r>
-              <a:rPr lang="en-US" sz="2200" dirty="0"/>
-              <a:t>Agenda for Friday, September 6</a:t>
-            </a:r>
-            <a:r>
-              <a:rPr lang="en-US" sz="2200" baseline="30000" dirty="0"/>
+              <a:rPr lang="en-US" sz="2000" dirty="0"/>
+              <a:t>Agenda for Monday, September 9</a:t>
+            </a:r>
+            <a:r>
+              <a:rPr lang="en-US" sz="2000" baseline="30000" dirty="0"/>
               <a:t>th</a:t>
             </a:r>
             <a:r>
-              <a:rPr lang="en-US" sz="2200" dirty="0"/>
+              <a:rPr lang="en-US" sz="2000" dirty="0"/>
               <a:t> from 2 to 2:50pm CST:</a:t>
             </a:r>
           </a:p>
@@ -4848,7 +4781,7 @@
               <a:buAutoNum type="arabicPeriod"/>
             </a:pPr>
             <a:r>
-              <a:rPr lang="en-US" sz="2200" dirty="0"/>
+              <a:rPr lang="en-US" sz="2000" dirty="0"/>
               <a:t>Review Assignment from Last Class</a:t>
             </a:r>
           </a:p>
@@ -4858,8 +4791,8 @@
               <a:buAutoNum type="arabicPeriod"/>
             </a:pPr>
             <a:r>
-              <a:rPr lang="en-US" sz="2200" dirty="0"/>
-              <a:t>Friendly Conversation Topic – One Space or Two Spaces After a Period?</a:t>
+              <a:rPr lang="en-US" sz="2000" dirty="0"/>
+              <a:t>Friendly Conversation Topic – Start, Stop, Continue Feedback Model</a:t>
             </a:r>
           </a:p>
           <a:p>
@@ -4868,8 +4801,8 @@
               <a:buAutoNum type="arabicPeriod"/>
             </a:pPr>
             <a:r>
-              <a:rPr lang="en-US" sz="2200" dirty="0"/>
-              <a:t>Q&amp;A: Object-Oriented Programming Concepts and Practices</a:t>
+              <a:rPr lang="en-US" sz="2000" dirty="0"/>
+              <a:t>Sprint 1 Retrospective</a:t>
             </a:r>
           </a:p>
           <a:p>
@@ -4878,8 +4811,8 @@
               <a:buAutoNum type="arabicPeriod"/>
             </a:pPr>
             <a:r>
-              <a:rPr lang="en-US" sz="2200" dirty="0"/>
-              <a:t>Discussion: OOP Patterns</a:t>
+              <a:rPr lang="en-US" sz="2000" dirty="0"/>
+              <a:t>Remaining Schedule</a:t>
             </a:r>
           </a:p>
           <a:p>
@@ -4888,8 +4821,8 @@
               <a:buAutoNum type="arabicPeriod"/>
             </a:pPr>
             <a:r>
-              <a:rPr lang="en-US" sz="2200" dirty="0"/>
-              <a:t>Assignment for Next Class</a:t>
+              <a:rPr lang="en-US" sz="2000" dirty="0"/>
+              <a:t>Sprint 2 Planning</a:t>
             </a:r>
           </a:p>
           <a:p>
@@ -4898,53 +4831,34 @@
               <a:buAutoNum type="arabicPeriod"/>
             </a:pPr>
             <a:r>
-              <a:rPr lang="en-US" sz="2200" dirty="0"/>
-              <a:t>Lab</a:t>
-            </a:r>
-          </a:p>
-          <a:p>
-            <a:pPr marL="0" indent="0">
-              <a:buNone/>
-            </a:pPr>
-            <a:endParaRPr lang="en-US" sz="2200" dirty="0"/>
-          </a:p>
-          <a:p>
-            <a:pPr marL="0" indent="0">
-              <a:buNone/>
-            </a:pPr>
-            <a:r>
-              <a:rPr lang="en-US" sz="2200" dirty="0"/>
-              <a:t>Discussion &amp; Questions welcome at any time… please be present with no phones or email during our time together</a:t>
-            </a:r>
-            <a:endParaRPr lang="en-US" sz="2000" dirty="0"/>
+              <a:rPr lang="en-US" sz="2000" dirty="0"/>
+              <a:t>Assignment</a:t>
+            </a:r>
           </a:p>
           <a:p>
             <a:pPr marL="457200" indent="-457200">
               <a:buFont typeface="+mj-lt"/>
               <a:buAutoNum type="arabicPeriod"/>
             </a:pPr>
-            <a:endParaRPr lang="en-US" sz="2000" dirty="0"/>
-          </a:p>
-          <a:p>
-            <a:pPr marL="457200" indent="-457200">
-              <a:buFont typeface="+mj-lt"/>
-              <a:buAutoNum type="arabicPeriod"/>
+            <a:r>
+              <a:rPr lang="en-US" sz="2000" dirty="0"/>
+              <a:t>Lab</a:t>
+            </a:r>
+          </a:p>
+          <a:p>
+            <a:pPr marL="0" indent="0">
+              <a:buNone/>
             </a:pPr>
             <a:endParaRPr lang="en-US" sz="2000" dirty="0"/>
           </a:p>
           <a:p>
-            <a:pPr marL="457200" indent="-457200">
-              <a:buFont typeface="+mj-lt"/>
-              <a:buAutoNum type="arabicPeriod"/>
+            <a:pPr marL="0" indent="0">
+              <a:buNone/>
             </a:pPr>
-            <a:endParaRPr lang="en-US" sz="2000" dirty="0"/>
-          </a:p>
-          <a:p>
-            <a:pPr marL="457200" indent="-457200">
-              <a:buFont typeface="+mj-lt"/>
-              <a:buAutoNum type="arabicPeriod"/>
-            </a:pPr>
-            <a:endParaRPr lang="en-US" sz="2000" dirty="0"/>
+            <a:r>
+              <a:rPr lang="en-US" sz="2000" dirty="0"/>
+              <a:t>Discussion &amp; Questions welcome at any time… please be present with no phones or email during our time together</a:t>
+            </a:r>
           </a:p>
         </p:txBody>
       </p:sp>
@@ -5010,6 +4924,117 @@
       </p:grpSpPr>
       <p:sp>
         <p:nvSpPr>
+          <p:cNvPr id="2" name="Title 1">
+            <a:extLst>
+              <a:ext uri="{FF2B5EF4-FFF2-40B4-BE49-F238E27FC236}">
+                <a16:creationId xmlns:a16="http://schemas.microsoft.com/office/drawing/2014/main" id="{2A5755BE-860E-40EB-ADA6-6E82BCB49EC3}"/>
+              </a:ext>
+            </a:extLst>
+          </p:cNvPr>
+          <p:cNvSpPr>
+            <a:spLocks noGrp="1"/>
+          </p:cNvSpPr>
+          <p:nvPr>
+            <p:ph type="title"/>
+          </p:nvPr>
+        </p:nvSpPr>
+        <p:spPr/>
+        <p:txBody>
+          <a:bodyPr/>
+          <a:lstStyle/>
+          <a:p>
+            <a:r>
+              <a:rPr lang="en-US" dirty="0"/>
+              <a:t>Assignment</a:t>
+            </a:r>
+          </a:p>
+        </p:txBody>
+      </p:sp>
+      <p:sp>
+        <p:nvSpPr>
+          <p:cNvPr id="3" name="Content Placeholder 2">
+            <a:extLst>
+              <a:ext uri="{FF2B5EF4-FFF2-40B4-BE49-F238E27FC236}">
+                <a16:creationId xmlns:a16="http://schemas.microsoft.com/office/drawing/2014/main" id="{72EF5DE0-5958-4171-A9E3-3D288A31AC3F}"/>
+              </a:ext>
+            </a:extLst>
+          </p:cNvPr>
+          <p:cNvSpPr>
+            <a:spLocks noGrp="1"/>
+          </p:cNvSpPr>
+          <p:nvPr>
+            <p:ph idx="1"/>
+          </p:nvPr>
+        </p:nvSpPr>
+        <p:spPr>
+          <a:xfrm>
+            <a:off x="838200" y="1654444"/>
+            <a:ext cx="10515600" cy="4522519"/>
+          </a:xfrm>
+        </p:spPr>
+        <p:txBody>
+          <a:bodyPr>
+            <a:normAutofit/>
+          </a:bodyPr>
+          <a:lstStyle/>
+          <a:p>
+            <a:pPr marL="0" indent="0">
+              <a:buNone/>
+            </a:pPr>
+            <a:r>
+              <a:rPr lang="en-US" sz="2000" dirty="0"/>
+              <a:t>Complete Activities List items 1 through 5 and be prepared to discuss them at the start of our next class. </a:t>
+            </a:r>
+          </a:p>
+          <a:p>
+            <a:pPr marL="0" indent="0">
+              <a:buNone/>
+            </a:pPr>
+            <a:endParaRPr lang="en-US" sz="2000" dirty="0"/>
+          </a:p>
+          <a:p>
+            <a:pPr marL="0" indent="0">
+              <a:buNone/>
+            </a:pPr>
+            <a:endParaRPr lang="en-US" sz="1800" dirty="0"/>
+          </a:p>
+          <a:p>
+            <a:endParaRPr lang="en-US" dirty="0"/>
+          </a:p>
+        </p:txBody>
+      </p:sp>
+    </p:spTree>
+    <p:extLst>
+      <p:ext uri="{BB962C8B-B14F-4D97-AF65-F5344CB8AC3E}">
+        <p14:creationId xmlns:p14="http://schemas.microsoft.com/office/powerpoint/2010/main" val="3934992363"/>
+      </p:ext>
+    </p:extLst>
+  </p:cSld>
+  <p:clrMapOvr>
+    <a:masterClrMapping/>
+  </p:clrMapOvr>
+</p:sld>
+</file>
+
+<file path=ppt/slides/slide11.xml><?xml version="1.0" encoding="utf-8"?>
+<p:sld xmlns:a="http://schemas.openxmlformats.org/drawingml/2006/main" xmlns:r="http://schemas.openxmlformats.org/officeDocument/2006/relationships" xmlns:p="http://schemas.openxmlformats.org/presentationml/2006/main">
+  <p:cSld>
+    <p:spTree>
+      <p:nvGrpSpPr>
+        <p:cNvPr id="1" name=""/>
+        <p:cNvGrpSpPr/>
+        <p:nvPr/>
+      </p:nvGrpSpPr>
+      <p:grpSpPr>
+        <a:xfrm>
+          <a:off x="0" y="0"/>
+          <a:ext cx="0" cy="0"/>
+          <a:chOff x="0" y="0"/>
+          <a:chExt cx="0" cy="0"/>
+        </a:xfrm>
+      </p:grpSpPr>
+      <p:sp>
+        <p:nvSpPr>
           <p:cNvPr id="2" name="Title 1"/>
           <p:cNvSpPr>
             <a:spLocks noGrp="1"/>
@@ -5075,7 +5100,7 @@
             </a:pPr>
             <a:r>
               <a:rPr lang="en-US" sz="2000" dirty="0"/>
-              <a:t>Select a Scrum Master for Sprint 2</a:t>
+              <a:t>Sprint 1 Retrospective (for team &amp; class) using Start, Stop, Continue feedback model</a:t>
             </a:r>
           </a:p>
           <a:p>
@@ -5085,7 +5110,7 @@
             </a:pPr>
             <a:r>
               <a:rPr lang="en-US" sz="2000" dirty="0"/>
-              <a:t>Programming Assignment 1 and Quiz 1</a:t>
+              <a:t>Sprint 2 Planning by reviewing our Sprint 2 Activities List and Assignments</a:t>
             </a:r>
           </a:p>
           <a:p>
@@ -5095,7 +5120,7 @@
             </a:pPr>
             <a:r>
               <a:rPr lang="en-US" sz="2000" dirty="0"/>
-              <a:t>Team report out by new Scrum Master at 2:48</a:t>
+              <a:t>Team report out by new Scrum Master at 2:44</a:t>
             </a:r>
           </a:p>
           <a:p>
@@ -5201,7 +5226,7 @@
 </p:sld>
 </file>
 
-<file path=ppt/slides/slide11.xml><?xml version="1.0" encoding="utf-8"?>
+<file path=ppt/slides/slide12.xml><?xml version="1.0" encoding="utf-8"?>
 <p:sld xmlns:a="http://schemas.openxmlformats.org/drawingml/2006/main" xmlns:r="http://schemas.openxmlformats.org/officeDocument/2006/relationships" xmlns:p="http://schemas.openxmlformats.org/presentationml/2006/main">
   <p:cSld>
     <p:bg>
@@ -5270,158 +5295,6 @@
 </p:sld>
 </file>
 
-<file path=ppt/slides/slide12.xml><?xml version="1.0" encoding="utf-8"?>
-<p:sld xmlns:a="http://schemas.openxmlformats.org/drawingml/2006/main" xmlns:r="http://schemas.openxmlformats.org/officeDocument/2006/relationships" xmlns:p="http://schemas.openxmlformats.org/presentationml/2006/main">
-  <p:cSld>
-    <p:spTree>
-      <p:nvGrpSpPr>
-        <p:cNvPr id="1" name=""/>
-        <p:cNvGrpSpPr/>
-        <p:nvPr/>
-      </p:nvGrpSpPr>
-      <p:grpSpPr>
-        <a:xfrm>
-          <a:off x="0" y="0"/>
-          <a:ext cx="0" cy="0"/>
-          <a:chOff x="0" y="0"/>
-          <a:chExt cx="0" cy="0"/>
-        </a:xfrm>
-      </p:grpSpPr>
-      <p:sp>
-        <p:nvSpPr>
-          <p:cNvPr id="2" name="Title 1">
-            <a:extLst>
-              <a:ext uri="{FF2B5EF4-FFF2-40B4-BE49-F238E27FC236}">
-                <a16:creationId xmlns:a16="http://schemas.microsoft.com/office/drawing/2014/main" id="{2A5755BE-860E-40EB-ADA6-6E82BCB49EC3}"/>
-              </a:ext>
-            </a:extLst>
-          </p:cNvPr>
-          <p:cNvSpPr>
-            <a:spLocks noGrp="1"/>
-          </p:cNvSpPr>
-          <p:nvPr>
-            <p:ph type="title"/>
-          </p:nvPr>
-        </p:nvSpPr>
-        <p:spPr>
-          <a:xfrm>
-            <a:off x="838200" y="365125"/>
-            <a:ext cx="10515600" cy="1325563"/>
-          </a:xfrm>
-        </p:spPr>
-        <p:txBody>
-          <a:bodyPr/>
-          <a:lstStyle/>
-          <a:p>
-            <a:r>
-              <a:rPr lang="en-US" dirty="0"/>
-              <a:t>Demo Guidelines – Presenter </a:t>
-            </a:r>
-          </a:p>
-        </p:txBody>
-      </p:sp>
-      <p:sp>
-        <p:nvSpPr>
-          <p:cNvPr id="3" name="Content Placeholder 2">
-            <a:extLst>
-              <a:ext uri="{FF2B5EF4-FFF2-40B4-BE49-F238E27FC236}">
-                <a16:creationId xmlns:a16="http://schemas.microsoft.com/office/drawing/2014/main" id="{72EF5DE0-5958-4171-A9E3-3D288A31AC3F}"/>
-              </a:ext>
-            </a:extLst>
-          </p:cNvPr>
-          <p:cNvSpPr>
-            <a:spLocks noGrp="1"/>
-          </p:cNvSpPr>
-          <p:nvPr>
-            <p:ph idx="1"/>
-          </p:nvPr>
-        </p:nvSpPr>
-        <p:spPr>
-          <a:xfrm>
-            <a:off x="838200" y="1654444"/>
-            <a:ext cx="10515600" cy="4522519"/>
-          </a:xfrm>
-        </p:spPr>
-        <p:txBody>
-          <a:bodyPr>
-            <a:normAutofit/>
-          </a:bodyPr>
-          <a:lstStyle/>
-          <a:p>
-            <a:pPr marL="0" indent="0">
-              <a:buNone/>
-            </a:pPr>
-            <a:r>
-              <a:rPr lang="en-US" sz="2400" dirty="0"/>
-              <a:t>Everyone will give at least one demo of their work during the semester.</a:t>
-            </a:r>
-          </a:p>
-          <a:p>
-            <a:pPr marL="0" indent="0">
-              <a:buNone/>
-            </a:pPr>
-            <a:r>
-              <a:rPr lang="en-US" sz="2400" dirty="0"/>
-              <a:t>Your demo can include any or all of the following:</a:t>
-            </a:r>
-          </a:p>
-          <a:p>
-            <a:r>
-              <a:rPr lang="en-US" sz="2400" dirty="0"/>
-              <a:t>A 2 to 5 minute activity</a:t>
-            </a:r>
-          </a:p>
-          <a:p>
-            <a:r>
-              <a:rPr lang="en-US" sz="2400" dirty="0"/>
-              <a:t>Where you show your application running</a:t>
-            </a:r>
-          </a:p>
-          <a:p>
-            <a:r>
-              <a:rPr lang="en-US" sz="2400" dirty="0"/>
-              <a:t>Comment on your implementation</a:t>
-            </a:r>
-          </a:p>
-          <a:p>
-            <a:r>
-              <a:rPr lang="en-US" sz="2400" dirty="0"/>
-              <a:t>Show the source code</a:t>
-            </a:r>
-          </a:p>
-          <a:p>
-            <a:r>
-              <a:rPr lang="en-US" sz="2400" dirty="0"/>
-              <a:t>Explain how you organized the code</a:t>
-            </a:r>
-          </a:p>
-          <a:p>
-            <a:r>
-              <a:rPr lang="en-US" sz="2400" dirty="0"/>
-              <a:t>Talk about any challenges</a:t>
-            </a:r>
-          </a:p>
-          <a:p>
-            <a:r>
-              <a:rPr lang="en-US" sz="2400" dirty="0"/>
-              <a:t>You should not prepare slides or a presentation</a:t>
-            </a:r>
-          </a:p>
-        </p:txBody>
-      </p:sp>
-    </p:spTree>
-    <p:extLst>
-      <p:ext uri="{BB962C8B-B14F-4D97-AF65-F5344CB8AC3E}">
-        <p14:creationId xmlns:p14="http://schemas.microsoft.com/office/powerpoint/2010/main" val="34426736"/>
-      </p:ext>
-    </p:extLst>
-  </p:cSld>
-  <p:clrMapOvr>
-    <a:masterClrMapping/>
-  </p:clrMapOvr>
-</p:sld>
-</file>
-
 <file path=ppt/slides/slide13.xml><?xml version="1.0" encoding="utf-8"?>
 <p:sld xmlns:a="http://schemas.openxmlformats.org/drawingml/2006/main" xmlns:r="http://schemas.openxmlformats.org/officeDocument/2006/relationships" xmlns:p="http://schemas.openxmlformats.org/presentationml/2006/main">
   <p:cSld>
@@ -5467,7 +5340,7 @@
           <a:p>
             <a:r>
               <a:rPr lang="en-US" dirty="0"/>
-              <a:t>Demo Guidelines – Listener </a:t>
+              <a:t>Demo Guidelines – Presenter </a:t>
             </a:r>
           </a:p>
         </p:txBody>
@@ -5505,7 +5378,7 @@
             </a:pPr>
             <a:r>
               <a:rPr lang="en-US" sz="2400" dirty="0"/>
-              <a:t>Everyone will be listening to many demos during the semester.</a:t>
+              <a:t>Everyone will give at least one demo of their work during the semester.</a:t>
             </a:r>
           </a:p>
           <a:p>
@@ -5514,43 +5387,49 @@
             </a:pPr>
             <a:r>
               <a:rPr lang="en-US" sz="2400" dirty="0"/>
-              <a:t>Your responsibilities during the demo is:</a:t>
+              <a:t>Your demo can include any or all of the following:</a:t>
             </a:r>
           </a:p>
           <a:p>
             <a:r>
               <a:rPr lang="en-US" sz="2400" dirty="0"/>
-              <a:t>Actively listen and watch what is being demoed</a:t>
+              <a:t>A 2 to 5 minute activity</a:t>
             </a:r>
           </a:p>
           <a:p>
             <a:r>
               <a:rPr lang="en-US" sz="2400" dirty="0"/>
-              <a:t>Come up with an meaning yet easy to answer question</a:t>
+              <a:t>Where you show your application running</a:t>
             </a:r>
           </a:p>
           <a:p>
             <a:r>
               <a:rPr lang="en-US" sz="2400" dirty="0"/>
-              <a:t>During or after the demo ask your question if the presenter does not get “sufficient” questions from other listeners</a:t>
+              <a:t>Comment on your implementation</a:t>
             </a:r>
           </a:p>
           <a:p>
             <a:r>
               <a:rPr lang="en-US" sz="2400" dirty="0"/>
-              <a:t>Do not ask hard question or attempt to review the presenters code</a:t>
+              <a:t>Show the source code</a:t>
             </a:r>
           </a:p>
           <a:p>
             <a:r>
               <a:rPr lang="en-US" sz="2400" dirty="0"/>
-              <a:t>Clap for the presenter at the end of the demo and thank them for presenting</a:t>
+              <a:t>Explain how you organized the code</a:t>
             </a:r>
           </a:p>
           <a:p>
             <a:r>
               <a:rPr lang="en-US" sz="2400" dirty="0"/>
-              <a:t>If you have a hard question or want to make a recommendation, do it later and in private</a:t>
+              <a:t>Talk about any challenges</a:t>
+            </a:r>
+          </a:p>
+          <a:p>
+            <a:r>
+              <a:rPr lang="en-US" sz="2400" dirty="0"/>
+              <a:t>You should not prepare slides or a presentation</a:t>
             </a:r>
           </a:p>
         </p:txBody>
@@ -5558,7 +5437,7 @@
     </p:spTree>
     <p:extLst>
       <p:ext uri="{BB962C8B-B14F-4D97-AF65-F5344CB8AC3E}">
-        <p14:creationId xmlns:p14="http://schemas.microsoft.com/office/powerpoint/2010/main" val="2856866655"/>
+        <p14:creationId xmlns:p14="http://schemas.microsoft.com/office/powerpoint/2010/main" val="34426736"/>
       </p:ext>
     </p:extLst>
   </p:cSld>
@@ -5613,15 +5492,8 @@
           <a:p>
             <a:r>
               <a:rPr lang="en-US" dirty="0"/>
-              <a:t>Javadoc </a:t>
-            </a:r>
-            <a:r>
-              <a:rPr lang="en-US" dirty="0">
-                <a:hlinkClick r:id="rId2"/>
-              </a:rPr>
-              <a:t>[link]</a:t>
-            </a:r>
-            <a:endParaRPr lang="en-US" dirty="0"/>
+              <a:t>Demo Guidelines – Listener </a:t>
+            </a:r>
           </a:p>
         </p:txBody>
       </p:sp>
@@ -5657,8 +5529,8 @@
               <a:buNone/>
             </a:pPr>
             <a:r>
-              <a:rPr lang="en-US" dirty="0"/>
-              <a:t>History:</a:t>
+              <a:rPr lang="en-US" sz="2400" dirty="0"/>
+              <a:t>Everyone will be listening to many demos during the semester.</a:t>
             </a:r>
           </a:p>
           <a:p>
@@ -5666,52 +5538,52 @@
               <a:buNone/>
             </a:pPr>
             <a:r>
-              <a:rPr lang="en-US" dirty="0"/>
-              <a:t>Javadoc was an early Java language </a:t>
-            </a:r>
-            <a:r>
-              <a:rPr lang="en-US" dirty="0">
-                <a:hlinkClick r:id="rId3" tooltip="Documentation generator"/>
-              </a:rPr>
-              <a:t>documentation generator</a:t>
-            </a:r>
-            <a:r>
-              <a:rPr lang="en-US" dirty="0"/>
-              <a:t>.</a:t>
-            </a:r>
-            <a:r>
-              <a:rPr lang="en-US" baseline="30000" dirty="0">
-                <a:hlinkClick r:id="rId4"/>
-              </a:rPr>
-              <a:t>[5]</a:t>
-            </a:r>
-            <a:r>
-              <a:rPr lang="en-US" dirty="0"/>
-              <a:t> Prior to the use of documentation generators it was customary to use technical writers who would typically write only standalone documentation for the software,</a:t>
-            </a:r>
-            <a:r>
-              <a:rPr lang="en-US" baseline="30000" dirty="0">
-                <a:hlinkClick r:id="rId5"/>
-              </a:rPr>
-              <a:t>[6]</a:t>
-            </a:r>
-            <a:r>
-              <a:rPr lang="en-US" dirty="0"/>
-              <a:t> but it was much harder to keep this documentation in sync with the software itself.</a:t>
-            </a:r>
-          </a:p>
-          <a:p>
-            <a:pPr marL="0" indent="0">
-              <a:buNone/>
-            </a:pPr>
-            <a:endParaRPr lang="en-US" sz="2000" dirty="0"/>
+              <a:rPr lang="en-US" sz="2400" dirty="0"/>
+              <a:t>Your responsibilities during the demo is:</a:t>
+            </a:r>
+          </a:p>
+          <a:p>
+            <a:r>
+              <a:rPr lang="en-US" sz="2400" dirty="0"/>
+              <a:t>Actively listen and watch what is being demoed</a:t>
+            </a:r>
+          </a:p>
+          <a:p>
+            <a:r>
+              <a:rPr lang="en-US" sz="2400" dirty="0"/>
+              <a:t>Come up with an meaning yet easy to answer question</a:t>
+            </a:r>
+          </a:p>
+          <a:p>
+            <a:r>
+              <a:rPr lang="en-US" sz="2400" dirty="0"/>
+              <a:t>During or after the demo ask your question if the presenter does not get “sufficient” questions from other listeners</a:t>
+            </a:r>
+          </a:p>
+          <a:p>
+            <a:r>
+              <a:rPr lang="en-US" sz="2400" dirty="0"/>
+              <a:t>Do not ask hard question or attempt to review the presenters code</a:t>
+            </a:r>
+          </a:p>
+          <a:p>
+            <a:r>
+              <a:rPr lang="en-US" sz="2400" dirty="0"/>
+              <a:t>Clap for the presenter at the end of the demo and thank them for presenting</a:t>
+            </a:r>
+          </a:p>
+          <a:p>
+            <a:r>
+              <a:rPr lang="en-US" sz="2400" dirty="0"/>
+              <a:t>If you have a hard question or want to make a recommendation, do it later and in private</a:t>
+            </a:r>
           </a:p>
         </p:txBody>
       </p:sp>
     </p:spTree>
     <p:extLst>
       <p:ext uri="{BB962C8B-B14F-4D97-AF65-F5344CB8AC3E}">
-        <p14:creationId xmlns:p14="http://schemas.microsoft.com/office/powerpoint/2010/main" val="1984899849"/>
+        <p14:creationId xmlns:p14="http://schemas.microsoft.com/office/powerpoint/2010/main" val="2856866655"/>
       </p:ext>
     </p:extLst>
   </p:cSld>
@@ -5740,6 +5612,159 @@
       </p:grpSpPr>
       <p:sp>
         <p:nvSpPr>
+          <p:cNvPr id="2" name="Title 1">
+            <a:extLst>
+              <a:ext uri="{FF2B5EF4-FFF2-40B4-BE49-F238E27FC236}">
+                <a16:creationId xmlns:a16="http://schemas.microsoft.com/office/drawing/2014/main" id="{2A5755BE-860E-40EB-ADA6-6E82BCB49EC3}"/>
+              </a:ext>
+            </a:extLst>
+          </p:cNvPr>
+          <p:cNvSpPr>
+            <a:spLocks noGrp="1"/>
+          </p:cNvSpPr>
+          <p:nvPr>
+            <p:ph type="title"/>
+          </p:nvPr>
+        </p:nvSpPr>
+        <p:spPr>
+          <a:xfrm>
+            <a:off x="838200" y="365125"/>
+            <a:ext cx="10515600" cy="1325563"/>
+          </a:xfrm>
+        </p:spPr>
+        <p:txBody>
+          <a:bodyPr/>
+          <a:lstStyle/>
+          <a:p>
+            <a:r>
+              <a:rPr lang="en-US" dirty="0"/>
+              <a:t>Javadoc </a:t>
+            </a:r>
+            <a:r>
+              <a:rPr lang="en-US" dirty="0">
+                <a:hlinkClick r:id="rId2"/>
+              </a:rPr>
+              <a:t>[link]</a:t>
+            </a:r>
+            <a:endParaRPr lang="en-US" dirty="0"/>
+          </a:p>
+        </p:txBody>
+      </p:sp>
+      <p:sp>
+        <p:nvSpPr>
+          <p:cNvPr id="3" name="Content Placeholder 2">
+            <a:extLst>
+              <a:ext uri="{FF2B5EF4-FFF2-40B4-BE49-F238E27FC236}">
+                <a16:creationId xmlns:a16="http://schemas.microsoft.com/office/drawing/2014/main" id="{72EF5DE0-5958-4171-A9E3-3D288A31AC3F}"/>
+              </a:ext>
+            </a:extLst>
+          </p:cNvPr>
+          <p:cNvSpPr>
+            <a:spLocks noGrp="1"/>
+          </p:cNvSpPr>
+          <p:nvPr>
+            <p:ph idx="1"/>
+          </p:nvPr>
+        </p:nvSpPr>
+        <p:spPr>
+          <a:xfrm>
+            <a:off x="838200" y="1654444"/>
+            <a:ext cx="10515600" cy="4522519"/>
+          </a:xfrm>
+        </p:spPr>
+        <p:txBody>
+          <a:bodyPr>
+            <a:normAutofit/>
+          </a:bodyPr>
+          <a:lstStyle/>
+          <a:p>
+            <a:pPr marL="0" indent="0">
+              <a:buNone/>
+            </a:pPr>
+            <a:r>
+              <a:rPr lang="en-US" dirty="0"/>
+              <a:t>History:</a:t>
+            </a:r>
+          </a:p>
+          <a:p>
+            <a:pPr marL="0" indent="0">
+              <a:buNone/>
+            </a:pPr>
+            <a:r>
+              <a:rPr lang="en-US" dirty="0"/>
+              <a:t>Javadoc was an early Java language </a:t>
+            </a:r>
+            <a:r>
+              <a:rPr lang="en-US" dirty="0">
+                <a:hlinkClick r:id="rId3" tooltip="Documentation generator"/>
+              </a:rPr>
+              <a:t>documentation generator</a:t>
+            </a:r>
+            <a:r>
+              <a:rPr lang="en-US" dirty="0"/>
+              <a:t>.</a:t>
+            </a:r>
+            <a:r>
+              <a:rPr lang="en-US" baseline="30000" dirty="0">
+                <a:hlinkClick r:id="rId4"/>
+              </a:rPr>
+              <a:t>[5]</a:t>
+            </a:r>
+            <a:r>
+              <a:rPr lang="en-US" dirty="0"/>
+              <a:t> Prior to the use of documentation generators it was customary to use technical writers who would typically write only standalone documentation for the software,</a:t>
+            </a:r>
+            <a:r>
+              <a:rPr lang="en-US" baseline="30000" dirty="0">
+                <a:hlinkClick r:id="rId5"/>
+              </a:rPr>
+              <a:t>[6]</a:t>
+            </a:r>
+            <a:r>
+              <a:rPr lang="en-US" dirty="0"/>
+              <a:t> but it was much harder to keep this documentation in sync with the software itself.</a:t>
+            </a:r>
+          </a:p>
+          <a:p>
+            <a:pPr marL="0" indent="0">
+              <a:buNone/>
+            </a:pPr>
+            <a:endParaRPr lang="en-US" sz="2000" dirty="0"/>
+          </a:p>
+        </p:txBody>
+      </p:sp>
+    </p:spTree>
+    <p:extLst>
+      <p:ext uri="{BB962C8B-B14F-4D97-AF65-F5344CB8AC3E}">
+        <p14:creationId xmlns:p14="http://schemas.microsoft.com/office/powerpoint/2010/main" val="1984899849"/>
+      </p:ext>
+    </p:extLst>
+  </p:cSld>
+  <p:clrMapOvr>
+    <a:masterClrMapping/>
+  </p:clrMapOvr>
+</p:sld>
+</file>
+
+<file path=ppt/slides/slide16.xml><?xml version="1.0" encoding="utf-8"?>
+<p:sld xmlns:a="http://schemas.openxmlformats.org/drawingml/2006/main" xmlns:r="http://schemas.openxmlformats.org/officeDocument/2006/relationships" xmlns:p="http://schemas.openxmlformats.org/presentationml/2006/main">
+  <p:cSld>
+    <p:spTree>
+      <p:nvGrpSpPr>
+        <p:cNvPr id="1" name=""/>
+        <p:cNvGrpSpPr/>
+        <p:nvPr/>
+      </p:nvGrpSpPr>
+      <p:grpSpPr>
+        <a:xfrm>
+          <a:off x="0" y="0"/>
+          <a:ext cx="0" cy="0"/>
+          <a:chOff x="0" y="0"/>
+          <a:chExt cx="0" cy="0"/>
+        </a:xfrm>
+      </p:grpSpPr>
+      <p:sp>
+        <p:nvSpPr>
           <p:cNvPr id="4" name="Title 1">
             <a:extLst>
               <a:ext uri="{FF2B5EF4-FFF2-40B4-BE49-F238E27FC236}">
@@ -5865,7 +5890,7 @@
 </p:sld>
 </file>
 
-<file path=ppt/slides/slide16.xml><?xml version="1.0" encoding="utf-8"?>
+<file path=ppt/slides/slide17.xml><?xml version="1.0" encoding="utf-8"?>
 <p:sld xmlns:a="http://schemas.openxmlformats.org/drawingml/2006/main" xmlns:r="http://schemas.openxmlformats.org/officeDocument/2006/relationships" xmlns:p="http://schemas.openxmlformats.org/presentationml/2006/main">
   <p:cSld>
     <p:spTree>
@@ -5925,7 +5950,7 @@
 </p:sld>
 </file>
 
-<file path=ppt/slides/slide17.xml><?xml version="1.0" encoding="utf-8"?>
+<file path=ppt/slides/slide18.xml><?xml version="1.0" encoding="utf-8"?>
 <p:sld xmlns:a="http://schemas.openxmlformats.org/drawingml/2006/main" xmlns:r="http://schemas.openxmlformats.org/officeDocument/2006/relationships" xmlns:p="http://schemas.openxmlformats.org/presentationml/2006/main">
   <p:cSld>
     <p:spTree>
@@ -5985,6 +6010,125 @@
 </p:sld>
 </file>
 
+<file path=ppt/slides/slide19.xml><?xml version="1.0" encoding="utf-8"?>
+<p:sld xmlns:a="http://schemas.openxmlformats.org/drawingml/2006/main" xmlns:r="http://schemas.openxmlformats.org/officeDocument/2006/relationships" xmlns:p="http://schemas.openxmlformats.org/presentationml/2006/main">
+  <p:cSld>
+    <p:spTree>
+      <p:nvGrpSpPr>
+        <p:cNvPr id="1" name=""/>
+        <p:cNvGrpSpPr/>
+        <p:nvPr/>
+      </p:nvGrpSpPr>
+      <p:grpSpPr>
+        <a:xfrm>
+          <a:off x="0" y="0"/>
+          <a:ext cx="0" cy="0"/>
+          <a:chOff x="0" y="0"/>
+          <a:chExt cx="0" cy="0"/>
+        </a:xfrm>
+      </p:grpSpPr>
+      <p:sp>
+        <p:nvSpPr>
+          <p:cNvPr id="2" name="Title 1"/>
+          <p:cNvSpPr>
+            <a:spLocks noGrp="1"/>
+          </p:cNvSpPr>
+          <p:nvPr>
+            <p:ph type="title"/>
+          </p:nvPr>
+        </p:nvSpPr>
+        <p:spPr/>
+        <p:txBody>
+          <a:bodyPr/>
+          <a:lstStyle/>
+          <a:p>
+            <a:r>
+              <a:rPr lang="en-US" dirty="0"/>
+              <a:t>UML Class Diagram </a:t>
+            </a:r>
+            <a:r>
+              <a:rPr lang="en-US" dirty="0">
+                <a:hlinkClick r:id="rId3"/>
+              </a:rPr>
+              <a:t>[link]</a:t>
+            </a:r>
+            <a:endParaRPr lang="en-US" dirty="0"/>
+          </a:p>
+        </p:txBody>
+      </p:sp>
+      <p:pic>
+        <p:nvPicPr>
+          <p:cNvPr id="4" name="Picture 3">
+            <a:extLst>
+              <a:ext uri="{FF2B5EF4-FFF2-40B4-BE49-F238E27FC236}">
+                <a16:creationId xmlns:a16="http://schemas.microsoft.com/office/drawing/2014/main" id="{D24172C6-4E88-40E4-9F2B-2257B0C8B5A5}"/>
+              </a:ext>
+            </a:extLst>
+          </p:cNvPr>
+          <p:cNvPicPr>
+            <a:picLocks noChangeAspect="1"/>
+          </p:cNvPicPr>
+          <p:nvPr/>
+        </p:nvPicPr>
+        <p:blipFill>
+          <a:blip r:embed="rId4"/>
+          <a:stretch>
+            <a:fillRect/>
+          </a:stretch>
+        </p:blipFill>
+        <p:spPr>
+          <a:xfrm>
+            <a:off x="10649194" y="166363"/>
+            <a:ext cx="1409212" cy="1342896"/>
+          </a:xfrm>
+          <a:prstGeom prst="rect">
+            <a:avLst/>
+          </a:prstGeom>
+        </p:spPr>
+      </p:pic>
+      <p:pic>
+        <p:nvPicPr>
+          <p:cNvPr id="10" name="Picture 9">
+            <a:extLst>
+              <a:ext uri="{FF2B5EF4-FFF2-40B4-BE49-F238E27FC236}">
+                <a16:creationId xmlns:a16="http://schemas.microsoft.com/office/drawing/2014/main" id="{3AA695BD-601F-42F6-93C8-B300FAA5D970}"/>
+              </a:ext>
+            </a:extLst>
+          </p:cNvPr>
+          <p:cNvPicPr>
+            <a:picLocks noChangeAspect="1"/>
+          </p:cNvPicPr>
+          <p:nvPr/>
+        </p:nvPicPr>
+        <p:blipFill>
+          <a:blip r:embed="rId5"/>
+          <a:stretch>
+            <a:fillRect/>
+          </a:stretch>
+        </p:blipFill>
+        <p:spPr>
+          <a:xfrm>
+            <a:off x="838200" y="1607599"/>
+            <a:ext cx="9681184" cy="3642802"/>
+          </a:xfrm>
+          <a:prstGeom prst="rect">
+            <a:avLst/>
+          </a:prstGeom>
+        </p:spPr>
+      </p:pic>
+    </p:spTree>
+    <p:extLst>
+      <p:ext uri="{BB962C8B-B14F-4D97-AF65-F5344CB8AC3E}">
+        <p14:creationId xmlns:p14="http://schemas.microsoft.com/office/powerpoint/2010/main" val="650287172"/>
+      </p:ext>
+    </p:extLst>
+  </p:cSld>
+  <p:clrMapOvr>
+    <a:masterClrMapping/>
+  </p:clrMapOvr>
+</p:sld>
+</file>
+
 <file path=ppt/slides/slide2.xml><?xml version="1.0" encoding="utf-8"?>
 <p:sld xmlns:a="http://schemas.openxmlformats.org/drawingml/2006/main" xmlns:r="http://schemas.openxmlformats.org/officeDocument/2006/relationships" xmlns:p="http://schemas.openxmlformats.org/presentationml/2006/main">
   <p:cSld>
@@ -6025,17 +6169,17 @@
           <a:p>
             <a:r>
               <a:rPr lang="en-US" dirty="0"/>
-              <a:t>Assignment from Last Class</a:t>
-            </a:r>
-          </a:p>
-        </p:txBody>
-      </p:sp>
-      <p:sp>
-        <p:nvSpPr>
-          <p:cNvPr id="6" name="Content Placeholder 2">
-            <a:extLst>
-              <a:ext uri="{FF2B5EF4-FFF2-40B4-BE49-F238E27FC236}">
-                <a16:creationId xmlns:a16="http://schemas.microsoft.com/office/drawing/2014/main" id="{EF0CCFEB-22C1-494E-8958-99AB2B38C40C}"/>
+              <a:t>Assignment</a:t>
+            </a:r>
+          </a:p>
+        </p:txBody>
+      </p:sp>
+      <p:sp>
+        <p:nvSpPr>
+          <p:cNvPr id="3" name="Content Placeholder 2">
+            <a:extLst>
+              <a:ext uri="{FF2B5EF4-FFF2-40B4-BE49-F238E27FC236}">
+                <a16:creationId xmlns:a16="http://schemas.microsoft.com/office/drawing/2014/main" id="{72EF5DE0-5958-4171-A9E3-3D288A31AC3F}"/>
               </a:ext>
             </a:extLst>
           </p:cNvPr>
@@ -6063,7 +6207,7 @@
             </a:pPr>
             <a:r>
               <a:rPr lang="en-US" sz="2000" dirty="0"/>
-              <a:t>Complete all items on the sprint 1 Activities List with the possible exceptions of Programming Assignment 1 and Quiz 1. You should have a solid start on both items, but It is okay if you need to spend some time over the weekend to complete them.</a:t>
+              <a:t>ALL Sprint 1 Assignments &amp; Activity List Items are due Sunday.</a:t>
             </a:r>
           </a:p>
           <a:p>
@@ -6071,30 +6215,6 @@
               <a:buNone/>
             </a:pPr>
             <a:endParaRPr lang="en-US" sz="2000" dirty="0"/>
-          </a:p>
-          <a:p>
-            <a:pPr marL="0" indent="0">
-              <a:buNone/>
-            </a:pPr>
-            <a:r>
-              <a:rPr lang="en-US" sz="2000" dirty="0"/>
-              <a:t>Be ready to Discuss OOP Patterns and to present your team’s Pattern</a:t>
-            </a:r>
-          </a:p>
-          <a:p>
-            <a:pPr marL="0" indent="0">
-              <a:buNone/>
-            </a:pPr>
-            <a:endParaRPr lang="en-US" sz="2000" dirty="0"/>
-          </a:p>
-          <a:p>
-            <a:pPr marL="0" indent="0">
-              <a:buNone/>
-            </a:pPr>
-            <a:r>
-              <a:rPr lang="en-US" sz="2000" dirty="0"/>
-              <a:t>Take your name tags with you and bring them back to class through the end of Sprint 2</a:t>
-            </a:r>
           </a:p>
           <a:p>
             <a:pPr marL="0" indent="0">
@@ -6110,7 +6230,627 @@
     </p:spTree>
     <p:extLst>
       <p:ext uri="{BB962C8B-B14F-4D97-AF65-F5344CB8AC3E}">
-        <p14:creationId xmlns:p14="http://schemas.microsoft.com/office/powerpoint/2010/main" val="386217113"/>
+        <p14:creationId xmlns:p14="http://schemas.microsoft.com/office/powerpoint/2010/main" val="913275552"/>
+      </p:ext>
+    </p:extLst>
+  </p:cSld>
+  <p:clrMapOvr>
+    <a:masterClrMapping/>
+  </p:clrMapOvr>
+</p:sld>
+</file>
+
+<file path=ppt/slides/slide20.xml><?xml version="1.0" encoding="utf-8"?>
+<p:sld xmlns:a="http://schemas.openxmlformats.org/drawingml/2006/main" xmlns:r="http://schemas.openxmlformats.org/officeDocument/2006/relationships" xmlns:p="http://schemas.openxmlformats.org/presentationml/2006/main">
+  <p:cSld>
+    <p:spTree>
+      <p:nvGrpSpPr>
+        <p:cNvPr id="1" name=""/>
+        <p:cNvGrpSpPr/>
+        <p:nvPr/>
+      </p:nvGrpSpPr>
+      <p:grpSpPr>
+        <a:xfrm>
+          <a:off x="0" y="0"/>
+          <a:ext cx="0" cy="0"/>
+          <a:chOff x="0" y="0"/>
+          <a:chExt cx="0" cy="0"/>
+        </a:xfrm>
+      </p:grpSpPr>
+      <p:sp>
+        <p:nvSpPr>
+          <p:cNvPr id="2" name="Title 1"/>
+          <p:cNvSpPr>
+            <a:spLocks noGrp="1"/>
+          </p:cNvSpPr>
+          <p:nvPr>
+            <p:ph type="title"/>
+          </p:nvPr>
+        </p:nvSpPr>
+        <p:spPr/>
+        <p:txBody>
+          <a:bodyPr/>
+          <a:lstStyle/>
+          <a:p>
+            <a:r>
+              <a:rPr lang="en-US" dirty="0"/>
+              <a:t>UML Class Diagram (continued) </a:t>
+            </a:r>
+            <a:r>
+              <a:rPr lang="en-US" dirty="0">
+                <a:hlinkClick r:id="rId3"/>
+              </a:rPr>
+              <a:t>[link]</a:t>
+            </a:r>
+            <a:endParaRPr lang="en-US" dirty="0"/>
+          </a:p>
+        </p:txBody>
+      </p:sp>
+      <p:pic>
+        <p:nvPicPr>
+          <p:cNvPr id="4" name="Picture 3">
+            <a:extLst>
+              <a:ext uri="{FF2B5EF4-FFF2-40B4-BE49-F238E27FC236}">
+                <a16:creationId xmlns:a16="http://schemas.microsoft.com/office/drawing/2014/main" id="{D24172C6-4E88-40E4-9F2B-2257B0C8B5A5}"/>
+              </a:ext>
+            </a:extLst>
+          </p:cNvPr>
+          <p:cNvPicPr>
+            <a:picLocks noChangeAspect="1"/>
+          </p:cNvPicPr>
+          <p:nvPr/>
+        </p:nvPicPr>
+        <p:blipFill>
+          <a:blip r:embed="rId4"/>
+          <a:stretch>
+            <a:fillRect/>
+          </a:stretch>
+        </p:blipFill>
+        <p:spPr>
+          <a:xfrm>
+            <a:off x="10649194" y="166363"/>
+            <a:ext cx="1409212" cy="1342896"/>
+          </a:xfrm>
+          <a:prstGeom prst="rect">
+            <a:avLst/>
+          </a:prstGeom>
+        </p:spPr>
+      </p:pic>
+      <p:pic>
+        <p:nvPicPr>
+          <p:cNvPr id="11" name="Picture 10">
+            <a:extLst>
+              <a:ext uri="{FF2B5EF4-FFF2-40B4-BE49-F238E27FC236}">
+                <a16:creationId xmlns:a16="http://schemas.microsoft.com/office/drawing/2014/main" id="{0C57A4F9-0DFF-4DA0-886E-941E65EA354C}"/>
+              </a:ext>
+            </a:extLst>
+          </p:cNvPr>
+          <p:cNvPicPr>
+            <a:picLocks noChangeAspect="1"/>
+          </p:cNvPicPr>
+          <p:nvPr/>
+        </p:nvPicPr>
+        <p:blipFill>
+          <a:blip r:embed="rId5"/>
+          <a:stretch>
+            <a:fillRect/>
+          </a:stretch>
+        </p:blipFill>
+        <p:spPr>
+          <a:xfrm>
+            <a:off x="3632416" y="1690688"/>
+            <a:ext cx="5770291" cy="3846861"/>
+          </a:xfrm>
+          <a:prstGeom prst="rect">
+            <a:avLst/>
+          </a:prstGeom>
+        </p:spPr>
+      </p:pic>
+      <p:pic>
+        <p:nvPicPr>
+          <p:cNvPr id="3" name="Picture 2">
+            <a:extLst>
+              <a:ext uri="{FF2B5EF4-FFF2-40B4-BE49-F238E27FC236}">
+                <a16:creationId xmlns:a16="http://schemas.microsoft.com/office/drawing/2014/main" id="{03BBC74C-529E-483F-B86C-3AF584FA8126}"/>
+              </a:ext>
+            </a:extLst>
+          </p:cNvPr>
+          <p:cNvPicPr>
+            <a:picLocks noChangeAspect="1"/>
+          </p:cNvPicPr>
+          <p:nvPr/>
+        </p:nvPicPr>
+        <p:blipFill>
+          <a:blip r:embed="rId6"/>
+          <a:stretch>
+            <a:fillRect/>
+          </a:stretch>
+        </p:blipFill>
+        <p:spPr>
+          <a:xfrm rot="10800000">
+            <a:off x="9402707" y="2505215"/>
+            <a:ext cx="530398" cy="402371"/>
+          </a:xfrm>
+          <a:prstGeom prst="rect">
+            <a:avLst/>
+          </a:prstGeom>
+        </p:spPr>
+      </p:pic>
+      <p:pic>
+        <p:nvPicPr>
+          <p:cNvPr id="7" name="Picture 6">
+            <a:extLst>
+              <a:ext uri="{FF2B5EF4-FFF2-40B4-BE49-F238E27FC236}">
+                <a16:creationId xmlns:a16="http://schemas.microsoft.com/office/drawing/2014/main" id="{0D675587-F3E8-44A2-A98E-C11DC68E2A33}"/>
+              </a:ext>
+            </a:extLst>
+          </p:cNvPr>
+          <p:cNvPicPr>
+            <a:picLocks noChangeAspect="1"/>
+          </p:cNvPicPr>
+          <p:nvPr/>
+        </p:nvPicPr>
+        <p:blipFill>
+          <a:blip r:embed="rId6"/>
+          <a:stretch>
+            <a:fillRect/>
+          </a:stretch>
+        </p:blipFill>
+        <p:spPr>
+          <a:xfrm rot="10800000">
+            <a:off x="9402707" y="4233149"/>
+            <a:ext cx="530398" cy="402371"/>
+          </a:xfrm>
+          <a:prstGeom prst="rect">
+            <a:avLst/>
+          </a:prstGeom>
+        </p:spPr>
+      </p:pic>
+      <p:pic>
+        <p:nvPicPr>
+          <p:cNvPr id="5" name="Picture 4">
+            <a:extLst>
+              <a:ext uri="{FF2B5EF4-FFF2-40B4-BE49-F238E27FC236}">
+                <a16:creationId xmlns:a16="http://schemas.microsoft.com/office/drawing/2014/main" id="{1DCF1544-E125-4D95-BFC4-38BFD13B9880}"/>
+              </a:ext>
+            </a:extLst>
+          </p:cNvPr>
+          <p:cNvPicPr>
+            <a:picLocks noChangeAspect="1"/>
+          </p:cNvPicPr>
+          <p:nvPr/>
+        </p:nvPicPr>
+        <p:blipFill>
+          <a:blip r:embed="rId7"/>
+          <a:stretch>
+            <a:fillRect/>
+          </a:stretch>
+        </p:blipFill>
+        <p:spPr>
+          <a:xfrm>
+            <a:off x="9402707" y="4824668"/>
+            <a:ext cx="530398" cy="402371"/>
+          </a:xfrm>
+          <a:prstGeom prst="rect">
+            <a:avLst/>
+          </a:prstGeom>
+        </p:spPr>
+      </p:pic>
+    </p:spTree>
+    <p:extLst>
+      <p:ext uri="{BB962C8B-B14F-4D97-AF65-F5344CB8AC3E}">
+        <p14:creationId xmlns:p14="http://schemas.microsoft.com/office/powerpoint/2010/main" val="461729907"/>
+      </p:ext>
+    </p:extLst>
+  </p:cSld>
+  <p:clrMapOvr>
+    <a:masterClrMapping/>
+  </p:clrMapOvr>
+  <p:timing>
+    <p:tnLst>
+      <p:par>
+        <p:cTn id="1" dur="indefinite" restart="never" nodeType="tmRoot">
+          <p:childTnLst>
+            <p:seq concurrent="1" nextAc="seek">
+              <p:cTn id="2" dur="indefinite" nodeType="mainSeq">
+                <p:childTnLst>
+                  <p:par>
+                    <p:cTn id="3" fill="hold">
+                      <p:stCondLst>
+                        <p:cond delay="indefinite"/>
+                      </p:stCondLst>
+                      <p:childTnLst>
+                        <p:par>
+                          <p:cTn id="4" fill="hold">
+                            <p:stCondLst>
+                              <p:cond delay="0"/>
+                            </p:stCondLst>
+                            <p:childTnLst>
+                              <p:par>
+                                <p:cTn id="5" presetID="2" presetClass="entr" presetSubtype="4" fill="hold" nodeType="clickEffect">
+                                  <p:stCondLst>
+                                    <p:cond delay="0"/>
+                                  </p:stCondLst>
+                                  <p:childTnLst>
+                                    <p:set>
+                                      <p:cBhvr>
+                                        <p:cTn id="6" dur="1" fill="hold">
+                                          <p:stCondLst>
+                                            <p:cond delay="0"/>
+                                          </p:stCondLst>
+                                        </p:cTn>
+                                        <p:tgtEl>
+                                          <p:spTgt spid="3"/>
+                                        </p:tgtEl>
+                                        <p:attrNameLst>
+                                          <p:attrName>style.visibility</p:attrName>
+                                        </p:attrNameLst>
+                                      </p:cBhvr>
+                                      <p:to>
+                                        <p:strVal val="visible"/>
+                                      </p:to>
+                                    </p:set>
+                                    <p:anim calcmode="lin" valueType="num">
+                                      <p:cBhvr additive="base">
+                                        <p:cTn id="7" dur="500" fill="hold"/>
+                                        <p:tgtEl>
+                                          <p:spTgt spid="3"/>
+                                        </p:tgtEl>
+                                        <p:attrNameLst>
+                                          <p:attrName>ppt_x</p:attrName>
+                                        </p:attrNameLst>
+                                      </p:cBhvr>
+                                      <p:tavLst>
+                                        <p:tav tm="0">
+                                          <p:val>
+                                            <p:strVal val="#ppt_x"/>
+                                          </p:val>
+                                        </p:tav>
+                                        <p:tav tm="100000">
+                                          <p:val>
+                                            <p:strVal val="#ppt_x"/>
+                                          </p:val>
+                                        </p:tav>
+                                      </p:tavLst>
+                                    </p:anim>
+                                    <p:anim calcmode="lin" valueType="num">
+                                      <p:cBhvr additive="base">
+                                        <p:cTn id="8" dur="500" fill="hold"/>
+                                        <p:tgtEl>
+                                          <p:spTgt spid="3"/>
+                                        </p:tgtEl>
+                                        <p:attrNameLst>
+                                          <p:attrName>ppt_y</p:attrName>
+                                        </p:attrNameLst>
+                                      </p:cBhvr>
+                                      <p:tavLst>
+                                        <p:tav tm="0">
+                                          <p:val>
+                                            <p:strVal val="1+#ppt_h/2"/>
+                                          </p:val>
+                                        </p:tav>
+                                        <p:tav tm="100000">
+                                          <p:val>
+                                            <p:strVal val="#ppt_y"/>
+                                          </p:val>
+                                        </p:tav>
+                                      </p:tavLst>
+                                    </p:anim>
+                                  </p:childTnLst>
+                                </p:cTn>
+                              </p:par>
+                            </p:childTnLst>
+                          </p:cTn>
+                        </p:par>
+                      </p:childTnLst>
+                    </p:cTn>
+                  </p:par>
+                  <p:par>
+                    <p:cTn id="9" fill="hold">
+                      <p:stCondLst>
+                        <p:cond delay="indefinite"/>
+                      </p:stCondLst>
+                      <p:childTnLst>
+                        <p:par>
+                          <p:cTn id="10" fill="hold">
+                            <p:stCondLst>
+                              <p:cond delay="0"/>
+                            </p:stCondLst>
+                            <p:childTnLst>
+                              <p:par>
+                                <p:cTn id="11" presetID="2" presetClass="entr" presetSubtype="4" fill="hold" nodeType="clickEffect">
+                                  <p:stCondLst>
+                                    <p:cond delay="0"/>
+                                  </p:stCondLst>
+                                  <p:childTnLst>
+                                    <p:set>
+                                      <p:cBhvr>
+                                        <p:cTn id="12" dur="1" fill="hold">
+                                          <p:stCondLst>
+                                            <p:cond delay="0"/>
+                                          </p:stCondLst>
+                                        </p:cTn>
+                                        <p:tgtEl>
+                                          <p:spTgt spid="7"/>
+                                        </p:tgtEl>
+                                        <p:attrNameLst>
+                                          <p:attrName>style.visibility</p:attrName>
+                                        </p:attrNameLst>
+                                      </p:cBhvr>
+                                      <p:to>
+                                        <p:strVal val="visible"/>
+                                      </p:to>
+                                    </p:set>
+                                    <p:anim calcmode="lin" valueType="num">
+                                      <p:cBhvr additive="base">
+                                        <p:cTn id="13" dur="500" fill="hold"/>
+                                        <p:tgtEl>
+                                          <p:spTgt spid="7"/>
+                                        </p:tgtEl>
+                                        <p:attrNameLst>
+                                          <p:attrName>ppt_x</p:attrName>
+                                        </p:attrNameLst>
+                                      </p:cBhvr>
+                                      <p:tavLst>
+                                        <p:tav tm="0">
+                                          <p:val>
+                                            <p:strVal val="#ppt_x"/>
+                                          </p:val>
+                                        </p:tav>
+                                        <p:tav tm="100000">
+                                          <p:val>
+                                            <p:strVal val="#ppt_x"/>
+                                          </p:val>
+                                        </p:tav>
+                                      </p:tavLst>
+                                    </p:anim>
+                                    <p:anim calcmode="lin" valueType="num">
+                                      <p:cBhvr additive="base">
+                                        <p:cTn id="14" dur="500" fill="hold"/>
+                                        <p:tgtEl>
+                                          <p:spTgt spid="7"/>
+                                        </p:tgtEl>
+                                        <p:attrNameLst>
+                                          <p:attrName>ppt_y</p:attrName>
+                                        </p:attrNameLst>
+                                      </p:cBhvr>
+                                      <p:tavLst>
+                                        <p:tav tm="0">
+                                          <p:val>
+                                            <p:strVal val="1+#ppt_h/2"/>
+                                          </p:val>
+                                        </p:tav>
+                                        <p:tav tm="100000">
+                                          <p:val>
+                                            <p:strVal val="#ppt_y"/>
+                                          </p:val>
+                                        </p:tav>
+                                      </p:tavLst>
+                                    </p:anim>
+                                  </p:childTnLst>
+                                </p:cTn>
+                              </p:par>
+                            </p:childTnLst>
+                          </p:cTn>
+                        </p:par>
+                      </p:childTnLst>
+                    </p:cTn>
+                  </p:par>
+                  <p:par>
+                    <p:cTn id="15" fill="hold">
+                      <p:stCondLst>
+                        <p:cond delay="indefinite"/>
+                      </p:stCondLst>
+                      <p:childTnLst>
+                        <p:par>
+                          <p:cTn id="16" fill="hold">
+                            <p:stCondLst>
+                              <p:cond delay="0"/>
+                            </p:stCondLst>
+                            <p:childTnLst>
+                              <p:par>
+                                <p:cTn id="17" presetID="2" presetClass="entr" presetSubtype="4" fill="hold" nodeType="clickEffect">
+                                  <p:stCondLst>
+                                    <p:cond delay="0"/>
+                                  </p:stCondLst>
+                                  <p:childTnLst>
+                                    <p:set>
+                                      <p:cBhvr>
+                                        <p:cTn id="18" dur="1" fill="hold">
+                                          <p:stCondLst>
+                                            <p:cond delay="0"/>
+                                          </p:stCondLst>
+                                        </p:cTn>
+                                        <p:tgtEl>
+                                          <p:spTgt spid="5"/>
+                                        </p:tgtEl>
+                                        <p:attrNameLst>
+                                          <p:attrName>style.visibility</p:attrName>
+                                        </p:attrNameLst>
+                                      </p:cBhvr>
+                                      <p:to>
+                                        <p:strVal val="visible"/>
+                                      </p:to>
+                                    </p:set>
+                                    <p:anim calcmode="lin" valueType="num">
+                                      <p:cBhvr additive="base">
+                                        <p:cTn id="19" dur="500" fill="hold"/>
+                                        <p:tgtEl>
+                                          <p:spTgt spid="5"/>
+                                        </p:tgtEl>
+                                        <p:attrNameLst>
+                                          <p:attrName>ppt_x</p:attrName>
+                                        </p:attrNameLst>
+                                      </p:cBhvr>
+                                      <p:tavLst>
+                                        <p:tav tm="0">
+                                          <p:val>
+                                            <p:strVal val="#ppt_x"/>
+                                          </p:val>
+                                        </p:tav>
+                                        <p:tav tm="100000">
+                                          <p:val>
+                                            <p:strVal val="#ppt_x"/>
+                                          </p:val>
+                                        </p:tav>
+                                      </p:tavLst>
+                                    </p:anim>
+                                    <p:anim calcmode="lin" valueType="num">
+                                      <p:cBhvr additive="base">
+                                        <p:cTn id="20" dur="500" fill="hold"/>
+                                        <p:tgtEl>
+                                          <p:spTgt spid="5"/>
+                                        </p:tgtEl>
+                                        <p:attrNameLst>
+                                          <p:attrName>ppt_y</p:attrName>
+                                        </p:attrNameLst>
+                                      </p:cBhvr>
+                                      <p:tavLst>
+                                        <p:tav tm="0">
+                                          <p:val>
+                                            <p:strVal val="1+#ppt_h/2"/>
+                                          </p:val>
+                                        </p:tav>
+                                        <p:tav tm="100000">
+                                          <p:val>
+                                            <p:strVal val="#ppt_y"/>
+                                          </p:val>
+                                        </p:tav>
+                                      </p:tavLst>
+                                    </p:anim>
+                                  </p:childTnLst>
+                                </p:cTn>
+                              </p:par>
+                            </p:childTnLst>
+                          </p:cTn>
+                        </p:par>
+                      </p:childTnLst>
+                    </p:cTn>
+                  </p:par>
+                </p:childTnLst>
+              </p:cTn>
+              <p:prevCondLst>
+                <p:cond evt="onPrev" delay="0">
+                  <p:tgtEl>
+                    <p:sldTgt/>
+                  </p:tgtEl>
+                </p:cond>
+              </p:prevCondLst>
+              <p:nextCondLst>
+                <p:cond evt="onNext" delay="0">
+                  <p:tgtEl>
+                    <p:sldTgt/>
+                  </p:tgtEl>
+                </p:cond>
+              </p:nextCondLst>
+            </p:seq>
+          </p:childTnLst>
+        </p:cTn>
+      </p:par>
+    </p:tnLst>
+  </p:timing>
+</p:sld>
+</file>
+
+<file path=ppt/slides/slide21.xml><?xml version="1.0" encoding="utf-8"?>
+<p:sld xmlns:a="http://schemas.openxmlformats.org/drawingml/2006/main" xmlns:r="http://schemas.openxmlformats.org/officeDocument/2006/relationships" xmlns:p="http://schemas.openxmlformats.org/presentationml/2006/main">
+  <p:cSld>
+    <p:spTree>
+      <p:nvGrpSpPr>
+        <p:cNvPr id="1" name=""/>
+        <p:cNvGrpSpPr/>
+        <p:nvPr/>
+      </p:nvGrpSpPr>
+      <p:grpSpPr>
+        <a:xfrm>
+          <a:off x="0" y="0"/>
+          <a:ext cx="0" cy="0"/>
+          <a:chOff x="0" y="0"/>
+          <a:chExt cx="0" cy="0"/>
+        </a:xfrm>
+      </p:grpSpPr>
+      <p:sp>
+        <p:nvSpPr>
+          <p:cNvPr id="2" name="Title 1">
+            <a:extLst>
+              <a:ext uri="{FF2B5EF4-FFF2-40B4-BE49-F238E27FC236}">
+                <a16:creationId xmlns:a16="http://schemas.microsoft.com/office/drawing/2014/main" id="{E52A0004-AEC1-4D2F-8A7E-370FDC8B4F59}"/>
+              </a:ext>
+            </a:extLst>
+          </p:cNvPr>
+          <p:cNvSpPr>
+            <a:spLocks noGrp="1"/>
+          </p:cNvSpPr>
+          <p:nvPr>
+            <p:ph type="title"/>
+          </p:nvPr>
+        </p:nvSpPr>
+        <p:spPr>
+          <a:xfrm>
+            <a:off x="5277329" y="640080"/>
+            <a:ext cx="6274590" cy="4018341"/>
+          </a:xfrm>
+          <a:noFill/>
+        </p:spPr>
+        <p:txBody>
+          <a:bodyPr vert="horz" lIns="91440" tIns="45720" rIns="91440" bIns="45720" rtlCol="0" anchor="b">
+            <a:normAutofit/>
+          </a:bodyPr>
+          <a:lstStyle/>
+          <a:p>
+            <a:r>
+              <a:rPr lang="en-US" sz="6000" dirty="0"/>
+              <a:t>UML – </a:t>
+            </a:r>
+            <a:br>
+              <a:rPr lang="en-US" sz="6000" dirty="0"/>
+            </a:br>
+            <a:r>
+              <a:rPr lang="en-US" sz="6000" dirty="0"/>
+              <a:t>BMI Calculator Plus</a:t>
+            </a:r>
+          </a:p>
+        </p:txBody>
+      </p:sp>
+      <p:pic>
+        <p:nvPicPr>
+          <p:cNvPr id="5" name="Picture 4" descr="A close up of text on a whiteboard&#10;&#10;Description automatically generated">
+            <a:extLst>
+              <a:ext uri="{FF2B5EF4-FFF2-40B4-BE49-F238E27FC236}">
+                <a16:creationId xmlns:a16="http://schemas.microsoft.com/office/drawing/2014/main" id="{209B76B0-D4A0-4841-8811-CF57C2FCF540}"/>
+              </a:ext>
+            </a:extLst>
+          </p:cNvPr>
+          <p:cNvPicPr>
+            <a:picLocks noChangeAspect="1"/>
+          </p:cNvPicPr>
+          <p:nvPr/>
+        </p:nvPicPr>
+        <p:blipFill rotWithShape="1">
+          <a:blip r:embed="rId3">
+            <a:extLst>
+              <a:ext uri="{28A0092B-C50C-407E-A947-70E740481C1C}">
+                <a14:useLocalDpi xmlns:a14="http://schemas.microsoft.com/office/drawing/2010/main" val="0"/>
+              </a:ext>
+            </a:extLst>
+          </a:blip>
+          <a:srcRect r="5741"/>
+          <a:stretch/>
+        </p:blipFill>
+        <p:spPr>
+          <a:xfrm>
+            <a:off x="1" y="10"/>
+            <a:ext cx="4654296" cy="6857990"/>
+          </a:xfrm>
+          <a:prstGeom prst="rect">
+            <a:avLst/>
+          </a:prstGeom>
+        </p:spPr>
+      </p:pic>
+    </p:spTree>
+    <p:extLst>
+      <p:ext uri="{BB962C8B-B14F-4D97-AF65-F5344CB8AC3E}">
+        <p14:creationId xmlns:p14="http://schemas.microsoft.com/office/powerpoint/2010/main" val="2044386253"/>
       </p:ext>
     </p:extLst>
   </p:cSld>
@@ -6139,29 +6879,112 @@
       </p:grpSpPr>
       <p:sp>
         <p:nvSpPr>
-          <p:cNvPr id="2" name="Title 1"/>
-          <p:cNvSpPr>
-            <a:spLocks noGrp="1"/>
-          </p:cNvSpPr>
-          <p:nvPr>
-            <p:ph type="ctrTitle"/>
+          <p:cNvPr id="4" name="Title 1">
+            <a:extLst>
+              <a:ext uri="{FF2B5EF4-FFF2-40B4-BE49-F238E27FC236}">
+                <a16:creationId xmlns:a16="http://schemas.microsoft.com/office/drawing/2014/main" id="{527CE47F-3EF6-48CA-9239-E8B6E5C6B41A}"/>
+              </a:ext>
+            </a:extLst>
+          </p:cNvPr>
+          <p:cNvSpPr>
+            <a:spLocks noGrp="1"/>
+          </p:cNvSpPr>
+          <p:nvPr>
+            <p:ph type="title"/>
           </p:nvPr>
         </p:nvSpPr>
         <p:spPr>
           <a:xfrm>
-            <a:off x="1496683" y="3025490"/>
-            <a:ext cx="9198634" cy="807019"/>
+            <a:off x="838200" y="365125"/>
+            <a:ext cx="10515600" cy="1325563"/>
           </a:xfrm>
         </p:spPr>
         <p:txBody>
-          <a:bodyPr anchor="ctr">
-            <a:normAutofit fontScale="90000"/>
+          <a:bodyPr>
+            <a:normAutofit/>
           </a:bodyPr>
           <a:lstStyle/>
           <a:p>
             <a:r>
-              <a:rPr lang="en-US" sz="4800" dirty="0"/>
-              <a:t>One Space or Two Spaces After a Period?</a:t>
+              <a:rPr lang="en-US" sz="3600" dirty="0"/>
+              <a:t>Start, Stop, Continue Retrospective Feedback Model</a:t>
+            </a:r>
+          </a:p>
+        </p:txBody>
+      </p:sp>
+      <p:sp>
+        <p:nvSpPr>
+          <p:cNvPr id="5" name="Content Placeholder 2">
+            <a:extLst>
+              <a:ext uri="{FF2B5EF4-FFF2-40B4-BE49-F238E27FC236}">
+                <a16:creationId xmlns:a16="http://schemas.microsoft.com/office/drawing/2014/main" id="{E8F0EA9A-219C-40FD-AE36-784EE1B77D56}"/>
+              </a:ext>
+            </a:extLst>
+          </p:cNvPr>
+          <p:cNvSpPr>
+            <a:spLocks noGrp="1"/>
+          </p:cNvSpPr>
+          <p:nvPr>
+            <p:ph idx="1"/>
+          </p:nvPr>
+        </p:nvSpPr>
+        <p:spPr>
+          <a:xfrm>
+            <a:off x="838198" y="1690688"/>
+            <a:ext cx="10515601" cy="4486275"/>
+          </a:xfrm>
+        </p:spPr>
+        <p:txBody>
+          <a:bodyPr>
+            <a:normAutofit/>
+          </a:bodyPr>
+          <a:lstStyle/>
+          <a:p>
+            <a:pPr marL="0" indent="0">
+              <a:spcAft>
+                <a:spcPts val="600"/>
+              </a:spcAft>
+              <a:buNone/>
+            </a:pPr>
+            <a:r>
+              <a:rPr lang="en-US" sz="2000" b="1" u="sng" dirty="0"/>
+              <a:t>Continue</a:t>
+            </a:r>
+            <a:r>
+              <a:rPr lang="en-US" sz="2000" dirty="0"/>
+              <a:t>: What is working? Something that we should make sure that we continue to do. </a:t>
+            </a:r>
+          </a:p>
+          <a:p>
+            <a:pPr marL="0" indent="0">
+              <a:spcAft>
+                <a:spcPts val="600"/>
+              </a:spcAft>
+              <a:buNone/>
+            </a:pPr>
+            <a:r>
+              <a:rPr lang="en-US" sz="2000" b="1" u="sng" dirty="0"/>
+              <a:t>Start</a:t>
+            </a:r>
+            <a:r>
+              <a:rPr lang="en-US" sz="2000" dirty="0"/>
+              <a:t>: What is something that would be nice to do that we are not doing now? Maybe something that you have seen work well in other classes or with other teams. </a:t>
+            </a:r>
+          </a:p>
+          <a:p>
+            <a:pPr marL="0" indent="0">
+              <a:spcAft>
+                <a:spcPts val="600"/>
+              </a:spcAft>
+              <a:buNone/>
+            </a:pPr>
+            <a:r>
+              <a:rPr lang="en-US" sz="2000" b="1" u="sng" dirty="0"/>
+              <a:t>Stop</a:t>
+            </a:r>
+            <a:r>
+              <a:rPr lang="en-US" sz="2000" dirty="0"/>
+              <a:t>: What is not working? Something that we should stop doing. </a:t>
             </a:r>
           </a:p>
         </p:txBody>
@@ -6169,7 +6992,7 @@
     </p:spTree>
     <p:extLst>
       <p:ext uri="{BB962C8B-B14F-4D97-AF65-F5344CB8AC3E}">
-        <p14:creationId xmlns:p14="http://schemas.microsoft.com/office/powerpoint/2010/main" val="4007360033"/>
+        <p14:creationId xmlns:p14="http://schemas.microsoft.com/office/powerpoint/2010/main" val="1399325998"/>
       </p:ext>
     </p:extLst>
   </p:cSld>
@@ -6198,10 +7021,10 @@
       </p:grpSpPr>
       <p:sp>
         <p:nvSpPr>
-          <p:cNvPr id="4" name="Title 1">
-            <a:extLst>
-              <a:ext uri="{FF2B5EF4-FFF2-40B4-BE49-F238E27FC236}">
-                <a16:creationId xmlns:a16="http://schemas.microsoft.com/office/drawing/2014/main" id="{527CE47F-3EF6-48CA-9239-E8B6E5C6B41A}"/>
+          <p:cNvPr id="2" name="Title 1">
+            <a:extLst>
+              <a:ext uri="{FF2B5EF4-FFF2-40B4-BE49-F238E27FC236}">
+                <a16:creationId xmlns:a16="http://schemas.microsoft.com/office/drawing/2014/main" id="{443FD3EE-6698-4602-B4C0-718F014616A4}"/>
               </a:ext>
             </a:extLst>
           </p:cNvPr>
@@ -6212,109 +7035,342 @@
             <p:ph type="title"/>
           </p:nvPr>
         </p:nvSpPr>
-        <p:spPr>
-          <a:xfrm>
-            <a:off x="838200" y="365125"/>
-            <a:ext cx="10515600" cy="1325563"/>
-          </a:xfrm>
-        </p:spPr>
+        <p:spPr/>
         <p:txBody>
           <a:bodyPr>
             <a:normAutofit/>
           </a:bodyPr>
           <a:lstStyle/>
           <a:p>
-            <a:pPr>
-              <a:spcAft>
-                <a:spcPts val="600"/>
-              </a:spcAft>
-            </a:pPr>
-            <a:r>
-              <a:rPr lang="en-US" sz="3600" dirty="0"/>
-              <a:t>Only One Space After a Period</a:t>
-            </a:r>
-          </a:p>
-        </p:txBody>
-      </p:sp>
-      <p:sp>
-        <p:nvSpPr>
-          <p:cNvPr id="5" name="Content Placeholder 2">
-            <a:extLst>
-              <a:ext uri="{FF2B5EF4-FFF2-40B4-BE49-F238E27FC236}">
-                <a16:creationId xmlns:a16="http://schemas.microsoft.com/office/drawing/2014/main" id="{E8F0EA9A-219C-40FD-AE36-784EE1B77D56}"/>
-              </a:ext>
-            </a:extLst>
-          </p:cNvPr>
-          <p:cNvSpPr>
-            <a:spLocks noGrp="1"/>
-          </p:cNvSpPr>
-          <p:nvPr>
-            <p:ph idx="1"/>
-          </p:nvPr>
+            <a:r>
+              <a:rPr lang="en-US" dirty="0"/>
+              <a:t>Scrum Process &amp; Roles – Sprint Retrospective</a:t>
+            </a:r>
+          </a:p>
+        </p:txBody>
+      </p:sp>
+      <p:pic>
+        <p:nvPicPr>
+          <p:cNvPr id="1026" name="Picture 2" descr="https://upload.wikimedia.org/wikipedia/commons/d/df/Scrum_Framework.png">
+            <a:extLst>
+              <a:ext uri="{FF2B5EF4-FFF2-40B4-BE49-F238E27FC236}">
+                <a16:creationId xmlns:a16="http://schemas.microsoft.com/office/drawing/2014/main" id="{94D187A3-9AAC-4908-B843-2E262C28DBFE}"/>
+              </a:ext>
+            </a:extLst>
+          </p:cNvPr>
+          <p:cNvPicPr>
+            <a:picLocks noChangeAspect="1" noChangeArrowheads="1"/>
+          </p:cNvPicPr>
+          <p:nvPr/>
+        </p:nvPicPr>
+        <p:blipFill>
+          <a:blip r:embed="rId2">
+            <a:extLst>
+              <a:ext uri="{28A0092B-C50C-407E-A947-70E740481C1C}">
+                <a14:useLocalDpi xmlns:a14="http://schemas.microsoft.com/office/drawing/2010/main" val="0"/>
+              </a:ext>
+            </a:extLst>
+          </a:blip>
+          <a:srcRect/>
+          <a:stretch>
+            <a:fillRect/>
+          </a:stretch>
+        </p:blipFill>
+        <p:spPr bwMode="auto">
+          <a:xfrm>
+            <a:off x="2221847" y="1341064"/>
+            <a:ext cx="8138182" cy="4531099"/>
+          </a:xfrm>
+          <a:prstGeom prst="rect">
+            <a:avLst/>
+          </a:prstGeom>
+          <a:noFill/>
+          <a:extLst>
+            <a:ext uri="{909E8E84-426E-40DD-AFC4-6F175D3DCCD1}">
+              <a14:hiddenFill xmlns:a14="http://schemas.microsoft.com/office/drawing/2010/main">
+                <a:solidFill>
+                  <a:srgbClr val="FFFFFF"/>
+                </a:solidFill>
+              </a14:hiddenFill>
+            </a:ext>
+          </a:extLst>
+        </p:spPr>
+      </p:pic>
+      <p:sp>
+        <p:nvSpPr>
+          <p:cNvPr id="6" name="Rectangle 5">
+            <a:extLst>
+              <a:ext uri="{FF2B5EF4-FFF2-40B4-BE49-F238E27FC236}">
+                <a16:creationId xmlns:a16="http://schemas.microsoft.com/office/drawing/2014/main" id="{C5034F42-102F-445B-BE40-5AF1FC99349D}"/>
+              </a:ext>
+            </a:extLst>
+          </p:cNvPr>
+          <p:cNvSpPr/>
+          <p:nvPr/>
         </p:nvSpPr>
         <p:spPr>
           <a:xfrm>
-            <a:off x="838198" y="1690688"/>
-            <a:ext cx="10515599" cy="5075871"/>
+            <a:off x="3916346" y="6123543"/>
+            <a:ext cx="4749185" cy="369332"/>
           </a:xfrm>
+          <a:prstGeom prst="rect">
+            <a:avLst/>
+          </a:prstGeom>
         </p:spPr>
         <p:txBody>
-          <a:bodyPr>
-            <a:normAutofit/>
+          <a:bodyPr wrap="none">
+            <a:spAutoFit/>
           </a:bodyPr>
           <a:lstStyle/>
           <a:p>
-            <a:pPr marL="0" indent="0">
-              <a:spcAft>
-                <a:spcPts val="600"/>
-              </a:spcAft>
-              <a:buNone/>
-            </a:pPr>
-            <a:r>
-              <a:rPr lang="en-US" sz="2000" dirty="0"/>
-              <a:t>Rule: Utilize one space after a period or similar punctuation </a:t>
-            </a:r>
-            <a:r>
-              <a:rPr lang="en-US" sz="2000" dirty="0">
-                <a:hlinkClick r:id="rId3"/>
+            <a:r>
+              <a:rPr lang="en-US" dirty="0"/>
+              <a:t>By </a:t>
+            </a:r>
+            <a:r>
+              <a:rPr lang="en-US" dirty="0" err="1">
+                <a:hlinkClick r:id="rId3" tooltip="User:Dr ian mitchell (page does not exist)"/>
               </a:rPr>
-              <a:t>[link]</a:t>
-            </a:r>
-            <a:endParaRPr lang="en-US" sz="2000" dirty="0"/>
-          </a:p>
-          <a:p>
-            <a:pPr marL="0" indent="0">
-              <a:spcAft>
-                <a:spcPts val="600"/>
-              </a:spcAft>
-              <a:buNone/>
-            </a:pPr>
-            <a:endParaRPr lang="en-US" sz="2000" dirty="0"/>
-          </a:p>
-          <a:p>
-            <a:pPr marL="0" indent="0">
-              <a:spcAft>
-                <a:spcPts val="600"/>
-              </a:spcAft>
-              <a:buNone/>
-            </a:pPr>
-            <a:r>
-              <a:rPr lang="en-US" sz="2000" dirty="0"/>
-              <a:t>Proportional based fonts like Helvetica and Times were designed to have the most visually appealing amount of space after the period. </a:t>
-            </a:r>
+              <a:t>Dr</a:t>
+            </a:r>
+            <a:r>
+              <a:rPr lang="en-US" dirty="0">
+                <a:hlinkClick r:id="rId3" tooltip="User:Dr ian mitchell (page does not exist)"/>
+              </a:rPr>
+              <a:t> </a:t>
+            </a:r>
+            <a:r>
+              <a:rPr lang="en-US" dirty="0" err="1">
+                <a:hlinkClick r:id="rId3" tooltip="User:Dr ian mitchell (page does not exist)"/>
+              </a:rPr>
+              <a:t>ian</a:t>
+            </a:r>
+            <a:r>
+              <a:rPr lang="en-US" dirty="0">
+                <a:hlinkClick r:id="rId3" tooltip="User:Dr ian mitchell (page does not exist)"/>
+              </a:rPr>
+              <a:t> </a:t>
+            </a:r>
+            <a:r>
+              <a:rPr lang="en-US" dirty="0" err="1">
+                <a:hlinkClick r:id="rId3" tooltip="User:Dr ian mitchell (page does not exist)"/>
+              </a:rPr>
+              <a:t>mitchell</a:t>
+            </a:r>
+            <a:r>
+              <a:rPr lang="en-US" dirty="0"/>
+              <a:t> - Own work, </a:t>
+            </a:r>
+            <a:r>
+              <a:rPr lang="en-US" dirty="0">
+                <a:hlinkClick r:id="rId4" tooltip="Creative Commons Attribution-Share Alike 4.0"/>
+              </a:rPr>
+              <a:t>CC BY-SA 4.0</a:t>
+            </a:r>
+            <a:r>
+              <a:rPr lang="en-US" dirty="0"/>
+              <a:t>, </a:t>
+            </a:r>
+            <a:r>
+              <a:rPr lang="en-US" dirty="0">
+                <a:hlinkClick r:id="rId5"/>
+              </a:rPr>
+              <a:t>Link</a:t>
+            </a:r>
+            <a:endParaRPr lang="en-US" dirty="0"/>
+          </a:p>
+        </p:txBody>
+      </p:sp>
+      <p:sp>
+        <p:nvSpPr>
+          <p:cNvPr id="13" name="Oval 12">
+            <a:extLst>
+              <a:ext uri="{FF2B5EF4-FFF2-40B4-BE49-F238E27FC236}">
+                <a16:creationId xmlns:a16="http://schemas.microsoft.com/office/drawing/2014/main" id="{CB822028-AE62-4F61-8F14-297C0D4C1218}"/>
+              </a:ext>
+            </a:extLst>
+          </p:cNvPr>
+          <p:cNvSpPr/>
+          <p:nvPr/>
+        </p:nvSpPr>
+        <p:spPr>
+          <a:xfrm>
+            <a:off x="8810869" y="4396735"/>
+            <a:ext cx="1619250" cy="1067412"/>
+          </a:xfrm>
+          <a:prstGeom prst="ellipse">
+            <a:avLst/>
+          </a:prstGeom>
+          <a:solidFill>
+            <a:schemeClr val="tx1">
+              <a:alpha val="0"/>
+            </a:schemeClr>
+          </a:solidFill>
+          <a:ln w="38100">
+            <a:solidFill>
+              <a:srgbClr val="C00000"/>
+            </a:solidFill>
+          </a:ln>
+        </p:spPr>
+        <p:style>
+          <a:lnRef idx="2">
+            <a:schemeClr val="accent1">
+              <a:shade val="50000"/>
+            </a:schemeClr>
+          </a:lnRef>
+          <a:fillRef idx="1">
+            <a:schemeClr val="accent1"/>
+          </a:fillRef>
+          <a:effectRef idx="0">
+            <a:schemeClr val="accent1"/>
+          </a:effectRef>
+          <a:fontRef idx="minor">
+            <a:schemeClr val="lt1"/>
+          </a:fontRef>
+        </p:style>
+        <p:txBody>
+          <a:bodyPr rtlCol="0" anchor="ctr"/>
+          <a:lstStyle/>
+          <a:p>
+            <a:pPr algn="ctr"/>
+            <a:endParaRPr lang="en-US"/>
           </a:p>
         </p:txBody>
       </p:sp>
     </p:spTree>
     <p:extLst>
       <p:ext uri="{BB962C8B-B14F-4D97-AF65-F5344CB8AC3E}">
-        <p14:creationId xmlns:p14="http://schemas.microsoft.com/office/powerpoint/2010/main" val="2445559282"/>
+        <p14:creationId xmlns:p14="http://schemas.microsoft.com/office/powerpoint/2010/main" val="392396531"/>
       </p:ext>
     </p:extLst>
   </p:cSld>
   <p:clrMapOvr>
     <a:masterClrMapping/>
   </p:clrMapOvr>
+  <p:timing>
+    <p:tnLst>
+      <p:par>
+        <p:cTn id="1" dur="indefinite" restart="never" nodeType="tmRoot">
+          <p:childTnLst>
+            <p:seq concurrent="1" nextAc="seek">
+              <p:cTn id="2" dur="indefinite" nodeType="mainSeq">
+                <p:childTnLst>
+                  <p:par>
+                    <p:cTn id="3" fill="hold">
+                      <p:stCondLst>
+                        <p:cond delay="indefinite"/>
+                      </p:stCondLst>
+                      <p:childTnLst>
+                        <p:par>
+                          <p:cTn id="4" fill="hold">
+                            <p:stCondLst>
+                              <p:cond delay="0"/>
+                            </p:stCondLst>
+                            <p:childTnLst>
+                              <p:par>
+                                <p:cTn id="5" presetID="2" presetClass="entr" presetSubtype="4" fill="hold" grpId="0" nodeType="clickEffect">
+                                  <p:stCondLst>
+                                    <p:cond delay="0"/>
+                                  </p:stCondLst>
+                                  <p:childTnLst>
+                                    <p:set>
+                                      <p:cBhvr>
+                                        <p:cTn id="6" dur="1" fill="hold">
+                                          <p:stCondLst>
+                                            <p:cond delay="0"/>
+                                          </p:stCondLst>
+                                        </p:cTn>
+                                        <p:tgtEl>
+                                          <p:spTgt spid="13"/>
+                                        </p:tgtEl>
+                                        <p:attrNameLst>
+                                          <p:attrName>style.visibility</p:attrName>
+                                        </p:attrNameLst>
+                                      </p:cBhvr>
+                                      <p:to>
+                                        <p:strVal val="visible"/>
+                                      </p:to>
+                                    </p:set>
+                                    <p:anim calcmode="lin" valueType="num">
+                                      <p:cBhvr additive="base">
+                                        <p:cTn id="7" dur="500" fill="hold"/>
+                                        <p:tgtEl>
+                                          <p:spTgt spid="13"/>
+                                        </p:tgtEl>
+                                        <p:attrNameLst>
+                                          <p:attrName>ppt_x</p:attrName>
+                                        </p:attrNameLst>
+                                      </p:cBhvr>
+                                      <p:tavLst>
+                                        <p:tav tm="0">
+                                          <p:val>
+                                            <p:strVal val="#ppt_x"/>
+                                          </p:val>
+                                        </p:tav>
+                                        <p:tav tm="100000">
+                                          <p:val>
+                                            <p:strVal val="#ppt_x"/>
+                                          </p:val>
+                                        </p:tav>
+                                      </p:tavLst>
+                                    </p:anim>
+                                    <p:anim calcmode="lin" valueType="num">
+                                      <p:cBhvr additive="base">
+                                        <p:cTn id="8" dur="500" fill="hold"/>
+                                        <p:tgtEl>
+                                          <p:spTgt spid="13"/>
+                                        </p:tgtEl>
+                                        <p:attrNameLst>
+                                          <p:attrName>ppt_y</p:attrName>
+                                        </p:attrNameLst>
+                                      </p:cBhvr>
+                                      <p:tavLst>
+                                        <p:tav tm="0">
+                                          <p:val>
+                                            <p:strVal val="1+#ppt_h/2"/>
+                                          </p:val>
+                                        </p:tav>
+                                        <p:tav tm="100000">
+                                          <p:val>
+                                            <p:strVal val="#ppt_y"/>
+                                          </p:val>
+                                        </p:tav>
+                                      </p:tavLst>
+                                    </p:anim>
+                                  </p:childTnLst>
+                                </p:cTn>
+                              </p:par>
+                            </p:childTnLst>
+                          </p:cTn>
+                        </p:par>
+                      </p:childTnLst>
+                    </p:cTn>
+                  </p:par>
+                </p:childTnLst>
+              </p:cTn>
+              <p:prevCondLst>
+                <p:cond evt="onPrev" delay="0">
+                  <p:tgtEl>
+                    <p:sldTgt/>
+                  </p:tgtEl>
+                </p:cond>
+              </p:prevCondLst>
+              <p:nextCondLst>
+                <p:cond evt="onNext" delay="0">
+                  <p:tgtEl>
+                    <p:sldTgt/>
+                  </p:tgtEl>
+                </p:cond>
+              </p:nextCondLst>
+            </p:seq>
+          </p:childTnLst>
+        </p:cTn>
+      </p:par>
+    </p:tnLst>
+    <p:bldLst>
+      <p:bldP spid="13" grpId="0" animBg="1"/>
+    </p:bldLst>
+  </p:timing>
 </p:sld>
 </file>
 
@@ -6347,26 +7403,19 @@
         </p:nvSpPr>
         <p:spPr>
           <a:xfrm>
-            <a:off x="1524000" y="3025490"/>
-            <a:ext cx="9144000" cy="807019"/>
+            <a:off x="1524000" y="3051480"/>
+            <a:ext cx="9144000" cy="755040"/>
           </a:xfrm>
         </p:spPr>
         <p:txBody>
           <a:bodyPr anchor="ctr">
-            <a:normAutofit fontScale="90000"/>
+            <a:noAutofit/>
           </a:bodyPr>
           <a:lstStyle/>
           <a:p>
             <a:r>
-              <a:rPr lang="en-US" sz="4800" dirty="0"/>
-              <a:t>Friendly Conversation Topic – </a:t>
-            </a:r>
-            <a:br>
-              <a:rPr lang="en-US" sz="4800" dirty="0"/>
-            </a:br>
-            <a:r>
-              <a:rPr lang="en-US" sz="4800" dirty="0"/>
-              <a:t>Source Code Snippets in VS Code</a:t>
+              <a:rPr lang="en-US" sz="4400" dirty="0"/>
+              <a:t>Sprint 1 Retrospective: Start, Stop, Continue Feedback</a:t>
             </a:r>
           </a:p>
         </p:txBody>
@@ -6374,7 +7423,7 @@
     </p:spTree>
     <p:extLst>
       <p:ext uri="{BB962C8B-B14F-4D97-AF65-F5344CB8AC3E}">
-        <p14:creationId xmlns:p14="http://schemas.microsoft.com/office/powerpoint/2010/main" val="3113491839"/>
+        <p14:creationId xmlns:p14="http://schemas.microsoft.com/office/powerpoint/2010/main" val="4082810682"/>
       </p:ext>
     </p:extLst>
   </p:cSld>
@@ -6413,19 +7462,19 @@
         </p:nvSpPr>
         <p:spPr>
           <a:xfrm>
-            <a:off x="1524000" y="3025490"/>
-            <a:ext cx="9144000" cy="807019"/>
+            <a:off x="1524000" y="3051480"/>
+            <a:ext cx="9144000" cy="755040"/>
           </a:xfrm>
         </p:spPr>
         <p:txBody>
           <a:bodyPr anchor="ctr">
-            <a:normAutofit/>
+            <a:normAutofit fontScale="90000"/>
           </a:bodyPr>
           <a:lstStyle/>
           <a:p>
             <a:r>
               <a:rPr lang="en-US" sz="4800" dirty="0"/>
-              <a:t>Q&amp;A: Concepts &amp; Practices</a:t>
+              <a:t>Continue: Turning in Assignments on Time! Well Done!!!</a:t>
             </a:r>
           </a:p>
         </p:txBody>
@@ -6433,7 +7482,7 @@
     </p:spTree>
     <p:extLst>
       <p:ext uri="{BB962C8B-B14F-4D97-AF65-F5344CB8AC3E}">
-        <p14:creationId xmlns:p14="http://schemas.microsoft.com/office/powerpoint/2010/main" val="3975331637"/>
+        <p14:creationId xmlns:p14="http://schemas.microsoft.com/office/powerpoint/2010/main" val="2629364624"/>
       </p:ext>
     </p:extLst>
   </p:cSld>
@@ -6472,29 +7521,19 @@
         </p:nvSpPr>
         <p:spPr>
           <a:xfrm>
-            <a:off x="1524000" y="3025490"/>
-            <a:ext cx="9144000" cy="807019"/>
+            <a:off x="1524000" y="3051480"/>
+            <a:ext cx="9144000" cy="755040"/>
           </a:xfrm>
         </p:spPr>
         <p:txBody>
           <a:bodyPr anchor="ctr">
-            <a:normAutofit fontScale="90000"/>
+            <a:normAutofit/>
           </a:bodyPr>
           <a:lstStyle/>
           <a:p>
             <a:r>
               <a:rPr lang="en-US" sz="4800" dirty="0"/>
-              <a:t>Discussion: OOP Patterns</a:t>
-            </a:r>
-            <a:br>
-              <a:rPr lang="en-US" sz="4800" dirty="0"/>
-            </a:br>
-            <a:br>
-              <a:rPr lang="en-US" sz="4800" dirty="0"/>
-            </a:br>
-            <a:r>
-              <a:rPr lang="en-US" sz="4800" dirty="0"/>
-              <a:t>(Who are the Gang of Four?)</a:t>
+              <a:t>Feedback?</a:t>
             </a:r>
           </a:p>
         </p:txBody>
@@ -6502,7 +7541,7 @@
     </p:spTree>
     <p:extLst>
       <p:ext uri="{BB962C8B-B14F-4D97-AF65-F5344CB8AC3E}">
-        <p14:creationId xmlns:p14="http://schemas.microsoft.com/office/powerpoint/2010/main" val="1022670605"/>
+        <p14:creationId xmlns:p14="http://schemas.microsoft.com/office/powerpoint/2010/main" val="2704588863"/>
       </p:ext>
     </p:extLst>
   </p:cSld>
@@ -6531,10 +7570,10 @@
       </p:grpSpPr>
       <p:sp>
         <p:nvSpPr>
-          <p:cNvPr id="4" name="Title 1">
-            <a:extLst>
-              <a:ext uri="{FF2B5EF4-FFF2-40B4-BE49-F238E27FC236}">
-                <a16:creationId xmlns:a16="http://schemas.microsoft.com/office/drawing/2014/main" id="{527CE47F-3EF6-48CA-9239-E8B6E5C6B41A}"/>
+          <p:cNvPr id="2" name="Title 1">
+            <a:extLst>
+              <a:ext uri="{FF2B5EF4-FFF2-40B4-BE49-F238E27FC236}">
+                <a16:creationId xmlns:a16="http://schemas.microsoft.com/office/drawing/2014/main" id="{2A5755BE-860E-40EB-ADA6-6E82BCB49EC3}"/>
               </a:ext>
             </a:extLst>
           </p:cNvPr>
@@ -6545,164 +7584,85 @@
             <p:ph type="title"/>
           </p:nvPr>
         </p:nvSpPr>
-        <p:spPr>
-          <a:xfrm>
-            <a:off x="838200" y="365125"/>
-            <a:ext cx="10515600" cy="1325563"/>
-          </a:xfrm>
-        </p:spPr>
-        <p:txBody>
-          <a:bodyPr>
-            <a:normAutofit/>
-          </a:bodyPr>
-          <a:lstStyle/>
-          <a:p>
-            <a:r>
-              <a:rPr lang="en-US" sz="3600" dirty="0">
-                <a:latin typeface="+mn-lt"/>
-              </a:rPr>
-              <a:t>Model-View-Controller (MVC)</a:t>
-            </a:r>
-          </a:p>
-        </p:txBody>
-      </p:sp>
-      <p:pic>
-        <p:nvPicPr>
-          <p:cNvPr id="6" name="Picture 5">
-            <a:extLst>
-              <a:ext uri="{FF2B5EF4-FFF2-40B4-BE49-F238E27FC236}">
-                <a16:creationId xmlns:a16="http://schemas.microsoft.com/office/drawing/2014/main" id="{2CE7C933-0F89-420D-9B13-0331165A1E50}"/>
-              </a:ext>
-            </a:extLst>
-          </p:cNvPr>
-          <p:cNvPicPr>
-            <a:picLocks noChangeAspect="1"/>
-          </p:cNvPicPr>
-          <p:nvPr/>
-        </p:nvPicPr>
-        <p:blipFill>
-          <a:blip r:embed="rId3"/>
-          <a:stretch>
-            <a:fillRect/>
-          </a:stretch>
-        </p:blipFill>
-        <p:spPr>
-          <a:xfrm>
-            <a:off x="10765403" y="59830"/>
-            <a:ext cx="1290389" cy="1420356"/>
-          </a:xfrm>
-          <a:prstGeom prst="rect">
-            <a:avLst/>
-          </a:prstGeom>
-        </p:spPr>
-      </p:pic>
-      <p:pic>
-        <p:nvPicPr>
-          <p:cNvPr id="1026" name="Picture 2" descr="https://upload.wikimedia.org/wikipedia/commons/thumb/a/a0/MVC-Process.svg/500px-MVC-Process.svg.png">
-            <a:extLst>
-              <a:ext uri="{FF2B5EF4-FFF2-40B4-BE49-F238E27FC236}">
-                <a16:creationId xmlns:a16="http://schemas.microsoft.com/office/drawing/2014/main" id="{58197343-A56A-436A-A4E2-8CF036E81E86}"/>
-              </a:ext>
-            </a:extLst>
-          </p:cNvPr>
-          <p:cNvPicPr>
-            <a:picLocks noChangeAspect="1" noChangeArrowheads="1"/>
-          </p:cNvPicPr>
-          <p:nvPr/>
-        </p:nvPicPr>
-        <p:blipFill>
-          <a:blip r:embed="rId4">
-            <a:extLst>
-              <a:ext uri="{28A0092B-C50C-407E-A947-70E740481C1C}">
-                <a14:useLocalDpi xmlns:a14="http://schemas.microsoft.com/office/drawing/2010/main" val="0"/>
-              </a:ext>
-            </a:extLst>
-          </a:blip>
-          <a:srcRect/>
-          <a:stretch>
-            <a:fillRect/>
-          </a:stretch>
-        </p:blipFill>
-        <p:spPr bwMode="auto">
-          <a:xfrm>
-            <a:off x="838200" y="1728381"/>
-            <a:ext cx="3969968" cy="4366965"/>
-          </a:xfrm>
-          <a:prstGeom prst="rect">
-            <a:avLst/>
-          </a:prstGeom>
-          <a:noFill/>
-          <a:extLst>
-            <a:ext uri="{909E8E84-426E-40DD-AFC4-6F175D3DCCD1}">
-              <a14:hiddenFill xmlns:a14="http://schemas.microsoft.com/office/drawing/2010/main">
-                <a:solidFill>
-                  <a:srgbClr val="FFFFFF"/>
-                </a:solidFill>
-              </a14:hiddenFill>
-            </a:ext>
-          </a:extLst>
-        </p:spPr>
-      </p:pic>
-      <p:sp>
-        <p:nvSpPr>
-          <p:cNvPr id="5" name="Rectangle 4">
-            <a:extLst>
-              <a:ext uri="{FF2B5EF4-FFF2-40B4-BE49-F238E27FC236}">
-                <a16:creationId xmlns:a16="http://schemas.microsoft.com/office/drawing/2014/main" id="{91EBC757-1DAC-4931-A145-B2C52C88F2EE}"/>
-              </a:ext>
-            </a:extLst>
-          </p:cNvPr>
-          <p:cNvSpPr/>
-          <p:nvPr/>
-        </p:nvSpPr>
-        <p:spPr>
-          <a:xfrm>
-            <a:off x="5314597" y="1511309"/>
-            <a:ext cx="6096000" cy="4524315"/>
-          </a:xfrm>
-          <a:prstGeom prst="rect">
-            <a:avLst/>
-          </a:prstGeom>
-        </p:spPr>
-        <p:txBody>
-          <a:bodyPr>
-            <a:spAutoFit/>
-          </a:bodyPr>
-          <a:lstStyle/>
-          <a:p>
-            <a:endParaRPr lang="en-US" dirty="0"/>
-          </a:p>
+        <p:spPr/>
+        <p:txBody>
+          <a:bodyPr/>
+          <a:lstStyle/>
           <a:p>
             <a:r>
               <a:rPr lang="en-US" dirty="0"/>
-              <a:t>Diagram of interactions within the MVC pattern.</a:t>
-            </a:r>
-          </a:p>
-          <a:p>
-            <a:r>
-              <a:rPr lang="en-US" b="1" dirty="0"/>
-              <a:t>Model–view–controller </a:t>
-            </a:r>
-            <a:r>
-              <a:rPr lang="en-US" dirty="0"/>
-              <a:t>is an architectural pattern commonly used for developing user interfaces that divides an application into three interconnected parts. This is done to separate internal representations of information from the ways information is presented to and accepted from the user.[1][2] The MVC design pattern decouples these major components allowing for efficient code reuse and parallel development.</a:t>
-            </a:r>
-          </a:p>
-          <a:p>
-            <a:endParaRPr lang="en-US" dirty="0"/>
-          </a:p>
-          <a:p>
-            <a:r>
-              <a:rPr lang="en-US" dirty="0"/>
-              <a:t>Traditionally used for desktop graphical user interfaces (GUIs), this architecture has become popular for designing web applications and even mobile, desktop and other clients.[3] Popular programming languages like Java, C#, Ruby, PHP have MVC frameworks that are used in web application development straight out of the box</a:t>
-            </a:r>
-          </a:p>
-        </p:txBody>
-      </p:sp>
+              <a:t>Remaining Schedule </a:t>
+            </a:r>
+          </a:p>
+        </p:txBody>
+      </p:sp>
+      <p:graphicFrame>
+        <p:nvGraphicFramePr>
+          <p:cNvPr id="6" name="Object 5">
+            <a:extLst>
+              <a:ext uri="{FF2B5EF4-FFF2-40B4-BE49-F238E27FC236}">
+                <a16:creationId xmlns:a16="http://schemas.microsoft.com/office/drawing/2014/main" id="{34B5E9E6-C04C-5D42-B429-3968FB740036}"/>
+              </a:ext>
+            </a:extLst>
+          </p:cNvPr>
+          <p:cNvGraphicFramePr>
+            <a:graphicFrameLocks noChangeAspect="1"/>
+          </p:cNvGraphicFramePr>
+          <p:nvPr>
+            <p:extLst>
+              <p:ext uri="{D42A27DB-BD31-4B8C-83A1-F6EECF244321}">
+                <p14:modId xmlns:p14="http://schemas.microsoft.com/office/powerpoint/2010/main" val="2679033270"/>
+              </p:ext>
+            </p:extLst>
+          </p:nvPr>
+        </p:nvGraphicFramePr>
+        <p:xfrm>
+          <a:off x="1333500" y="1820863"/>
+          <a:ext cx="9525000" cy="3213100"/>
+        </p:xfrm>
+        <a:graphic>
+          <a:graphicData uri="http://schemas.openxmlformats.org/presentationml/2006/ole">
+            <mc:AlternateContent xmlns:mc="http://schemas.openxmlformats.org/markup-compatibility/2006">
+              <mc:Choice xmlns:v="urn:schemas-microsoft-com:vml" Requires="v">
+                <p:oleObj spid="_x0000_s3075" name="Worksheet" r:id="rId3" imgW="9525000" imgH="3213100" progId="Excel.Sheet.12">
+                  <p:embed/>
+                </p:oleObj>
+              </mc:Choice>
+              <mc:Fallback>
+                <p:oleObj name="Worksheet" r:id="rId3" imgW="9525000" imgH="3213100" progId="Excel.Sheet.12">
+                  <p:embed/>
+                  <p:pic>
+                    <p:nvPicPr>
+                      <p:cNvPr id="0" name=""/>
+                      <p:cNvPicPr/>
+                      <p:nvPr/>
+                    </p:nvPicPr>
+                    <p:blipFill>
+                      <a:blip r:embed="rId4"/>
+                      <a:stretch>
+                        <a:fillRect/>
+                      </a:stretch>
+                    </p:blipFill>
+                    <p:spPr>
+                      <a:xfrm>
+                        <a:off x="1333500" y="1820863"/>
+                        <a:ext cx="9525000" cy="3213100"/>
+                      </a:xfrm>
+                      <a:prstGeom prst="rect">
+                        <a:avLst/>
+                      </a:prstGeom>
+                    </p:spPr>
+                  </p:pic>
+                </p:oleObj>
+              </mc:Fallback>
+            </mc:AlternateContent>
+          </a:graphicData>
+        </a:graphic>
+      </p:graphicFrame>
     </p:spTree>
     <p:extLst>
       <p:ext uri="{BB962C8B-B14F-4D97-AF65-F5344CB8AC3E}">
-        <p14:creationId xmlns:p14="http://schemas.microsoft.com/office/powerpoint/2010/main" val="2125374807"/>
+        <p14:creationId xmlns:p14="http://schemas.microsoft.com/office/powerpoint/2010/main" val="1508207628"/>
       </p:ext>
     </p:extLst>
   </p:cSld>
@@ -6734,7 +7694,7 @@
           <p:cNvPr id="2" name="Title 1">
             <a:extLst>
               <a:ext uri="{FF2B5EF4-FFF2-40B4-BE49-F238E27FC236}">
-                <a16:creationId xmlns:a16="http://schemas.microsoft.com/office/drawing/2014/main" id="{2A5755BE-860E-40EB-ADA6-6E82BCB49EC3}"/>
+                <a16:creationId xmlns:a16="http://schemas.microsoft.com/office/drawing/2014/main" id="{443FD3EE-6698-4602-B4C0-718F014616A4}"/>
               </a:ext>
             </a:extLst>
           </p:cNvPr>
@@ -6752,74 +7712,333 @@
           <a:p>
             <a:r>
               <a:rPr lang="en-US" dirty="0"/>
-              <a:t>Assignment for Next Class</a:t>
-            </a:r>
-          </a:p>
-        </p:txBody>
-      </p:sp>
-      <p:sp>
-        <p:nvSpPr>
-          <p:cNvPr id="3" name="Content Placeholder 2">
-            <a:extLst>
-              <a:ext uri="{FF2B5EF4-FFF2-40B4-BE49-F238E27FC236}">
-                <a16:creationId xmlns:a16="http://schemas.microsoft.com/office/drawing/2014/main" id="{72EF5DE0-5958-4171-A9E3-3D288A31AC3F}"/>
-              </a:ext>
-            </a:extLst>
-          </p:cNvPr>
-          <p:cNvSpPr>
-            <a:spLocks noGrp="1"/>
-          </p:cNvSpPr>
-          <p:nvPr>
-            <p:ph idx="1"/>
-          </p:nvPr>
+              <a:t>Scrum Process &amp; Roles – Sprint Planning</a:t>
+            </a:r>
+          </a:p>
+        </p:txBody>
+      </p:sp>
+      <p:pic>
+        <p:nvPicPr>
+          <p:cNvPr id="1026" name="Picture 2" descr="https://upload.wikimedia.org/wikipedia/commons/d/df/Scrum_Framework.png">
+            <a:extLst>
+              <a:ext uri="{FF2B5EF4-FFF2-40B4-BE49-F238E27FC236}">
+                <a16:creationId xmlns:a16="http://schemas.microsoft.com/office/drawing/2014/main" id="{94D187A3-9AAC-4908-B843-2E262C28DBFE}"/>
+              </a:ext>
+            </a:extLst>
+          </p:cNvPr>
+          <p:cNvPicPr>
+            <a:picLocks noChangeAspect="1" noChangeArrowheads="1"/>
+          </p:cNvPicPr>
+          <p:nvPr/>
+        </p:nvPicPr>
+        <p:blipFill>
+          <a:blip r:embed="rId2">
+            <a:extLst>
+              <a:ext uri="{28A0092B-C50C-407E-A947-70E740481C1C}">
+                <a14:useLocalDpi xmlns:a14="http://schemas.microsoft.com/office/drawing/2010/main" val="0"/>
+              </a:ext>
+            </a:extLst>
+          </a:blip>
+          <a:srcRect/>
+          <a:stretch>
+            <a:fillRect/>
+          </a:stretch>
+        </p:blipFill>
+        <p:spPr bwMode="auto">
+          <a:xfrm>
+            <a:off x="2221847" y="1341064"/>
+            <a:ext cx="8138182" cy="4531099"/>
+          </a:xfrm>
+          <a:prstGeom prst="rect">
+            <a:avLst/>
+          </a:prstGeom>
+          <a:noFill/>
+          <a:extLst>
+            <a:ext uri="{909E8E84-426E-40DD-AFC4-6F175D3DCCD1}">
+              <a14:hiddenFill xmlns:a14="http://schemas.microsoft.com/office/drawing/2010/main">
+                <a:solidFill>
+                  <a:srgbClr val="FFFFFF"/>
+                </a:solidFill>
+              </a14:hiddenFill>
+            </a:ext>
+          </a:extLst>
+        </p:spPr>
+      </p:pic>
+      <p:sp>
+        <p:nvSpPr>
+          <p:cNvPr id="6" name="Rectangle 5">
+            <a:extLst>
+              <a:ext uri="{FF2B5EF4-FFF2-40B4-BE49-F238E27FC236}">
+                <a16:creationId xmlns:a16="http://schemas.microsoft.com/office/drawing/2014/main" id="{C5034F42-102F-445B-BE40-5AF1FC99349D}"/>
+              </a:ext>
+            </a:extLst>
+          </p:cNvPr>
+          <p:cNvSpPr/>
+          <p:nvPr/>
         </p:nvSpPr>
         <p:spPr>
           <a:xfrm>
-            <a:off x="838200" y="1654444"/>
-            <a:ext cx="10515600" cy="4522519"/>
+            <a:off x="3916346" y="6123543"/>
+            <a:ext cx="4749185" cy="369332"/>
           </a:xfrm>
+          <a:prstGeom prst="rect">
+            <a:avLst/>
+          </a:prstGeom>
         </p:spPr>
         <p:txBody>
-          <a:bodyPr>
-            <a:normAutofit/>
+          <a:bodyPr wrap="none">
+            <a:spAutoFit/>
           </a:bodyPr>
           <a:lstStyle/>
           <a:p>
-            <a:pPr marL="0" indent="0">
-              <a:buNone/>
-            </a:pPr>
-            <a:r>
-              <a:rPr lang="en-US" sz="2000" dirty="0"/>
-              <a:t>ALL Sprint 1 Assignments &amp; Activity List Items are due this Sunday.</a:t>
-            </a:r>
-          </a:p>
-          <a:p>
-            <a:pPr marL="0" indent="0">
-              <a:buNone/>
-            </a:pPr>
-            <a:endParaRPr lang="en-US" sz="2000" dirty="0"/>
-          </a:p>
-          <a:p>
-            <a:pPr marL="0" indent="0">
-              <a:buNone/>
-            </a:pPr>
-            <a:endParaRPr lang="en-US" sz="1800" dirty="0"/>
-          </a:p>
-          <a:p>
+            <a:r>
+              <a:rPr lang="en-US" dirty="0"/>
+              <a:t>By </a:t>
+            </a:r>
+            <a:r>
+              <a:rPr lang="en-US" dirty="0" err="1">
+                <a:hlinkClick r:id="rId3" tooltip="User:Dr ian mitchell (page does not exist)"/>
+              </a:rPr>
+              <a:t>Dr</a:t>
+            </a:r>
+            <a:r>
+              <a:rPr lang="en-US" dirty="0">
+                <a:hlinkClick r:id="rId3" tooltip="User:Dr ian mitchell (page does not exist)"/>
+              </a:rPr>
+              <a:t> </a:t>
+            </a:r>
+            <a:r>
+              <a:rPr lang="en-US" dirty="0" err="1">
+                <a:hlinkClick r:id="rId3" tooltip="User:Dr ian mitchell (page does not exist)"/>
+              </a:rPr>
+              <a:t>ian</a:t>
+            </a:r>
+            <a:r>
+              <a:rPr lang="en-US" dirty="0">
+                <a:hlinkClick r:id="rId3" tooltip="User:Dr ian mitchell (page does not exist)"/>
+              </a:rPr>
+              <a:t> </a:t>
+            </a:r>
+            <a:r>
+              <a:rPr lang="en-US" dirty="0" err="1">
+                <a:hlinkClick r:id="rId3" tooltip="User:Dr ian mitchell (page does not exist)"/>
+              </a:rPr>
+              <a:t>mitchell</a:t>
+            </a:r>
+            <a:r>
+              <a:rPr lang="en-US" dirty="0"/>
+              <a:t> - Own work, </a:t>
+            </a:r>
+            <a:r>
+              <a:rPr lang="en-US" dirty="0">
+                <a:hlinkClick r:id="rId4" tooltip="Creative Commons Attribution-Share Alike 4.0"/>
+              </a:rPr>
+              <a:t>CC BY-SA 4.0</a:t>
+            </a:r>
+            <a:r>
+              <a:rPr lang="en-US" dirty="0"/>
+              <a:t>, </a:t>
+            </a:r>
+            <a:r>
+              <a:rPr lang="en-US" dirty="0">
+                <a:hlinkClick r:id="rId5"/>
+              </a:rPr>
+              <a:t>Link</a:t>
+            </a:r>
             <a:endParaRPr lang="en-US" dirty="0"/>
+          </a:p>
+        </p:txBody>
+      </p:sp>
+      <p:sp>
+        <p:nvSpPr>
+          <p:cNvPr id="13" name="Oval 12">
+            <a:extLst>
+              <a:ext uri="{FF2B5EF4-FFF2-40B4-BE49-F238E27FC236}">
+                <a16:creationId xmlns:a16="http://schemas.microsoft.com/office/drawing/2014/main" id="{CB822028-AE62-4F61-8F14-297C0D4C1218}"/>
+              </a:ext>
+            </a:extLst>
+          </p:cNvPr>
+          <p:cNvSpPr/>
+          <p:nvPr/>
+        </p:nvSpPr>
+        <p:spPr>
+          <a:xfrm>
+            <a:off x="3492082" y="4266588"/>
+            <a:ext cx="1303578" cy="554229"/>
+          </a:xfrm>
+          <a:prstGeom prst="ellipse">
+            <a:avLst/>
+          </a:prstGeom>
+          <a:solidFill>
+            <a:schemeClr val="tx1">
+              <a:alpha val="0"/>
+            </a:schemeClr>
+          </a:solidFill>
+          <a:ln w="38100">
+            <a:solidFill>
+              <a:srgbClr val="C00000"/>
+            </a:solidFill>
+          </a:ln>
+        </p:spPr>
+        <p:style>
+          <a:lnRef idx="2">
+            <a:schemeClr val="accent1">
+              <a:shade val="50000"/>
+            </a:schemeClr>
+          </a:lnRef>
+          <a:fillRef idx="1">
+            <a:schemeClr val="accent1"/>
+          </a:fillRef>
+          <a:effectRef idx="0">
+            <a:schemeClr val="accent1"/>
+          </a:effectRef>
+          <a:fontRef idx="minor">
+            <a:schemeClr val="lt1"/>
+          </a:fontRef>
+        </p:style>
+        <p:txBody>
+          <a:bodyPr rtlCol="0" anchor="ctr"/>
+          <a:lstStyle/>
+          <a:p>
+            <a:pPr algn="ctr"/>
+            <a:endParaRPr lang="en-US"/>
           </a:p>
         </p:txBody>
       </p:sp>
     </p:spTree>
     <p:extLst>
       <p:ext uri="{BB962C8B-B14F-4D97-AF65-F5344CB8AC3E}">
-        <p14:creationId xmlns:p14="http://schemas.microsoft.com/office/powerpoint/2010/main" val="3934992363"/>
+        <p14:creationId xmlns:p14="http://schemas.microsoft.com/office/powerpoint/2010/main" val="860603555"/>
       </p:ext>
     </p:extLst>
   </p:cSld>
   <p:clrMapOvr>
     <a:masterClrMapping/>
   </p:clrMapOvr>
+  <p:timing>
+    <p:tnLst>
+      <p:par>
+        <p:cTn id="1" dur="indefinite" restart="never" nodeType="tmRoot">
+          <p:childTnLst>
+            <p:seq concurrent="1" nextAc="seek">
+              <p:cTn id="2" dur="indefinite" nodeType="mainSeq">
+                <p:childTnLst>
+                  <p:par>
+                    <p:cTn id="3" fill="hold">
+                      <p:stCondLst>
+                        <p:cond delay="indefinite"/>
+                      </p:stCondLst>
+                      <p:childTnLst>
+                        <p:par>
+                          <p:cTn id="4" fill="hold">
+                            <p:stCondLst>
+                              <p:cond delay="0"/>
+                            </p:stCondLst>
+                            <p:childTnLst>
+                              <p:par>
+                                <p:cTn id="5" presetID="2" presetClass="entr" presetSubtype="4" fill="hold" grpId="0" nodeType="clickEffect">
+                                  <p:stCondLst>
+                                    <p:cond delay="0"/>
+                                  </p:stCondLst>
+                                  <p:childTnLst>
+                                    <p:set>
+                                      <p:cBhvr>
+                                        <p:cTn id="6" dur="1" fill="hold">
+                                          <p:stCondLst>
+                                            <p:cond delay="0"/>
+                                          </p:stCondLst>
+                                        </p:cTn>
+                                        <p:tgtEl>
+                                          <p:spTgt spid="13"/>
+                                        </p:tgtEl>
+                                        <p:attrNameLst>
+                                          <p:attrName>style.visibility</p:attrName>
+                                        </p:attrNameLst>
+                                      </p:cBhvr>
+                                      <p:to>
+                                        <p:strVal val="visible"/>
+                                      </p:to>
+                                    </p:set>
+                                    <p:anim calcmode="lin" valueType="num">
+                                      <p:cBhvr additive="base">
+                                        <p:cTn id="7" dur="500" fill="hold"/>
+                                        <p:tgtEl>
+                                          <p:spTgt spid="13"/>
+                                        </p:tgtEl>
+                                        <p:attrNameLst>
+                                          <p:attrName>ppt_x</p:attrName>
+                                        </p:attrNameLst>
+                                      </p:cBhvr>
+                                      <p:tavLst>
+                                        <p:tav tm="0">
+                                          <p:val>
+                                            <p:strVal val="#ppt_x"/>
+                                          </p:val>
+                                        </p:tav>
+                                        <p:tav tm="100000">
+                                          <p:val>
+                                            <p:strVal val="#ppt_x"/>
+                                          </p:val>
+                                        </p:tav>
+                                      </p:tavLst>
+                                    </p:anim>
+                                    <p:anim calcmode="lin" valueType="num">
+                                      <p:cBhvr additive="base">
+                                        <p:cTn id="8" dur="500" fill="hold"/>
+                                        <p:tgtEl>
+                                          <p:spTgt spid="13"/>
+                                        </p:tgtEl>
+                                        <p:attrNameLst>
+                                          <p:attrName>ppt_y</p:attrName>
+                                        </p:attrNameLst>
+                                      </p:cBhvr>
+                                      <p:tavLst>
+                                        <p:tav tm="0">
+                                          <p:val>
+                                            <p:strVal val="1+#ppt_h/2"/>
+                                          </p:val>
+                                        </p:tav>
+                                        <p:tav tm="100000">
+                                          <p:val>
+                                            <p:strVal val="#ppt_y"/>
+                                          </p:val>
+                                        </p:tav>
+                                      </p:tavLst>
+                                    </p:anim>
+                                  </p:childTnLst>
+                                </p:cTn>
+                              </p:par>
+                            </p:childTnLst>
+                          </p:cTn>
+                        </p:par>
+                      </p:childTnLst>
+                    </p:cTn>
+                  </p:par>
+                </p:childTnLst>
+              </p:cTn>
+              <p:prevCondLst>
+                <p:cond evt="onPrev" delay="0">
+                  <p:tgtEl>
+                    <p:sldTgt/>
+                  </p:tgtEl>
+                </p:cond>
+              </p:prevCondLst>
+              <p:nextCondLst>
+                <p:cond evt="onNext" delay="0">
+                  <p:tgtEl>
+                    <p:sldTgt/>
+                  </p:tgtEl>
+                </p:cond>
+              </p:nextCondLst>
+            </p:seq>
+          </p:childTnLst>
+        </p:cTn>
+      </p:par>
+    </p:tnLst>
+    <p:bldLst>
+      <p:bldP spid="13" grpId="0" animBg="1"/>
+    </p:bldLst>
+  </p:timing>
 </p:sld>
 </file>
 

--- a/lecture-slides/2019-09-06-oop.pptx
+++ b/lecture-slides/2019-09-06-oop.pptx
@@ -5,30 +5,26 @@
     <p:sldMasterId id="2147483648" r:id="rId1"/>
   </p:sldMasterIdLst>
   <p:notesMasterIdLst>
-    <p:notesMasterId r:id="rId23"/>
+    <p:notesMasterId r:id="rId19"/>
   </p:notesMasterIdLst>
   <p:sldIdLst>
     <p:sldId id="305" r:id="rId2"/>
-    <p:sldId id="578" r:id="rId3"/>
-    <p:sldId id="579" r:id="rId4"/>
-    <p:sldId id="541" r:id="rId5"/>
-    <p:sldId id="581" r:id="rId6"/>
-    <p:sldId id="580" r:id="rId7"/>
-    <p:sldId id="582" r:id="rId8"/>
-    <p:sldId id="583" r:id="rId9"/>
-    <p:sldId id="558" r:id="rId10"/>
-    <p:sldId id="318" r:id="rId11"/>
-    <p:sldId id="565" r:id="rId12"/>
-    <p:sldId id="271" r:id="rId13"/>
-    <p:sldId id="503" r:id="rId14"/>
-    <p:sldId id="504" r:id="rId15"/>
-    <p:sldId id="507" r:id="rId16"/>
-    <p:sldId id="491" r:id="rId17"/>
-    <p:sldId id="528" r:id="rId18"/>
-    <p:sldId id="522" r:id="rId19"/>
-    <p:sldId id="533" r:id="rId20"/>
-    <p:sldId id="534" r:id="rId21"/>
-    <p:sldId id="531" r:id="rId22"/>
+    <p:sldId id="569" r:id="rId3"/>
+    <p:sldId id="577" r:id="rId4"/>
+    <p:sldId id="471" r:id="rId5"/>
+    <p:sldId id="574" r:id="rId6"/>
+    <p:sldId id="575" r:id="rId7"/>
+    <p:sldId id="576" r:id="rId8"/>
+    <p:sldId id="547" r:id="rId9"/>
+    <p:sldId id="318" r:id="rId10"/>
+    <p:sldId id="565" r:id="rId11"/>
+    <p:sldId id="271" r:id="rId12"/>
+    <p:sldId id="503" r:id="rId13"/>
+    <p:sldId id="504" r:id="rId14"/>
+    <p:sldId id="507" r:id="rId15"/>
+    <p:sldId id="491" r:id="rId16"/>
+    <p:sldId id="528" r:id="rId17"/>
+    <p:sldId id="522" r:id="rId18"/>
   </p:sldIdLst>
   <p:sldSz cx="12192000" cy="6858000"/>
   <p:notesSz cx="6858000" cy="9144000"/>
@@ -217,7 +213,7 @@
           <a:p>
             <a:fld id="{A677DEB0-5AA4-49C7-B0AD-AD047A002C4C}" type="datetimeFigureOut">
               <a:rPr lang="en-US" smtClean="0"/>
-              <a:t>9/9/19</a:t>
+              <a:t>9/10/19</a:t>
             </a:fld>
             <a:endParaRPr lang="en-US"/>
           </a:p>
@@ -623,17 +619,17 @@
             <a:spLocks noGrp="1"/>
           </p:cNvSpPr>
           <p:nvPr>
-            <p:ph type="sldNum" sz="quarter" idx="10"/>
-          </p:nvPr>
-        </p:nvSpPr>
-        <p:spPr/>
-        <p:txBody>
-          <a:bodyPr/>
-          <a:lstStyle/>
-          <a:p>
-            <a:fld id="{23B99BB9-C7F6-43B3-A122-46088ABB36FB}" type="slidenum">
+            <p:ph type="sldNum" sz="quarter" idx="5"/>
+          </p:nvPr>
+        </p:nvSpPr>
+        <p:spPr/>
+        <p:txBody>
+          <a:bodyPr/>
+          <a:lstStyle/>
+          <a:p>
+            <a:fld id="{35A4D32B-0177-4B34-AE20-6C72705619FE}" type="slidenum">
               <a:rPr lang="en-US" smtClean="0"/>
-              <a:t>17</a:t>
+              <a:t>12</a:t>
             </a:fld>
             <a:endParaRPr lang="en-US"/>
           </a:p>
@@ -642,7 +638,7 @@
     </p:spTree>
     <p:extLst>
       <p:ext uri="{BB962C8B-B14F-4D97-AF65-F5344CB8AC3E}">
-        <p14:creationId xmlns:p14="http://schemas.microsoft.com/office/powerpoint/2010/main" val="1400231804"/>
+        <p14:creationId xmlns:p14="http://schemas.microsoft.com/office/powerpoint/2010/main" val="716226611"/>
       </p:ext>
     </p:extLst>
   </p:cSld>
@@ -669,10 +665,64 @@
           <a:chExt cx="0" cy="0"/>
         </a:xfrm>
       </p:grpSpPr>
+      <p:sp>
+        <p:nvSpPr>
+          <p:cNvPr id="2" name="Slide Image Placeholder 1"/>
+          <p:cNvSpPr>
+            <a:spLocks noGrp="1" noRot="1" noChangeAspect="1"/>
+          </p:cNvSpPr>
+          <p:nvPr>
+            <p:ph type="sldImg"/>
+          </p:nvPr>
+        </p:nvSpPr>
+        <p:spPr/>
+      </p:sp>
+      <p:sp>
+        <p:nvSpPr>
+          <p:cNvPr id="3" name="Notes Placeholder 2"/>
+          <p:cNvSpPr>
+            <a:spLocks noGrp="1"/>
+          </p:cNvSpPr>
+          <p:nvPr>
+            <p:ph type="body" idx="1"/>
+          </p:nvPr>
+        </p:nvSpPr>
+        <p:spPr/>
+        <p:txBody>
+          <a:bodyPr/>
+          <a:lstStyle/>
+          <a:p>
+            <a:endParaRPr lang="en-US" dirty="0"/>
+          </a:p>
+        </p:txBody>
+      </p:sp>
+      <p:sp>
+        <p:nvSpPr>
+          <p:cNvPr id="4" name="Slide Number Placeholder 3"/>
+          <p:cNvSpPr>
+            <a:spLocks noGrp="1"/>
+          </p:cNvSpPr>
+          <p:nvPr>
+            <p:ph type="sldNum" sz="quarter" idx="10"/>
+          </p:nvPr>
+        </p:nvSpPr>
+        <p:spPr/>
+        <p:txBody>
+          <a:bodyPr/>
+          <a:lstStyle/>
+          <a:p>
+            <a:fld id="{23B99BB9-C7F6-43B3-A122-46088ABB36FB}" type="slidenum">
+              <a:rPr lang="en-US" smtClean="0"/>
+              <a:t>15</a:t>
+            </a:fld>
+            <a:endParaRPr lang="en-US"/>
+          </a:p>
+        </p:txBody>
+      </p:sp>
     </p:spTree>
     <p:extLst>
       <p:ext uri="{BB962C8B-B14F-4D97-AF65-F5344CB8AC3E}">
-        <p14:creationId xmlns:p14="http://schemas.microsoft.com/office/powerpoint/2010/main" val="2523252854"/>
+        <p14:creationId xmlns:p14="http://schemas.microsoft.com/office/powerpoint/2010/main" val="955952142"/>
       </p:ext>
     </p:extLst>
   </p:cSld>
@@ -699,94 +749,64 @@
           <a:chExt cx="0" cy="0"/>
         </a:xfrm>
       </p:grpSpPr>
+      <p:sp>
+        <p:nvSpPr>
+          <p:cNvPr id="2" name="Slide Image Placeholder 1"/>
+          <p:cNvSpPr>
+            <a:spLocks noGrp="1" noRot="1" noChangeAspect="1"/>
+          </p:cNvSpPr>
+          <p:nvPr>
+            <p:ph type="sldImg"/>
+          </p:nvPr>
+        </p:nvSpPr>
+        <p:spPr/>
+      </p:sp>
+      <p:sp>
+        <p:nvSpPr>
+          <p:cNvPr id="3" name="Notes Placeholder 2"/>
+          <p:cNvSpPr>
+            <a:spLocks noGrp="1"/>
+          </p:cNvSpPr>
+          <p:nvPr>
+            <p:ph type="body" idx="1"/>
+          </p:nvPr>
+        </p:nvSpPr>
+        <p:spPr/>
+        <p:txBody>
+          <a:bodyPr/>
+          <a:lstStyle/>
+          <a:p>
+            <a:endParaRPr lang="en-US" dirty="0"/>
+          </a:p>
+        </p:txBody>
+      </p:sp>
+      <p:sp>
+        <p:nvSpPr>
+          <p:cNvPr id="4" name="Slide Number Placeholder 3"/>
+          <p:cNvSpPr>
+            <a:spLocks noGrp="1"/>
+          </p:cNvSpPr>
+          <p:nvPr>
+            <p:ph type="sldNum" sz="quarter" idx="10"/>
+          </p:nvPr>
+        </p:nvSpPr>
+        <p:spPr/>
+        <p:txBody>
+          <a:bodyPr/>
+          <a:lstStyle/>
+          <a:p>
+            <a:fld id="{23B99BB9-C7F6-43B3-A122-46088ABB36FB}" type="slidenum">
+              <a:rPr lang="en-US" smtClean="0"/>
+              <a:t>16</a:t>
+            </a:fld>
+            <a:endParaRPr lang="en-US"/>
+          </a:p>
+        </p:txBody>
+      </p:sp>
     </p:spTree>
     <p:extLst>
       <p:ext uri="{BB962C8B-B14F-4D97-AF65-F5344CB8AC3E}">
-        <p14:creationId xmlns:p14="http://schemas.microsoft.com/office/powerpoint/2010/main" val="3940639226"/>
-      </p:ext>
-    </p:extLst>
-  </p:cSld>
-  <p:clrMapOvr>
-    <a:masterClrMapping/>
-  </p:clrMapOvr>
-</p:notes>
-</file>
-
-<file path=ppt/notesSlides/notesSlide13.xml><?xml version="1.0" encoding="utf-8"?>
-<p:notes xmlns:a="http://schemas.openxmlformats.org/drawingml/2006/main" xmlns:r="http://schemas.openxmlformats.org/officeDocument/2006/relationships" xmlns:p="http://schemas.openxmlformats.org/presentationml/2006/main">
-  <p:cSld>
-    <p:spTree>
-      <p:nvGrpSpPr>
-        <p:cNvPr id="1" name=""/>
-        <p:cNvGrpSpPr/>
-        <p:nvPr/>
-      </p:nvGrpSpPr>
-      <p:grpSpPr>
-        <a:xfrm>
-          <a:off x="0" y="0"/>
-          <a:ext cx="0" cy="0"/>
-          <a:chOff x="0" y="0"/>
-          <a:chExt cx="0" cy="0"/>
-        </a:xfrm>
-      </p:grpSpPr>
-      <p:sp>
-        <p:nvSpPr>
-          <p:cNvPr id="2" name="Slide Image Placeholder 1"/>
-          <p:cNvSpPr>
-            <a:spLocks noGrp="1" noRot="1" noChangeAspect="1"/>
-          </p:cNvSpPr>
-          <p:nvPr>
-            <p:ph type="sldImg"/>
-          </p:nvPr>
-        </p:nvSpPr>
-        <p:spPr/>
-      </p:sp>
-      <p:sp>
-        <p:nvSpPr>
-          <p:cNvPr id="3" name="Notes Placeholder 2"/>
-          <p:cNvSpPr>
-            <a:spLocks noGrp="1"/>
-          </p:cNvSpPr>
-          <p:nvPr>
-            <p:ph type="body" idx="1"/>
-          </p:nvPr>
-        </p:nvSpPr>
-        <p:spPr/>
-        <p:txBody>
-          <a:bodyPr/>
-          <a:lstStyle/>
-          <a:p>
-            <a:endParaRPr lang="en-US" dirty="0"/>
-          </a:p>
-        </p:txBody>
-      </p:sp>
-      <p:sp>
-        <p:nvSpPr>
-          <p:cNvPr id="4" name="Slide Number Placeholder 3"/>
-          <p:cNvSpPr>
-            <a:spLocks noGrp="1"/>
-          </p:cNvSpPr>
-          <p:nvPr>
-            <p:ph type="sldNum" sz="quarter" idx="5"/>
-          </p:nvPr>
-        </p:nvSpPr>
-        <p:spPr/>
-        <p:txBody>
-          <a:bodyPr/>
-          <a:lstStyle/>
-          <a:p>
-            <a:fld id="{35A4D32B-0177-4B34-AE20-6C72705619FE}" type="slidenum">
-              <a:rPr lang="en-US" smtClean="0"/>
-              <a:t>21</a:t>
-            </a:fld>
-            <a:endParaRPr lang="en-US"/>
-          </a:p>
-        </p:txBody>
-      </p:sp>
-    </p:spTree>
-    <p:extLst>
-      <p:ext uri="{BB962C8B-B14F-4D97-AF65-F5344CB8AC3E}">
-        <p14:creationId xmlns:p14="http://schemas.microsoft.com/office/powerpoint/2010/main" val="4165791278"/>
+        <p14:creationId xmlns:p14="http://schemas.microsoft.com/office/powerpoint/2010/main" val="1400231804"/>
       </p:ext>
     </p:extLst>
   </p:cSld>
@@ -840,7 +860,7 @@
           <a:bodyPr/>
           <a:lstStyle/>
           <a:p>
-            <a:endParaRPr lang="en-US" dirty="0"/>
+            <a:endParaRPr lang="en-US" sz="1000" dirty="0"/>
           </a:p>
         </p:txBody>
       </p:sp>
@@ -859,18 +879,18 @@
           <a:bodyPr/>
           <a:lstStyle/>
           <a:p>
-            <a:fld id="{23B99BB9-C7F6-43B3-A122-46088ABB36FB}" type="slidenum">
+            <a:fld id="{5394DE12-7B9B-46AA-AC19-C30A49928B9B}" type="slidenum">
               <a:rPr lang="en-US" smtClean="0"/>
               <a:t>3</a:t>
             </a:fld>
-            <a:endParaRPr lang="en-US"/>
+            <a:endParaRPr lang="en-US" dirty="0"/>
           </a:p>
         </p:txBody>
       </p:sp>
     </p:spTree>
     <p:extLst>
       <p:ext uri="{BB962C8B-B14F-4D97-AF65-F5344CB8AC3E}">
-        <p14:creationId xmlns:p14="http://schemas.microsoft.com/office/powerpoint/2010/main" val="3092910271"/>
+        <p14:creationId xmlns:p14="http://schemas.microsoft.com/office/powerpoint/2010/main" val="3619037015"/>
       </p:ext>
     </p:extLst>
   </p:cSld>
@@ -924,6 +944,29 @@
           <a:bodyPr/>
           <a:lstStyle/>
           <a:p>
+            <a:pPr marL="0" marR="0" lvl="0" indent="0" algn="l" defTabSz="914400" rtl="0" eaLnBrk="1" fontAlgn="auto" latinLnBrk="0" hangingPunct="1">
+              <a:lnSpc>
+                <a:spcPct val="100000"/>
+              </a:lnSpc>
+              <a:spcBef>
+                <a:spcPts val="0"/>
+              </a:spcBef>
+              <a:spcAft>
+                <a:spcPts val="0"/>
+              </a:spcAft>
+              <a:buClrTx/>
+              <a:buSzTx/>
+              <a:buFontTx/>
+              <a:buNone/>
+              <a:tabLst/>
+              <a:defRPr/>
+            </a:pPr>
+            <a:r>
+              <a:rPr lang="en-US" dirty="0"/>
+              <a:t>A possible exception would be non-proportional based fonts</a:t>
+            </a:r>
+          </a:p>
+          <a:p>
             <a:endParaRPr lang="en-US" dirty="0"/>
           </a:p>
         </p:txBody>
@@ -943,18 +986,18 @@
           <a:bodyPr/>
           <a:lstStyle/>
           <a:p>
-            <a:fld id="{5394DE12-7B9B-46AA-AC19-C30A49928B9B}" type="slidenum">
+            <a:fld id="{23B99BB9-C7F6-43B3-A122-46088ABB36FB}" type="slidenum">
               <a:rPr lang="en-US" smtClean="0"/>
-              <a:t>5</a:t>
+              <a:t>4</a:t>
             </a:fld>
-            <a:endParaRPr lang="en-US" dirty="0"/>
+            <a:endParaRPr lang="en-US"/>
           </a:p>
         </p:txBody>
       </p:sp>
     </p:spTree>
     <p:extLst>
       <p:ext uri="{BB962C8B-B14F-4D97-AF65-F5344CB8AC3E}">
-        <p14:creationId xmlns:p14="http://schemas.microsoft.com/office/powerpoint/2010/main" val="260566741"/>
+        <p14:creationId xmlns:p14="http://schemas.microsoft.com/office/powerpoint/2010/main" val="169698126"/>
       </p:ext>
     </p:extLst>
   </p:cSld>
@@ -1008,7 +1051,7 @@
           <a:bodyPr/>
           <a:lstStyle/>
           <a:p>
-            <a:endParaRPr lang="en-US" dirty="0"/>
+            <a:endParaRPr lang="en-US" sz="1000" dirty="0"/>
           </a:p>
         </p:txBody>
       </p:sp>
@@ -1029,7 +1072,7 @@
           <a:p>
             <a:fld id="{5394DE12-7B9B-46AA-AC19-C30A49928B9B}" type="slidenum">
               <a:rPr lang="en-US" smtClean="0"/>
-              <a:t>6</a:t>
+              <a:t>5</a:t>
             </a:fld>
             <a:endParaRPr lang="en-US" dirty="0"/>
           </a:p>
@@ -1038,7 +1081,7 @@
     </p:spTree>
     <p:extLst>
       <p:ext uri="{BB962C8B-B14F-4D97-AF65-F5344CB8AC3E}">
-        <p14:creationId xmlns:p14="http://schemas.microsoft.com/office/powerpoint/2010/main" val="890274923"/>
+        <p14:creationId xmlns:p14="http://schemas.microsoft.com/office/powerpoint/2010/main" val="3137660331"/>
       </p:ext>
     </p:extLst>
   </p:cSld>
@@ -1092,7 +1135,31 @@
           <a:bodyPr/>
           <a:lstStyle/>
           <a:p>
-            <a:endParaRPr lang="en-US" dirty="0"/>
+            <a:r>
+              <a:rPr lang="en-US" sz="1000" dirty="0"/>
+              <a:t>Encapsulation</a:t>
+            </a:r>
+          </a:p>
+          <a:p>
+            <a:r>
+              <a:rPr lang="en-US" sz="1000" dirty="0"/>
+              <a:t>Inheritance</a:t>
+            </a:r>
+          </a:p>
+          <a:p>
+            <a:r>
+              <a:rPr lang="en-US" sz="1000" dirty="0"/>
+              <a:t>Polymorphism</a:t>
+            </a:r>
+          </a:p>
+          <a:p>
+            <a:endParaRPr lang="en-US" sz="1000" dirty="0"/>
+          </a:p>
+          <a:p>
+            <a:endParaRPr lang="en-US" sz="1000" dirty="0"/>
+          </a:p>
+          <a:p>
+            <a:endParaRPr lang="en-US" sz="1000" dirty="0"/>
           </a:p>
         </p:txBody>
       </p:sp>
@@ -1113,7 +1180,7 @@
           <a:p>
             <a:fld id="{5394DE12-7B9B-46AA-AC19-C30A49928B9B}" type="slidenum">
               <a:rPr lang="en-US" smtClean="0"/>
-              <a:t>7</a:t>
+              <a:t>6</a:t>
             </a:fld>
             <a:endParaRPr lang="en-US" dirty="0"/>
           </a:p>
@@ -1122,7 +1189,7 @@
     </p:spTree>
     <p:extLst>
       <p:ext uri="{BB962C8B-B14F-4D97-AF65-F5344CB8AC3E}">
-        <p14:creationId xmlns:p14="http://schemas.microsoft.com/office/powerpoint/2010/main" val="2424338544"/>
+        <p14:creationId xmlns:p14="http://schemas.microsoft.com/office/powerpoint/2010/main" val="3878248095"/>
       </p:ext>
     </p:extLst>
   </p:cSld>
@@ -1197,7 +1264,7 @@
           <a:p>
             <a:fld id="{5394DE12-7B9B-46AA-AC19-C30A49928B9B}" type="slidenum">
               <a:rPr lang="en-US" smtClean="0"/>
-              <a:t>11</a:t>
+              <a:t>7</a:t>
             </a:fld>
             <a:endParaRPr lang="en-US" dirty="0"/>
           </a:p>
@@ -1206,7 +1273,7 @@
     </p:spTree>
     <p:extLst>
       <p:ext uri="{BB962C8B-B14F-4D97-AF65-F5344CB8AC3E}">
-        <p14:creationId xmlns:p14="http://schemas.microsoft.com/office/powerpoint/2010/main" val="3923728908"/>
+        <p14:creationId xmlns:p14="http://schemas.microsoft.com/office/powerpoint/2010/main" val="1868230516"/>
       </p:ext>
     </p:extLst>
   </p:cSld>
@@ -1279,18 +1346,18 @@
           <a:bodyPr/>
           <a:lstStyle/>
           <a:p>
-            <a:fld id="{5394DE12-7B9B-46AA-AC19-C30A49928B9B}" type="slidenum">
+            <a:fld id="{23B99BB9-C7F6-43B3-A122-46088ABB36FB}" type="slidenum">
               <a:rPr lang="en-US" smtClean="0"/>
-              <a:t>12</a:t>
+              <a:t>8</a:t>
             </a:fld>
-            <a:endParaRPr lang="en-US" dirty="0"/>
+            <a:endParaRPr lang="en-US"/>
           </a:p>
         </p:txBody>
       </p:sp>
     </p:spTree>
     <p:extLst>
       <p:ext uri="{BB962C8B-B14F-4D97-AF65-F5344CB8AC3E}">
-        <p14:creationId xmlns:p14="http://schemas.microsoft.com/office/powerpoint/2010/main" val="3355459141"/>
+        <p14:creationId xmlns:p14="http://schemas.microsoft.com/office/powerpoint/2010/main" val="2826606629"/>
       </p:ext>
     </p:extLst>
   </p:cSld>
@@ -1344,37 +1411,37 @@
           <a:bodyPr/>
           <a:lstStyle/>
           <a:p>
+            <a:endParaRPr lang="en-US" sz="1000" dirty="0"/>
+          </a:p>
+        </p:txBody>
+      </p:sp>
+      <p:sp>
+        <p:nvSpPr>
+          <p:cNvPr id="4" name="Slide Number Placeholder 3"/>
+          <p:cNvSpPr>
+            <a:spLocks noGrp="1"/>
+          </p:cNvSpPr>
+          <p:nvPr>
+            <p:ph type="sldNum" sz="quarter" idx="10"/>
+          </p:nvPr>
+        </p:nvSpPr>
+        <p:spPr/>
+        <p:txBody>
+          <a:bodyPr/>
+          <a:lstStyle/>
+          <a:p>
+            <a:fld id="{5394DE12-7B9B-46AA-AC19-C30A49928B9B}" type="slidenum">
+              <a:rPr lang="en-US" smtClean="0"/>
+              <a:t>10</a:t>
+            </a:fld>
             <a:endParaRPr lang="en-US" dirty="0"/>
-          </a:p>
-        </p:txBody>
-      </p:sp>
-      <p:sp>
-        <p:nvSpPr>
-          <p:cNvPr id="4" name="Slide Number Placeholder 3"/>
-          <p:cNvSpPr>
-            <a:spLocks noGrp="1"/>
-          </p:cNvSpPr>
-          <p:nvPr>
-            <p:ph type="sldNum" sz="quarter" idx="5"/>
-          </p:nvPr>
-        </p:nvSpPr>
-        <p:spPr/>
-        <p:txBody>
-          <a:bodyPr/>
-          <a:lstStyle/>
-          <a:p>
-            <a:fld id="{35A4D32B-0177-4B34-AE20-6C72705619FE}" type="slidenum">
-              <a:rPr lang="en-US" smtClean="0"/>
-              <a:t>13</a:t>
-            </a:fld>
-            <a:endParaRPr lang="en-US"/>
           </a:p>
         </p:txBody>
       </p:sp>
     </p:spTree>
     <p:extLst>
       <p:ext uri="{BB962C8B-B14F-4D97-AF65-F5344CB8AC3E}">
-        <p14:creationId xmlns:p14="http://schemas.microsoft.com/office/powerpoint/2010/main" val="716226611"/>
+        <p14:creationId xmlns:p14="http://schemas.microsoft.com/office/powerpoint/2010/main" val="3923728908"/>
       </p:ext>
     </p:extLst>
   </p:cSld>
@@ -1447,18 +1514,18 @@
           <a:bodyPr/>
           <a:lstStyle/>
           <a:p>
-            <a:fld id="{23B99BB9-C7F6-43B3-A122-46088ABB36FB}" type="slidenum">
+            <a:fld id="{5394DE12-7B9B-46AA-AC19-C30A49928B9B}" type="slidenum">
               <a:rPr lang="en-US" smtClean="0"/>
-              <a:t>16</a:t>
+              <a:t>11</a:t>
             </a:fld>
-            <a:endParaRPr lang="en-US"/>
+            <a:endParaRPr lang="en-US" dirty="0"/>
           </a:p>
         </p:txBody>
       </p:sp>
     </p:spTree>
     <p:extLst>
       <p:ext uri="{BB962C8B-B14F-4D97-AF65-F5344CB8AC3E}">
-        <p14:creationId xmlns:p14="http://schemas.microsoft.com/office/powerpoint/2010/main" val="955952142"/>
+        <p14:creationId xmlns:p14="http://schemas.microsoft.com/office/powerpoint/2010/main" val="3355459141"/>
       </p:ext>
     </p:extLst>
   </p:cSld>
@@ -1615,7 +1682,7 @@
           <a:p>
             <a:fld id="{1B52E0E1-344B-4E26-B5AD-CE86AB802485}" type="datetimeFigureOut">
               <a:rPr lang="en-US" smtClean="0"/>
-              <a:t>9/9/19</a:t>
+              <a:t>9/10/19</a:t>
             </a:fld>
             <a:endParaRPr lang="en-US"/>
           </a:p>
@@ -1813,7 +1880,7 @@
           <a:p>
             <a:fld id="{1B52E0E1-344B-4E26-B5AD-CE86AB802485}" type="datetimeFigureOut">
               <a:rPr lang="en-US" smtClean="0"/>
-              <a:t>9/9/19</a:t>
+              <a:t>9/10/19</a:t>
             </a:fld>
             <a:endParaRPr lang="en-US"/>
           </a:p>
@@ -2021,7 +2088,7 @@
           <a:p>
             <a:fld id="{1B52E0E1-344B-4E26-B5AD-CE86AB802485}" type="datetimeFigureOut">
               <a:rPr lang="en-US" smtClean="0"/>
-              <a:t>9/9/19</a:t>
+              <a:t>9/10/19</a:t>
             </a:fld>
             <a:endParaRPr lang="en-US"/>
           </a:p>
@@ -2219,7 +2286,7 @@
           <a:p>
             <a:fld id="{1B52E0E1-344B-4E26-B5AD-CE86AB802485}" type="datetimeFigureOut">
               <a:rPr lang="en-US" smtClean="0"/>
-              <a:t>9/9/19</a:t>
+              <a:t>9/10/19</a:t>
             </a:fld>
             <a:endParaRPr lang="en-US"/>
           </a:p>
@@ -2494,7 +2561,7 @@
           <a:p>
             <a:fld id="{1B52E0E1-344B-4E26-B5AD-CE86AB802485}" type="datetimeFigureOut">
               <a:rPr lang="en-US" smtClean="0"/>
-              <a:t>9/9/19</a:t>
+              <a:t>9/10/19</a:t>
             </a:fld>
             <a:endParaRPr lang="en-US"/>
           </a:p>
@@ -2759,7 +2826,7 @@
           <a:p>
             <a:fld id="{1B52E0E1-344B-4E26-B5AD-CE86AB802485}" type="datetimeFigureOut">
               <a:rPr lang="en-US" smtClean="0"/>
-              <a:t>9/9/19</a:t>
+              <a:t>9/10/19</a:t>
             </a:fld>
             <a:endParaRPr lang="en-US"/>
           </a:p>
@@ -3171,7 +3238,7 @@
           <a:p>
             <a:fld id="{1B52E0E1-344B-4E26-B5AD-CE86AB802485}" type="datetimeFigureOut">
               <a:rPr lang="en-US" smtClean="0"/>
-              <a:t>9/9/19</a:t>
+              <a:t>9/10/19</a:t>
             </a:fld>
             <a:endParaRPr lang="en-US"/>
           </a:p>
@@ -3312,7 +3379,7 @@
           <a:p>
             <a:fld id="{1B52E0E1-344B-4E26-B5AD-CE86AB802485}" type="datetimeFigureOut">
               <a:rPr lang="en-US" smtClean="0"/>
-              <a:t>9/9/19</a:t>
+              <a:t>9/10/19</a:t>
             </a:fld>
             <a:endParaRPr lang="en-US"/>
           </a:p>
@@ -3425,7 +3492,7 @@
           <a:p>
             <a:fld id="{1B52E0E1-344B-4E26-B5AD-CE86AB802485}" type="datetimeFigureOut">
               <a:rPr lang="en-US" smtClean="0"/>
-              <a:t>9/9/19</a:t>
+              <a:t>9/10/19</a:t>
             </a:fld>
             <a:endParaRPr lang="en-US"/>
           </a:p>
@@ -3736,7 +3803,7 @@
           <a:p>
             <a:fld id="{1B52E0E1-344B-4E26-B5AD-CE86AB802485}" type="datetimeFigureOut">
               <a:rPr lang="en-US" smtClean="0"/>
-              <a:t>9/9/19</a:t>
+              <a:t>9/10/19</a:t>
             </a:fld>
             <a:endParaRPr lang="en-US"/>
           </a:p>
@@ -4024,7 +4091,7 @@
           <a:p>
             <a:fld id="{1B52E0E1-344B-4E26-B5AD-CE86AB802485}" type="datetimeFigureOut">
               <a:rPr lang="en-US" smtClean="0"/>
-              <a:t>9/9/19</a:t>
+              <a:t>9/10/19</a:t>
             </a:fld>
             <a:endParaRPr lang="en-US"/>
           </a:p>
@@ -4265,7 +4332,7 @@
           <a:p>
             <a:fld id="{1B52E0E1-344B-4E26-B5AD-CE86AB802485}" type="datetimeFigureOut">
               <a:rPr lang="en-US" smtClean="0"/>
-              <a:t>9/9/19</a:t>
+              <a:t>9/10/19</a:t>
             </a:fld>
             <a:endParaRPr lang="en-US"/>
           </a:p>
@@ -4763,15 +4830,15 @@
               <a:buNone/>
             </a:pPr>
             <a:r>
-              <a:rPr lang="en-US" sz="2000" dirty="0"/>
-              <a:t>Agenda for Monday, September 9</a:t>
-            </a:r>
-            <a:r>
-              <a:rPr lang="en-US" sz="2000" baseline="30000" dirty="0"/>
+              <a:rPr lang="en-US" sz="2200" dirty="0"/>
+              <a:t>Agenda for Friday, September 6</a:t>
+            </a:r>
+            <a:r>
+              <a:rPr lang="en-US" sz="2200" baseline="30000" dirty="0"/>
               <a:t>th</a:t>
             </a:r>
             <a:r>
-              <a:rPr lang="en-US" sz="2000" dirty="0"/>
+              <a:rPr lang="en-US" sz="2200" dirty="0"/>
               <a:t> from 2 to 2:50pm CST:</a:t>
             </a:r>
           </a:p>
@@ -4781,7 +4848,7 @@
               <a:buAutoNum type="arabicPeriod"/>
             </a:pPr>
             <a:r>
-              <a:rPr lang="en-US" sz="2000" dirty="0"/>
+              <a:rPr lang="en-US" sz="2200" dirty="0"/>
               <a:t>Review Assignment from Last Class</a:t>
             </a:r>
           </a:p>
@@ -4791,8 +4858,8 @@
               <a:buAutoNum type="arabicPeriod"/>
             </a:pPr>
             <a:r>
-              <a:rPr lang="en-US" sz="2000" dirty="0"/>
-              <a:t>Friendly Conversation Topic – Start, Stop, Continue Feedback Model</a:t>
+              <a:rPr lang="en-US" sz="2200" dirty="0"/>
+              <a:t>Friendly Conversation Topic – One Space or Two Spaces After a Period?</a:t>
             </a:r>
           </a:p>
           <a:p>
@@ -4801,8 +4868,8 @@
               <a:buAutoNum type="arabicPeriod"/>
             </a:pPr>
             <a:r>
-              <a:rPr lang="en-US" sz="2000" dirty="0"/>
-              <a:t>Sprint 1 Retrospective</a:t>
+              <a:rPr lang="en-US" sz="2200" dirty="0"/>
+              <a:t>Q&amp;A: Object-Oriented Programming Concepts and Practices</a:t>
             </a:r>
           </a:p>
           <a:p>
@@ -4811,8 +4878,8 @@
               <a:buAutoNum type="arabicPeriod"/>
             </a:pPr>
             <a:r>
-              <a:rPr lang="en-US" sz="2000" dirty="0"/>
-              <a:t>Remaining Schedule</a:t>
+              <a:rPr lang="en-US" sz="2200" dirty="0"/>
+              <a:t>Discussion: OOP Patterns</a:t>
             </a:r>
           </a:p>
           <a:p>
@@ -4821,8 +4888,8 @@
               <a:buAutoNum type="arabicPeriod"/>
             </a:pPr>
             <a:r>
-              <a:rPr lang="en-US" sz="2000" dirty="0"/>
-              <a:t>Sprint 2 Planning</a:t>
+              <a:rPr lang="en-US" sz="2200" dirty="0"/>
+              <a:t>Assignment for Next Class</a:t>
             </a:r>
           </a:p>
           <a:p>
@@ -4831,34 +4898,53 @@
               <a:buAutoNum type="arabicPeriod"/>
             </a:pPr>
             <a:r>
-              <a:rPr lang="en-US" sz="2000" dirty="0"/>
-              <a:t>Assignment</a:t>
-            </a:r>
+              <a:rPr lang="en-US" sz="2200" dirty="0"/>
+              <a:t>Lab</a:t>
+            </a:r>
+          </a:p>
+          <a:p>
+            <a:pPr marL="0" indent="0">
+              <a:buNone/>
+            </a:pPr>
+            <a:endParaRPr lang="en-US" sz="2200" dirty="0"/>
+          </a:p>
+          <a:p>
+            <a:pPr marL="0" indent="0">
+              <a:buNone/>
+            </a:pPr>
+            <a:r>
+              <a:rPr lang="en-US" sz="2200" dirty="0"/>
+              <a:t>Discussion &amp; Questions welcome at any time… please be present with no phones or email during our time together</a:t>
+            </a:r>
+            <a:endParaRPr lang="en-US" sz="2000" dirty="0"/>
           </a:p>
           <a:p>
             <a:pPr marL="457200" indent="-457200">
               <a:buFont typeface="+mj-lt"/>
               <a:buAutoNum type="arabicPeriod"/>
             </a:pPr>
-            <a:r>
-              <a:rPr lang="en-US" sz="2000" dirty="0"/>
-              <a:t>Lab</a:t>
-            </a:r>
-          </a:p>
-          <a:p>
-            <a:pPr marL="0" indent="0">
-              <a:buNone/>
+            <a:endParaRPr lang="en-US" sz="2000" dirty="0"/>
+          </a:p>
+          <a:p>
+            <a:pPr marL="457200" indent="-457200">
+              <a:buFont typeface="+mj-lt"/>
+              <a:buAutoNum type="arabicPeriod"/>
             </a:pPr>
             <a:endParaRPr lang="en-US" sz="2000" dirty="0"/>
           </a:p>
           <a:p>
-            <a:pPr marL="0" indent="0">
-              <a:buNone/>
+            <a:pPr marL="457200" indent="-457200">
+              <a:buFont typeface="+mj-lt"/>
+              <a:buAutoNum type="arabicPeriod"/>
             </a:pPr>
-            <a:r>
-              <a:rPr lang="en-US" sz="2000" dirty="0"/>
-              <a:t>Discussion &amp; Questions welcome at any time… please be present with no phones or email during our time together</a:t>
-            </a:r>
+            <a:endParaRPr lang="en-US" sz="2000" dirty="0"/>
+          </a:p>
+          <a:p>
+            <a:pPr marL="457200" indent="-457200">
+              <a:buFont typeface="+mj-lt"/>
+              <a:buAutoNum type="arabicPeriod"/>
+            </a:pPr>
+            <a:endParaRPr lang="en-US" sz="2000" dirty="0"/>
           </a:p>
         </p:txBody>
       </p:sp>
@@ -4924,117 +5010,6 @@
       </p:grpSpPr>
       <p:sp>
         <p:nvSpPr>
-          <p:cNvPr id="2" name="Title 1">
-            <a:extLst>
-              <a:ext uri="{FF2B5EF4-FFF2-40B4-BE49-F238E27FC236}">
-                <a16:creationId xmlns:a16="http://schemas.microsoft.com/office/drawing/2014/main" id="{2A5755BE-860E-40EB-ADA6-6E82BCB49EC3}"/>
-              </a:ext>
-            </a:extLst>
-          </p:cNvPr>
-          <p:cNvSpPr>
-            <a:spLocks noGrp="1"/>
-          </p:cNvSpPr>
-          <p:nvPr>
-            <p:ph type="title"/>
-          </p:nvPr>
-        </p:nvSpPr>
-        <p:spPr/>
-        <p:txBody>
-          <a:bodyPr/>
-          <a:lstStyle/>
-          <a:p>
-            <a:r>
-              <a:rPr lang="en-US" dirty="0"/>
-              <a:t>Assignment</a:t>
-            </a:r>
-          </a:p>
-        </p:txBody>
-      </p:sp>
-      <p:sp>
-        <p:nvSpPr>
-          <p:cNvPr id="3" name="Content Placeholder 2">
-            <a:extLst>
-              <a:ext uri="{FF2B5EF4-FFF2-40B4-BE49-F238E27FC236}">
-                <a16:creationId xmlns:a16="http://schemas.microsoft.com/office/drawing/2014/main" id="{72EF5DE0-5958-4171-A9E3-3D288A31AC3F}"/>
-              </a:ext>
-            </a:extLst>
-          </p:cNvPr>
-          <p:cNvSpPr>
-            <a:spLocks noGrp="1"/>
-          </p:cNvSpPr>
-          <p:nvPr>
-            <p:ph idx="1"/>
-          </p:nvPr>
-        </p:nvSpPr>
-        <p:spPr>
-          <a:xfrm>
-            <a:off x="838200" y="1654444"/>
-            <a:ext cx="10515600" cy="4522519"/>
-          </a:xfrm>
-        </p:spPr>
-        <p:txBody>
-          <a:bodyPr>
-            <a:normAutofit/>
-          </a:bodyPr>
-          <a:lstStyle/>
-          <a:p>
-            <a:pPr marL="0" indent="0">
-              <a:buNone/>
-            </a:pPr>
-            <a:r>
-              <a:rPr lang="en-US" sz="2000" dirty="0"/>
-              <a:t>Complete Activities List items 1 through 5 and be prepared to discuss them at the start of our next class. </a:t>
-            </a:r>
-          </a:p>
-          <a:p>
-            <a:pPr marL="0" indent="0">
-              <a:buNone/>
-            </a:pPr>
-            <a:endParaRPr lang="en-US" sz="2000" dirty="0"/>
-          </a:p>
-          <a:p>
-            <a:pPr marL="0" indent="0">
-              <a:buNone/>
-            </a:pPr>
-            <a:endParaRPr lang="en-US" sz="1800" dirty="0"/>
-          </a:p>
-          <a:p>
-            <a:endParaRPr lang="en-US" dirty="0"/>
-          </a:p>
-        </p:txBody>
-      </p:sp>
-    </p:spTree>
-    <p:extLst>
-      <p:ext uri="{BB962C8B-B14F-4D97-AF65-F5344CB8AC3E}">
-        <p14:creationId xmlns:p14="http://schemas.microsoft.com/office/powerpoint/2010/main" val="3934992363"/>
-      </p:ext>
-    </p:extLst>
-  </p:cSld>
-  <p:clrMapOvr>
-    <a:masterClrMapping/>
-  </p:clrMapOvr>
-</p:sld>
-</file>
-
-<file path=ppt/slides/slide11.xml><?xml version="1.0" encoding="utf-8"?>
-<p:sld xmlns:a="http://schemas.openxmlformats.org/drawingml/2006/main" xmlns:r="http://schemas.openxmlformats.org/officeDocument/2006/relationships" xmlns:p="http://schemas.openxmlformats.org/presentationml/2006/main">
-  <p:cSld>
-    <p:spTree>
-      <p:nvGrpSpPr>
-        <p:cNvPr id="1" name=""/>
-        <p:cNvGrpSpPr/>
-        <p:nvPr/>
-      </p:nvGrpSpPr>
-      <p:grpSpPr>
-        <a:xfrm>
-          <a:off x="0" y="0"/>
-          <a:ext cx="0" cy="0"/>
-          <a:chOff x="0" y="0"/>
-          <a:chExt cx="0" cy="0"/>
-        </a:xfrm>
-      </p:grpSpPr>
-      <p:sp>
-        <p:nvSpPr>
           <p:cNvPr id="2" name="Title 1"/>
           <p:cNvSpPr>
             <a:spLocks noGrp="1"/>
@@ -5100,7 +5075,7 @@
             </a:pPr>
             <a:r>
               <a:rPr lang="en-US" sz="2000" dirty="0"/>
-              <a:t>Sprint 1 Retrospective (for team &amp; class) using Start, Stop, Continue feedback model</a:t>
+              <a:t>Select a Scrum Master for Sprint 2</a:t>
             </a:r>
           </a:p>
           <a:p>
@@ -5110,7 +5085,7 @@
             </a:pPr>
             <a:r>
               <a:rPr lang="en-US" sz="2000" dirty="0"/>
-              <a:t>Sprint 2 Planning by reviewing our Sprint 2 Activities List and Assignments</a:t>
+              <a:t>Programming Assignment 1 and Quiz 1</a:t>
             </a:r>
           </a:p>
           <a:p>
@@ -5120,7 +5095,7 @@
             </a:pPr>
             <a:r>
               <a:rPr lang="en-US" sz="2000" dirty="0"/>
-              <a:t>Team report out by new Scrum Master at 2:44</a:t>
+              <a:t>Team report out by new Scrum Master at 2:48</a:t>
             </a:r>
           </a:p>
           <a:p>
@@ -5226,7 +5201,7 @@
 </p:sld>
 </file>
 
-<file path=ppt/slides/slide12.xml><?xml version="1.0" encoding="utf-8"?>
+<file path=ppt/slides/slide11.xml><?xml version="1.0" encoding="utf-8"?>
 <p:sld xmlns:a="http://schemas.openxmlformats.org/drawingml/2006/main" xmlns:r="http://schemas.openxmlformats.org/officeDocument/2006/relationships" xmlns:p="http://schemas.openxmlformats.org/presentationml/2006/main">
   <p:cSld>
     <p:bg>
@@ -5295,6 +5270,158 @@
 </p:sld>
 </file>
 
+<file path=ppt/slides/slide12.xml><?xml version="1.0" encoding="utf-8"?>
+<p:sld xmlns:a="http://schemas.openxmlformats.org/drawingml/2006/main" xmlns:r="http://schemas.openxmlformats.org/officeDocument/2006/relationships" xmlns:p="http://schemas.openxmlformats.org/presentationml/2006/main">
+  <p:cSld>
+    <p:spTree>
+      <p:nvGrpSpPr>
+        <p:cNvPr id="1" name=""/>
+        <p:cNvGrpSpPr/>
+        <p:nvPr/>
+      </p:nvGrpSpPr>
+      <p:grpSpPr>
+        <a:xfrm>
+          <a:off x="0" y="0"/>
+          <a:ext cx="0" cy="0"/>
+          <a:chOff x="0" y="0"/>
+          <a:chExt cx="0" cy="0"/>
+        </a:xfrm>
+      </p:grpSpPr>
+      <p:sp>
+        <p:nvSpPr>
+          <p:cNvPr id="2" name="Title 1">
+            <a:extLst>
+              <a:ext uri="{FF2B5EF4-FFF2-40B4-BE49-F238E27FC236}">
+                <a16:creationId xmlns:a16="http://schemas.microsoft.com/office/drawing/2014/main" id="{2A5755BE-860E-40EB-ADA6-6E82BCB49EC3}"/>
+              </a:ext>
+            </a:extLst>
+          </p:cNvPr>
+          <p:cNvSpPr>
+            <a:spLocks noGrp="1"/>
+          </p:cNvSpPr>
+          <p:nvPr>
+            <p:ph type="title"/>
+          </p:nvPr>
+        </p:nvSpPr>
+        <p:spPr>
+          <a:xfrm>
+            <a:off x="838200" y="365125"/>
+            <a:ext cx="10515600" cy="1325563"/>
+          </a:xfrm>
+        </p:spPr>
+        <p:txBody>
+          <a:bodyPr/>
+          <a:lstStyle/>
+          <a:p>
+            <a:r>
+              <a:rPr lang="en-US" dirty="0"/>
+              <a:t>Demo Guidelines – Presenter </a:t>
+            </a:r>
+          </a:p>
+        </p:txBody>
+      </p:sp>
+      <p:sp>
+        <p:nvSpPr>
+          <p:cNvPr id="3" name="Content Placeholder 2">
+            <a:extLst>
+              <a:ext uri="{FF2B5EF4-FFF2-40B4-BE49-F238E27FC236}">
+                <a16:creationId xmlns:a16="http://schemas.microsoft.com/office/drawing/2014/main" id="{72EF5DE0-5958-4171-A9E3-3D288A31AC3F}"/>
+              </a:ext>
+            </a:extLst>
+          </p:cNvPr>
+          <p:cNvSpPr>
+            <a:spLocks noGrp="1"/>
+          </p:cNvSpPr>
+          <p:nvPr>
+            <p:ph idx="1"/>
+          </p:nvPr>
+        </p:nvSpPr>
+        <p:spPr>
+          <a:xfrm>
+            <a:off x="838200" y="1654444"/>
+            <a:ext cx="10515600" cy="4522519"/>
+          </a:xfrm>
+        </p:spPr>
+        <p:txBody>
+          <a:bodyPr>
+            <a:normAutofit/>
+          </a:bodyPr>
+          <a:lstStyle/>
+          <a:p>
+            <a:pPr marL="0" indent="0">
+              <a:buNone/>
+            </a:pPr>
+            <a:r>
+              <a:rPr lang="en-US" sz="2400" dirty="0"/>
+              <a:t>Everyone will give at least one demo of their work during the semester.</a:t>
+            </a:r>
+          </a:p>
+          <a:p>
+            <a:pPr marL="0" indent="0">
+              <a:buNone/>
+            </a:pPr>
+            <a:r>
+              <a:rPr lang="en-US" sz="2400" dirty="0"/>
+              <a:t>Your demo can include any or all of the following:</a:t>
+            </a:r>
+          </a:p>
+          <a:p>
+            <a:r>
+              <a:rPr lang="en-US" sz="2400" dirty="0"/>
+              <a:t>A 2 to 5 minute activity</a:t>
+            </a:r>
+          </a:p>
+          <a:p>
+            <a:r>
+              <a:rPr lang="en-US" sz="2400" dirty="0"/>
+              <a:t>Where you show your application running</a:t>
+            </a:r>
+          </a:p>
+          <a:p>
+            <a:r>
+              <a:rPr lang="en-US" sz="2400" dirty="0"/>
+              <a:t>Comment on your implementation</a:t>
+            </a:r>
+          </a:p>
+          <a:p>
+            <a:r>
+              <a:rPr lang="en-US" sz="2400" dirty="0"/>
+              <a:t>Show the source code</a:t>
+            </a:r>
+          </a:p>
+          <a:p>
+            <a:r>
+              <a:rPr lang="en-US" sz="2400" dirty="0"/>
+              <a:t>Explain how you organized the code</a:t>
+            </a:r>
+          </a:p>
+          <a:p>
+            <a:r>
+              <a:rPr lang="en-US" sz="2400" dirty="0"/>
+              <a:t>Talk about any challenges</a:t>
+            </a:r>
+          </a:p>
+          <a:p>
+            <a:r>
+              <a:rPr lang="en-US" sz="2400" dirty="0"/>
+              <a:t>You should not prepare slides or a presentation</a:t>
+            </a:r>
+          </a:p>
+        </p:txBody>
+      </p:sp>
+    </p:spTree>
+    <p:extLst>
+      <p:ext uri="{BB962C8B-B14F-4D97-AF65-F5344CB8AC3E}">
+        <p14:creationId xmlns:p14="http://schemas.microsoft.com/office/powerpoint/2010/main" val="34426736"/>
+      </p:ext>
+    </p:extLst>
+  </p:cSld>
+  <p:clrMapOvr>
+    <a:masterClrMapping/>
+  </p:clrMapOvr>
+</p:sld>
+</file>
+
 <file path=ppt/slides/slide13.xml><?xml version="1.0" encoding="utf-8"?>
 <p:sld xmlns:a="http://schemas.openxmlformats.org/drawingml/2006/main" xmlns:r="http://schemas.openxmlformats.org/officeDocument/2006/relationships" xmlns:p="http://schemas.openxmlformats.org/presentationml/2006/main">
   <p:cSld>
@@ -5340,7 +5467,7 @@
           <a:p>
             <a:r>
               <a:rPr lang="en-US" dirty="0"/>
-              <a:t>Demo Guidelines – Presenter </a:t>
+              <a:t>Demo Guidelines – Listener </a:t>
             </a:r>
           </a:p>
         </p:txBody>
@@ -5378,7 +5505,7 @@
             </a:pPr>
             <a:r>
               <a:rPr lang="en-US" sz="2400" dirty="0"/>
-              <a:t>Everyone will give at least one demo of their work during the semester.</a:t>
+              <a:t>Everyone will be listening to many demos during the semester.</a:t>
             </a:r>
           </a:p>
           <a:p>
@@ -5387,49 +5514,43 @@
             </a:pPr>
             <a:r>
               <a:rPr lang="en-US" sz="2400" dirty="0"/>
-              <a:t>Your demo can include any or all of the following:</a:t>
+              <a:t>Your responsibilities during the demo is:</a:t>
             </a:r>
           </a:p>
           <a:p>
             <a:r>
               <a:rPr lang="en-US" sz="2400" dirty="0"/>
-              <a:t>A 2 to 5 minute activity</a:t>
+              <a:t>Actively listen and watch what is being demoed</a:t>
             </a:r>
           </a:p>
           <a:p>
             <a:r>
               <a:rPr lang="en-US" sz="2400" dirty="0"/>
-              <a:t>Where you show your application running</a:t>
+              <a:t>Come up with an meaning yet easy to answer question</a:t>
             </a:r>
           </a:p>
           <a:p>
             <a:r>
               <a:rPr lang="en-US" sz="2400" dirty="0"/>
-              <a:t>Comment on your implementation</a:t>
+              <a:t>During or after the demo ask your question if the presenter does not get “sufficient” questions from other listeners</a:t>
             </a:r>
           </a:p>
           <a:p>
             <a:r>
               <a:rPr lang="en-US" sz="2400" dirty="0"/>
-              <a:t>Show the source code</a:t>
+              <a:t>Do not ask hard question or attempt to review the presenters code</a:t>
             </a:r>
           </a:p>
           <a:p>
             <a:r>
               <a:rPr lang="en-US" sz="2400" dirty="0"/>
-              <a:t>Explain how you organized the code</a:t>
+              <a:t>Clap for the presenter at the end of the demo and thank them for presenting</a:t>
             </a:r>
           </a:p>
           <a:p>
             <a:r>
               <a:rPr lang="en-US" sz="2400" dirty="0"/>
-              <a:t>Talk about any challenges</a:t>
-            </a:r>
-          </a:p>
-          <a:p>
-            <a:r>
-              <a:rPr lang="en-US" sz="2400" dirty="0"/>
-              <a:t>You should not prepare slides or a presentation</a:t>
+              <a:t>If you have a hard question or want to make a recommendation, do it later and in private</a:t>
             </a:r>
           </a:p>
         </p:txBody>
@@ -5437,7 +5558,7 @@
     </p:spTree>
     <p:extLst>
       <p:ext uri="{BB962C8B-B14F-4D97-AF65-F5344CB8AC3E}">
-        <p14:creationId xmlns:p14="http://schemas.microsoft.com/office/powerpoint/2010/main" val="34426736"/>
+        <p14:creationId xmlns:p14="http://schemas.microsoft.com/office/powerpoint/2010/main" val="2856866655"/>
       </p:ext>
     </p:extLst>
   </p:cSld>
@@ -5492,8 +5613,15 @@
           <a:p>
             <a:r>
               <a:rPr lang="en-US" dirty="0"/>
-              <a:t>Demo Guidelines – Listener </a:t>
-            </a:r>
+              <a:t>Javadoc </a:t>
+            </a:r>
+            <a:r>
+              <a:rPr lang="en-US" dirty="0">
+                <a:hlinkClick r:id="rId2"/>
+              </a:rPr>
+              <a:t>[link]</a:t>
+            </a:r>
+            <a:endParaRPr lang="en-US" dirty="0"/>
           </a:p>
         </p:txBody>
       </p:sp>
@@ -5529,8 +5657,8 @@
               <a:buNone/>
             </a:pPr>
             <a:r>
-              <a:rPr lang="en-US" sz="2400" dirty="0"/>
-              <a:t>Everyone will be listening to many demos during the semester.</a:t>
+              <a:rPr lang="en-US" dirty="0"/>
+              <a:t>History:</a:t>
             </a:r>
           </a:p>
           <a:p>
@@ -5538,52 +5666,52 @@
               <a:buNone/>
             </a:pPr>
             <a:r>
-              <a:rPr lang="en-US" sz="2400" dirty="0"/>
-              <a:t>Your responsibilities during the demo is:</a:t>
-            </a:r>
-          </a:p>
-          <a:p>
-            <a:r>
-              <a:rPr lang="en-US" sz="2400" dirty="0"/>
-              <a:t>Actively listen and watch what is being demoed</a:t>
-            </a:r>
-          </a:p>
-          <a:p>
-            <a:r>
-              <a:rPr lang="en-US" sz="2400" dirty="0"/>
-              <a:t>Come up with an meaning yet easy to answer question</a:t>
-            </a:r>
-          </a:p>
-          <a:p>
-            <a:r>
-              <a:rPr lang="en-US" sz="2400" dirty="0"/>
-              <a:t>During or after the demo ask your question if the presenter does not get “sufficient” questions from other listeners</a:t>
-            </a:r>
-          </a:p>
-          <a:p>
-            <a:r>
-              <a:rPr lang="en-US" sz="2400" dirty="0"/>
-              <a:t>Do not ask hard question or attempt to review the presenters code</a:t>
-            </a:r>
-          </a:p>
-          <a:p>
-            <a:r>
-              <a:rPr lang="en-US" sz="2400" dirty="0"/>
-              <a:t>Clap for the presenter at the end of the demo and thank them for presenting</a:t>
-            </a:r>
-          </a:p>
-          <a:p>
-            <a:r>
-              <a:rPr lang="en-US" sz="2400" dirty="0"/>
-              <a:t>If you have a hard question or want to make a recommendation, do it later and in private</a:t>
-            </a:r>
+              <a:rPr lang="en-US" dirty="0"/>
+              <a:t>Javadoc was an early Java language </a:t>
+            </a:r>
+            <a:r>
+              <a:rPr lang="en-US" dirty="0">
+                <a:hlinkClick r:id="rId3" tooltip="Documentation generator"/>
+              </a:rPr>
+              <a:t>documentation generator</a:t>
+            </a:r>
+            <a:r>
+              <a:rPr lang="en-US" dirty="0"/>
+              <a:t>.</a:t>
+            </a:r>
+            <a:r>
+              <a:rPr lang="en-US" baseline="30000" dirty="0">
+                <a:hlinkClick r:id="rId4"/>
+              </a:rPr>
+              <a:t>[5]</a:t>
+            </a:r>
+            <a:r>
+              <a:rPr lang="en-US" dirty="0"/>
+              <a:t> Prior to the use of documentation generators it was customary to use technical writers who would typically write only standalone documentation for the software,</a:t>
+            </a:r>
+            <a:r>
+              <a:rPr lang="en-US" baseline="30000" dirty="0">
+                <a:hlinkClick r:id="rId5"/>
+              </a:rPr>
+              <a:t>[6]</a:t>
+            </a:r>
+            <a:r>
+              <a:rPr lang="en-US" dirty="0"/>
+              <a:t> but it was much harder to keep this documentation in sync with the software itself.</a:t>
+            </a:r>
+          </a:p>
+          <a:p>
+            <a:pPr marL="0" indent="0">
+              <a:buNone/>
+            </a:pPr>
+            <a:endParaRPr lang="en-US" sz="2000" dirty="0"/>
           </a:p>
         </p:txBody>
       </p:sp>
     </p:spTree>
     <p:extLst>
       <p:ext uri="{BB962C8B-B14F-4D97-AF65-F5344CB8AC3E}">
-        <p14:creationId xmlns:p14="http://schemas.microsoft.com/office/powerpoint/2010/main" val="2856866655"/>
+        <p14:creationId xmlns:p14="http://schemas.microsoft.com/office/powerpoint/2010/main" val="1984899849"/>
       </p:ext>
     </p:extLst>
   </p:cSld>
@@ -5612,159 +5740,6 @@
       </p:grpSpPr>
       <p:sp>
         <p:nvSpPr>
-          <p:cNvPr id="2" name="Title 1">
-            <a:extLst>
-              <a:ext uri="{FF2B5EF4-FFF2-40B4-BE49-F238E27FC236}">
-                <a16:creationId xmlns:a16="http://schemas.microsoft.com/office/drawing/2014/main" id="{2A5755BE-860E-40EB-ADA6-6E82BCB49EC3}"/>
-              </a:ext>
-            </a:extLst>
-          </p:cNvPr>
-          <p:cNvSpPr>
-            <a:spLocks noGrp="1"/>
-          </p:cNvSpPr>
-          <p:nvPr>
-            <p:ph type="title"/>
-          </p:nvPr>
-        </p:nvSpPr>
-        <p:spPr>
-          <a:xfrm>
-            <a:off x="838200" y="365125"/>
-            <a:ext cx="10515600" cy="1325563"/>
-          </a:xfrm>
-        </p:spPr>
-        <p:txBody>
-          <a:bodyPr/>
-          <a:lstStyle/>
-          <a:p>
-            <a:r>
-              <a:rPr lang="en-US" dirty="0"/>
-              <a:t>Javadoc </a:t>
-            </a:r>
-            <a:r>
-              <a:rPr lang="en-US" dirty="0">
-                <a:hlinkClick r:id="rId2"/>
-              </a:rPr>
-              <a:t>[link]</a:t>
-            </a:r>
-            <a:endParaRPr lang="en-US" dirty="0"/>
-          </a:p>
-        </p:txBody>
-      </p:sp>
-      <p:sp>
-        <p:nvSpPr>
-          <p:cNvPr id="3" name="Content Placeholder 2">
-            <a:extLst>
-              <a:ext uri="{FF2B5EF4-FFF2-40B4-BE49-F238E27FC236}">
-                <a16:creationId xmlns:a16="http://schemas.microsoft.com/office/drawing/2014/main" id="{72EF5DE0-5958-4171-A9E3-3D288A31AC3F}"/>
-              </a:ext>
-            </a:extLst>
-          </p:cNvPr>
-          <p:cNvSpPr>
-            <a:spLocks noGrp="1"/>
-          </p:cNvSpPr>
-          <p:nvPr>
-            <p:ph idx="1"/>
-          </p:nvPr>
-        </p:nvSpPr>
-        <p:spPr>
-          <a:xfrm>
-            <a:off x="838200" y="1654444"/>
-            <a:ext cx="10515600" cy="4522519"/>
-          </a:xfrm>
-        </p:spPr>
-        <p:txBody>
-          <a:bodyPr>
-            <a:normAutofit/>
-          </a:bodyPr>
-          <a:lstStyle/>
-          <a:p>
-            <a:pPr marL="0" indent="0">
-              <a:buNone/>
-            </a:pPr>
-            <a:r>
-              <a:rPr lang="en-US" dirty="0"/>
-              <a:t>History:</a:t>
-            </a:r>
-          </a:p>
-          <a:p>
-            <a:pPr marL="0" indent="0">
-              <a:buNone/>
-            </a:pPr>
-            <a:r>
-              <a:rPr lang="en-US" dirty="0"/>
-              <a:t>Javadoc was an early Java language </a:t>
-            </a:r>
-            <a:r>
-              <a:rPr lang="en-US" dirty="0">
-                <a:hlinkClick r:id="rId3" tooltip="Documentation generator"/>
-              </a:rPr>
-              <a:t>documentation generator</a:t>
-            </a:r>
-            <a:r>
-              <a:rPr lang="en-US" dirty="0"/>
-              <a:t>.</a:t>
-            </a:r>
-            <a:r>
-              <a:rPr lang="en-US" baseline="30000" dirty="0">
-                <a:hlinkClick r:id="rId4"/>
-              </a:rPr>
-              <a:t>[5]</a:t>
-            </a:r>
-            <a:r>
-              <a:rPr lang="en-US" dirty="0"/>
-              <a:t> Prior to the use of documentation generators it was customary to use technical writers who would typically write only standalone documentation for the software,</a:t>
-            </a:r>
-            <a:r>
-              <a:rPr lang="en-US" baseline="30000" dirty="0">
-                <a:hlinkClick r:id="rId5"/>
-              </a:rPr>
-              <a:t>[6]</a:t>
-            </a:r>
-            <a:r>
-              <a:rPr lang="en-US" dirty="0"/>
-              <a:t> but it was much harder to keep this documentation in sync with the software itself.</a:t>
-            </a:r>
-          </a:p>
-          <a:p>
-            <a:pPr marL="0" indent="0">
-              <a:buNone/>
-            </a:pPr>
-            <a:endParaRPr lang="en-US" sz="2000" dirty="0"/>
-          </a:p>
-        </p:txBody>
-      </p:sp>
-    </p:spTree>
-    <p:extLst>
-      <p:ext uri="{BB962C8B-B14F-4D97-AF65-F5344CB8AC3E}">
-        <p14:creationId xmlns:p14="http://schemas.microsoft.com/office/powerpoint/2010/main" val="1984899849"/>
-      </p:ext>
-    </p:extLst>
-  </p:cSld>
-  <p:clrMapOvr>
-    <a:masterClrMapping/>
-  </p:clrMapOvr>
-</p:sld>
-</file>
-
-<file path=ppt/slides/slide16.xml><?xml version="1.0" encoding="utf-8"?>
-<p:sld xmlns:a="http://schemas.openxmlformats.org/drawingml/2006/main" xmlns:r="http://schemas.openxmlformats.org/officeDocument/2006/relationships" xmlns:p="http://schemas.openxmlformats.org/presentationml/2006/main">
-  <p:cSld>
-    <p:spTree>
-      <p:nvGrpSpPr>
-        <p:cNvPr id="1" name=""/>
-        <p:cNvGrpSpPr/>
-        <p:nvPr/>
-      </p:nvGrpSpPr>
-      <p:grpSpPr>
-        <a:xfrm>
-          <a:off x="0" y="0"/>
-          <a:ext cx="0" cy="0"/>
-          <a:chOff x="0" y="0"/>
-          <a:chExt cx="0" cy="0"/>
-        </a:xfrm>
-      </p:grpSpPr>
-      <p:sp>
-        <p:nvSpPr>
           <p:cNvPr id="4" name="Title 1">
             <a:extLst>
               <a:ext uri="{FF2B5EF4-FFF2-40B4-BE49-F238E27FC236}">
@@ -5890,7 +5865,7 @@
 </p:sld>
 </file>
 
-<file path=ppt/slides/slide17.xml><?xml version="1.0" encoding="utf-8"?>
+<file path=ppt/slides/slide16.xml><?xml version="1.0" encoding="utf-8"?>
 <p:sld xmlns:a="http://schemas.openxmlformats.org/drawingml/2006/main" xmlns:r="http://schemas.openxmlformats.org/officeDocument/2006/relationships" xmlns:p="http://schemas.openxmlformats.org/presentationml/2006/main">
   <p:cSld>
     <p:spTree>
@@ -5950,7 +5925,7 @@
 </p:sld>
 </file>
 
-<file path=ppt/slides/slide18.xml><?xml version="1.0" encoding="utf-8"?>
+<file path=ppt/slides/slide17.xml><?xml version="1.0" encoding="utf-8"?>
 <p:sld xmlns:a="http://schemas.openxmlformats.org/drawingml/2006/main" xmlns:r="http://schemas.openxmlformats.org/officeDocument/2006/relationships" xmlns:p="http://schemas.openxmlformats.org/presentationml/2006/main">
   <p:cSld>
     <p:spTree>
@@ -6010,125 +5985,6 @@
 </p:sld>
 </file>
 
-<file path=ppt/slides/slide19.xml><?xml version="1.0" encoding="utf-8"?>
-<p:sld xmlns:a="http://schemas.openxmlformats.org/drawingml/2006/main" xmlns:r="http://schemas.openxmlformats.org/officeDocument/2006/relationships" xmlns:p="http://schemas.openxmlformats.org/presentationml/2006/main">
-  <p:cSld>
-    <p:spTree>
-      <p:nvGrpSpPr>
-        <p:cNvPr id="1" name=""/>
-        <p:cNvGrpSpPr/>
-        <p:nvPr/>
-      </p:nvGrpSpPr>
-      <p:grpSpPr>
-        <a:xfrm>
-          <a:off x="0" y="0"/>
-          <a:ext cx="0" cy="0"/>
-          <a:chOff x="0" y="0"/>
-          <a:chExt cx="0" cy="0"/>
-        </a:xfrm>
-      </p:grpSpPr>
-      <p:sp>
-        <p:nvSpPr>
-          <p:cNvPr id="2" name="Title 1"/>
-          <p:cNvSpPr>
-            <a:spLocks noGrp="1"/>
-          </p:cNvSpPr>
-          <p:nvPr>
-            <p:ph type="title"/>
-          </p:nvPr>
-        </p:nvSpPr>
-        <p:spPr/>
-        <p:txBody>
-          <a:bodyPr/>
-          <a:lstStyle/>
-          <a:p>
-            <a:r>
-              <a:rPr lang="en-US" dirty="0"/>
-              <a:t>UML Class Diagram </a:t>
-            </a:r>
-            <a:r>
-              <a:rPr lang="en-US" dirty="0">
-                <a:hlinkClick r:id="rId3"/>
-              </a:rPr>
-              <a:t>[link]</a:t>
-            </a:r>
-            <a:endParaRPr lang="en-US" dirty="0"/>
-          </a:p>
-        </p:txBody>
-      </p:sp>
-      <p:pic>
-        <p:nvPicPr>
-          <p:cNvPr id="4" name="Picture 3">
-            <a:extLst>
-              <a:ext uri="{FF2B5EF4-FFF2-40B4-BE49-F238E27FC236}">
-                <a16:creationId xmlns:a16="http://schemas.microsoft.com/office/drawing/2014/main" id="{D24172C6-4E88-40E4-9F2B-2257B0C8B5A5}"/>
-              </a:ext>
-            </a:extLst>
-          </p:cNvPr>
-          <p:cNvPicPr>
-            <a:picLocks noChangeAspect="1"/>
-          </p:cNvPicPr>
-          <p:nvPr/>
-        </p:nvPicPr>
-        <p:blipFill>
-          <a:blip r:embed="rId4"/>
-          <a:stretch>
-            <a:fillRect/>
-          </a:stretch>
-        </p:blipFill>
-        <p:spPr>
-          <a:xfrm>
-            <a:off x="10649194" y="166363"/>
-            <a:ext cx="1409212" cy="1342896"/>
-          </a:xfrm>
-          <a:prstGeom prst="rect">
-            <a:avLst/>
-          </a:prstGeom>
-        </p:spPr>
-      </p:pic>
-      <p:pic>
-        <p:nvPicPr>
-          <p:cNvPr id="10" name="Picture 9">
-            <a:extLst>
-              <a:ext uri="{FF2B5EF4-FFF2-40B4-BE49-F238E27FC236}">
-                <a16:creationId xmlns:a16="http://schemas.microsoft.com/office/drawing/2014/main" id="{3AA695BD-601F-42F6-93C8-B300FAA5D970}"/>
-              </a:ext>
-            </a:extLst>
-          </p:cNvPr>
-          <p:cNvPicPr>
-            <a:picLocks noChangeAspect="1"/>
-          </p:cNvPicPr>
-          <p:nvPr/>
-        </p:nvPicPr>
-        <p:blipFill>
-          <a:blip r:embed="rId5"/>
-          <a:stretch>
-            <a:fillRect/>
-          </a:stretch>
-        </p:blipFill>
-        <p:spPr>
-          <a:xfrm>
-            <a:off x="838200" y="1607599"/>
-            <a:ext cx="9681184" cy="3642802"/>
-          </a:xfrm>
-          <a:prstGeom prst="rect">
-            <a:avLst/>
-          </a:prstGeom>
-        </p:spPr>
-      </p:pic>
-    </p:spTree>
-    <p:extLst>
-      <p:ext uri="{BB962C8B-B14F-4D97-AF65-F5344CB8AC3E}">
-        <p14:creationId xmlns:p14="http://schemas.microsoft.com/office/powerpoint/2010/main" val="650287172"/>
-      </p:ext>
-    </p:extLst>
-  </p:cSld>
-  <p:clrMapOvr>
-    <a:masterClrMapping/>
-  </p:clrMapOvr>
-</p:sld>
-</file>
-
 <file path=ppt/slides/slide2.xml><?xml version="1.0" encoding="utf-8"?>
 <p:sld xmlns:a="http://schemas.openxmlformats.org/drawingml/2006/main" xmlns:r="http://schemas.openxmlformats.org/officeDocument/2006/relationships" xmlns:p="http://schemas.openxmlformats.org/presentationml/2006/main">
   <p:cSld>
@@ -6169,17 +6025,17 @@
           <a:p>
             <a:r>
               <a:rPr lang="en-US" dirty="0"/>
-              <a:t>Assignment</a:t>
-            </a:r>
-          </a:p>
-        </p:txBody>
-      </p:sp>
-      <p:sp>
-        <p:nvSpPr>
-          <p:cNvPr id="3" name="Content Placeholder 2">
-            <a:extLst>
-              <a:ext uri="{FF2B5EF4-FFF2-40B4-BE49-F238E27FC236}">
-                <a16:creationId xmlns:a16="http://schemas.microsoft.com/office/drawing/2014/main" id="{72EF5DE0-5958-4171-A9E3-3D288A31AC3F}"/>
+              <a:t>Assignment from Last Class</a:t>
+            </a:r>
+          </a:p>
+        </p:txBody>
+      </p:sp>
+      <p:sp>
+        <p:nvSpPr>
+          <p:cNvPr id="6" name="Content Placeholder 2">
+            <a:extLst>
+              <a:ext uri="{FF2B5EF4-FFF2-40B4-BE49-F238E27FC236}">
+                <a16:creationId xmlns:a16="http://schemas.microsoft.com/office/drawing/2014/main" id="{EF0CCFEB-22C1-494E-8958-99AB2B38C40C}"/>
               </a:ext>
             </a:extLst>
           </p:cNvPr>
@@ -6207,7 +6063,7 @@
             </a:pPr>
             <a:r>
               <a:rPr lang="en-US" sz="2000" dirty="0"/>
-              <a:t>ALL Sprint 1 Assignments &amp; Activity List Items are due Sunday.</a:t>
+              <a:t>Complete all items on the sprint 1 Activities List with the possible exceptions of Programming Assignment 1 and Quiz 1. You should have a solid start on both items, but It is okay if you need to spend some time over the weekend to complete them.</a:t>
             </a:r>
           </a:p>
           <a:p>
@@ -6215,6 +6071,30 @@
               <a:buNone/>
             </a:pPr>
             <a:endParaRPr lang="en-US" sz="2000" dirty="0"/>
+          </a:p>
+          <a:p>
+            <a:pPr marL="0" indent="0">
+              <a:buNone/>
+            </a:pPr>
+            <a:r>
+              <a:rPr lang="en-US" sz="2000" dirty="0"/>
+              <a:t>Be ready to Discuss OOP Patterns and to present your team’s Pattern</a:t>
+            </a:r>
+          </a:p>
+          <a:p>
+            <a:pPr marL="0" indent="0">
+              <a:buNone/>
+            </a:pPr>
+            <a:endParaRPr lang="en-US" sz="2000" dirty="0"/>
+          </a:p>
+          <a:p>
+            <a:pPr marL="0" indent="0">
+              <a:buNone/>
+            </a:pPr>
+            <a:r>
+              <a:rPr lang="en-US" sz="2000" dirty="0"/>
+              <a:t>Take your name tags with you and bring them back to class through the end of Sprint 2</a:t>
+            </a:r>
           </a:p>
           <a:p>
             <a:pPr marL="0" indent="0">
@@ -6230,627 +6110,7 @@
     </p:spTree>
     <p:extLst>
       <p:ext uri="{BB962C8B-B14F-4D97-AF65-F5344CB8AC3E}">
-        <p14:creationId xmlns:p14="http://schemas.microsoft.com/office/powerpoint/2010/main" val="913275552"/>
-      </p:ext>
-    </p:extLst>
-  </p:cSld>
-  <p:clrMapOvr>
-    <a:masterClrMapping/>
-  </p:clrMapOvr>
-</p:sld>
-</file>
-
-<file path=ppt/slides/slide20.xml><?xml version="1.0" encoding="utf-8"?>
-<p:sld xmlns:a="http://schemas.openxmlformats.org/drawingml/2006/main" xmlns:r="http://schemas.openxmlformats.org/officeDocument/2006/relationships" xmlns:p="http://schemas.openxmlformats.org/presentationml/2006/main">
-  <p:cSld>
-    <p:spTree>
-      <p:nvGrpSpPr>
-        <p:cNvPr id="1" name=""/>
-        <p:cNvGrpSpPr/>
-        <p:nvPr/>
-      </p:nvGrpSpPr>
-      <p:grpSpPr>
-        <a:xfrm>
-          <a:off x="0" y="0"/>
-          <a:ext cx="0" cy="0"/>
-          <a:chOff x="0" y="0"/>
-          <a:chExt cx="0" cy="0"/>
-        </a:xfrm>
-      </p:grpSpPr>
-      <p:sp>
-        <p:nvSpPr>
-          <p:cNvPr id="2" name="Title 1"/>
-          <p:cNvSpPr>
-            <a:spLocks noGrp="1"/>
-          </p:cNvSpPr>
-          <p:nvPr>
-            <p:ph type="title"/>
-          </p:nvPr>
-        </p:nvSpPr>
-        <p:spPr/>
-        <p:txBody>
-          <a:bodyPr/>
-          <a:lstStyle/>
-          <a:p>
-            <a:r>
-              <a:rPr lang="en-US" dirty="0"/>
-              <a:t>UML Class Diagram (continued) </a:t>
-            </a:r>
-            <a:r>
-              <a:rPr lang="en-US" dirty="0">
-                <a:hlinkClick r:id="rId3"/>
-              </a:rPr>
-              <a:t>[link]</a:t>
-            </a:r>
-            <a:endParaRPr lang="en-US" dirty="0"/>
-          </a:p>
-        </p:txBody>
-      </p:sp>
-      <p:pic>
-        <p:nvPicPr>
-          <p:cNvPr id="4" name="Picture 3">
-            <a:extLst>
-              <a:ext uri="{FF2B5EF4-FFF2-40B4-BE49-F238E27FC236}">
-                <a16:creationId xmlns:a16="http://schemas.microsoft.com/office/drawing/2014/main" id="{D24172C6-4E88-40E4-9F2B-2257B0C8B5A5}"/>
-              </a:ext>
-            </a:extLst>
-          </p:cNvPr>
-          <p:cNvPicPr>
-            <a:picLocks noChangeAspect="1"/>
-          </p:cNvPicPr>
-          <p:nvPr/>
-        </p:nvPicPr>
-        <p:blipFill>
-          <a:blip r:embed="rId4"/>
-          <a:stretch>
-            <a:fillRect/>
-          </a:stretch>
-        </p:blipFill>
-        <p:spPr>
-          <a:xfrm>
-            <a:off x="10649194" y="166363"/>
-            <a:ext cx="1409212" cy="1342896"/>
-          </a:xfrm>
-          <a:prstGeom prst="rect">
-            <a:avLst/>
-          </a:prstGeom>
-        </p:spPr>
-      </p:pic>
-      <p:pic>
-        <p:nvPicPr>
-          <p:cNvPr id="11" name="Picture 10">
-            <a:extLst>
-              <a:ext uri="{FF2B5EF4-FFF2-40B4-BE49-F238E27FC236}">
-                <a16:creationId xmlns:a16="http://schemas.microsoft.com/office/drawing/2014/main" id="{0C57A4F9-0DFF-4DA0-886E-941E65EA354C}"/>
-              </a:ext>
-            </a:extLst>
-          </p:cNvPr>
-          <p:cNvPicPr>
-            <a:picLocks noChangeAspect="1"/>
-          </p:cNvPicPr>
-          <p:nvPr/>
-        </p:nvPicPr>
-        <p:blipFill>
-          <a:blip r:embed="rId5"/>
-          <a:stretch>
-            <a:fillRect/>
-          </a:stretch>
-        </p:blipFill>
-        <p:spPr>
-          <a:xfrm>
-            <a:off x="3632416" y="1690688"/>
-            <a:ext cx="5770291" cy="3846861"/>
-          </a:xfrm>
-          <a:prstGeom prst="rect">
-            <a:avLst/>
-          </a:prstGeom>
-        </p:spPr>
-      </p:pic>
-      <p:pic>
-        <p:nvPicPr>
-          <p:cNvPr id="3" name="Picture 2">
-            <a:extLst>
-              <a:ext uri="{FF2B5EF4-FFF2-40B4-BE49-F238E27FC236}">
-                <a16:creationId xmlns:a16="http://schemas.microsoft.com/office/drawing/2014/main" id="{03BBC74C-529E-483F-B86C-3AF584FA8126}"/>
-              </a:ext>
-            </a:extLst>
-          </p:cNvPr>
-          <p:cNvPicPr>
-            <a:picLocks noChangeAspect="1"/>
-          </p:cNvPicPr>
-          <p:nvPr/>
-        </p:nvPicPr>
-        <p:blipFill>
-          <a:blip r:embed="rId6"/>
-          <a:stretch>
-            <a:fillRect/>
-          </a:stretch>
-        </p:blipFill>
-        <p:spPr>
-          <a:xfrm rot="10800000">
-            <a:off x="9402707" y="2505215"/>
-            <a:ext cx="530398" cy="402371"/>
-          </a:xfrm>
-          <a:prstGeom prst="rect">
-            <a:avLst/>
-          </a:prstGeom>
-        </p:spPr>
-      </p:pic>
-      <p:pic>
-        <p:nvPicPr>
-          <p:cNvPr id="7" name="Picture 6">
-            <a:extLst>
-              <a:ext uri="{FF2B5EF4-FFF2-40B4-BE49-F238E27FC236}">
-                <a16:creationId xmlns:a16="http://schemas.microsoft.com/office/drawing/2014/main" id="{0D675587-F3E8-44A2-A98E-C11DC68E2A33}"/>
-              </a:ext>
-            </a:extLst>
-          </p:cNvPr>
-          <p:cNvPicPr>
-            <a:picLocks noChangeAspect="1"/>
-          </p:cNvPicPr>
-          <p:nvPr/>
-        </p:nvPicPr>
-        <p:blipFill>
-          <a:blip r:embed="rId6"/>
-          <a:stretch>
-            <a:fillRect/>
-          </a:stretch>
-        </p:blipFill>
-        <p:spPr>
-          <a:xfrm rot="10800000">
-            <a:off x="9402707" y="4233149"/>
-            <a:ext cx="530398" cy="402371"/>
-          </a:xfrm>
-          <a:prstGeom prst="rect">
-            <a:avLst/>
-          </a:prstGeom>
-        </p:spPr>
-      </p:pic>
-      <p:pic>
-        <p:nvPicPr>
-          <p:cNvPr id="5" name="Picture 4">
-            <a:extLst>
-              <a:ext uri="{FF2B5EF4-FFF2-40B4-BE49-F238E27FC236}">
-                <a16:creationId xmlns:a16="http://schemas.microsoft.com/office/drawing/2014/main" id="{1DCF1544-E125-4D95-BFC4-38BFD13B9880}"/>
-              </a:ext>
-            </a:extLst>
-          </p:cNvPr>
-          <p:cNvPicPr>
-            <a:picLocks noChangeAspect="1"/>
-          </p:cNvPicPr>
-          <p:nvPr/>
-        </p:nvPicPr>
-        <p:blipFill>
-          <a:blip r:embed="rId7"/>
-          <a:stretch>
-            <a:fillRect/>
-          </a:stretch>
-        </p:blipFill>
-        <p:spPr>
-          <a:xfrm>
-            <a:off x="9402707" y="4824668"/>
-            <a:ext cx="530398" cy="402371"/>
-          </a:xfrm>
-          <a:prstGeom prst="rect">
-            <a:avLst/>
-          </a:prstGeom>
-        </p:spPr>
-      </p:pic>
-    </p:spTree>
-    <p:extLst>
-      <p:ext uri="{BB962C8B-B14F-4D97-AF65-F5344CB8AC3E}">
-        <p14:creationId xmlns:p14="http://schemas.microsoft.com/office/powerpoint/2010/main" val="461729907"/>
-      </p:ext>
-    </p:extLst>
-  </p:cSld>
-  <p:clrMapOvr>
-    <a:masterClrMapping/>
-  </p:clrMapOvr>
-  <p:timing>
-    <p:tnLst>
-      <p:par>
-        <p:cTn id="1" dur="indefinite" restart="never" nodeType="tmRoot">
-          <p:childTnLst>
-            <p:seq concurrent="1" nextAc="seek">
-              <p:cTn id="2" dur="indefinite" nodeType="mainSeq">
-                <p:childTnLst>
-                  <p:par>
-                    <p:cTn id="3" fill="hold">
-                      <p:stCondLst>
-                        <p:cond delay="indefinite"/>
-                      </p:stCondLst>
-                      <p:childTnLst>
-                        <p:par>
-                          <p:cTn id="4" fill="hold">
-                            <p:stCondLst>
-                              <p:cond delay="0"/>
-                            </p:stCondLst>
-                            <p:childTnLst>
-                              <p:par>
-                                <p:cTn id="5" presetID="2" presetClass="entr" presetSubtype="4" fill="hold" nodeType="clickEffect">
-                                  <p:stCondLst>
-                                    <p:cond delay="0"/>
-                                  </p:stCondLst>
-                                  <p:childTnLst>
-                                    <p:set>
-                                      <p:cBhvr>
-                                        <p:cTn id="6" dur="1" fill="hold">
-                                          <p:stCondLst>
-                                            <p:cond delay="0"/>
-                                          </p:stCondLst>
-                                        </p:cTn>
-                                        <p:tgtEl>
-                                          <p:spTgt spid="3"/>
-                                        </p:tgtEl>
-                                        <p:attrNameLst>
-                                          <p:attrName>style.visibility</p:attrName>
-                                        </p:attrNameLst>
-                                      </p:cBhvr>
-                                      <p:to>
-                                        <p:strVal val="visible"/>
-                                      </p:to>
-                                    </p:set>
-                                    <p:anim calcmode="lin" valueType="num">
-                                      <p:cBhvr additive="base">
-                                        <p:cTn id="7" dur="500" fill="hold"/>
-                                        <p:tgtEl>
-                                          <p:spTgt spid="3"/>
-                                        </p:tgtEl>
-                                        <p:attrNameLst>
-                                          <p:attrName>ppt_x</p:attrName>
-                                        </p:attrNameLst>
-                                      </p:cBhvr>
-                                      <p:tavLst>
-                                        <p:tav tm="0">
-                                          <p:val>
-                                            <p:strVal val="#ppt_x"/>
-                                          </p:val>
-                                        </p:tav>
-                                        <p:tav tm="100000">
-                                          <p:val>
-                                            <p:strVal val="#ppt_x"/>
-                                          </p:val>
-                                        </p:tav>
-                                      </p:tavLst>
-                                    </p:anim>
-                                    <p:anim calcmode="lin" valueType="num">
-                                      <p:cBhvr additive="base">
-                                        <p:cTn id="8" dur="500" fill="hold"/>
-                                        <p:tgtEl>
-                                          <p:spTgt spid="3"/>
-                                        </p:tgtEl>
-                                        <p:attrNameLst>
-                                          <p:attrName>ppt_y</p:attrName>
-                                        </p:attrNameLst>
-                                      </p:cBhvr>
-                                      <p:tavLst>
-                                        <p:tav tm="0">
-                                          <p:val>
-                                            <p:strVal val="1+#ppt_h/2"/>
-                                          </p:val>
-                                        </p:tav>
-                                        <p:tav tm="100000">
-                                          <p:val>
-                                            <p:strVal val="#ppt_y"/>
-                                          </p:val>
-                                        </p:tav>
-                                      </p:tavLst>
-                                    </p:anim>
-                                  </p:childTnLst>
-                                </p:cTn>
-                              </p:par>
-                            </p:childTnLst>
-                          </p:cTn>
-                        </p:par>
-                      </p:childTnLst>
-                    </p:cTn>
-                  </p:par>
-                  <p:par>
-                    <p:cTn id="9" fill="hold">
-                      <p:stCondLst>
-                        <p:cond delay="indefinite"/>
-                      </p:stCondLst>
-                      <p:childTnLst>
-                        <p:par>
-                          <p:cTn id="10" fill="hold">
-                            <p:stCondLst>
-                              <p:cond delay="0"/>
-                            </p:stCondLst>
-                            <p:childTnLst>
-                              <p:par>
-                                <p:cTn id="11" presetID="2" presetClass="entr" presetSubtype="4" fill="hold" nodeType="clickEffect">
-                                  <p:stCondLst>
-                                    <p:cond delay="0"/>
-                                  </p:stCondLst>
-                                  <p:childTnLst>
-                                    <p:set>
-                                      <p:cBhvr>
-                                        <p:cTn id="12" dur="1" fill="hold">
-                                          <p:stCondLst>
-                                            <p:cond delay="0"/>
-                                          </p:stCondLst>
-                                        </p:cTn>
-                                        <p:tgtEl>
-                                          <p:spTgt spid="7"/>
-                                        </p:tgtEl>
-                                        <p:attrNameLst>
-                                          <p:attrName>style.visibility</p:attrName>
-                                        </p:attrNameLst>
-                                      </p:cBhvr>
-                                      <p:to>
-                                        <p:strVal val="visible"/>
-                                      </p:to>
-                                    </p:set>
-                                    <p:anim calcmode="lin" valueType="num">
-                                      <p:cBhvr additive="base">
-                                        <p:cTn id="13" dur="500" fill="hold"/>
-                                        <p:tgtEl>
-                                          <p:spTgt spid="7"/>
-                                        </p:tgtEl>
-                                        <p:attrNameLst>
-                                          <p:attrName>ppt_x</p:attrName>
-                                        </p:attrNameLst>
-                                      </p:cBhvr>
-                                      <p:tavLst>
-                                        <p:tav tm="0">
-                                          <p:val>
-                                            <p:strVal val="#ppt_x"/>
-                                          </p:val>
-                                        </p:tav>
-                                        <p:tav tm="100000">
-                                          <p:val>
-                                            <p:strVal val="#ppt_x"/>
-                                          </p:val>
-                                        </p:tav>
-                                      </p:tavLst>
-                                    </p:anim>
-                                    <p:anim calcmode="lin" valueType="num">
-                                      <p:cBhvr additive="base">
-                                        <p:cTn id="14" dur="500" fill="hold"/>
-                                        <p:tgtEl>
-                                          <p:spTgt spid="7"/>
-                                        </p:tgtEl>
-                                        <p:attrNameLst>
-                                          <p:attrName>ppt_y</p:attrName>
-                                        </p:attrNameLst>
-                                      </p:cBhvr>
-                                      <p:tavLst>
-                                        <p:tav tm="0">
-                                          <p:val>
-                                            <p:strVal val="1+#ppt_h/2"/>
-                                          </p:val>
-                                        </p:tav>
-                                        <p:tav tm="100000">
-                                          <p:val>
-                                            <p:strVal val="#ppt_y"/>
-                                          </p:val>
-                                        </p:tav>
-                                      </p:tavLst>
-                                    </p:anim>
-                                  </p:childTnLst>
-                                </p:cTn>
-                              </p:par>
-                            </p:childTnLst>
-                          </p:cTn>
-                        </p:par>
-                      </p:childTnLst>
-                    </p:cTn>
-                  </p:par>
-                  <p:par>
-                    <p:cTn id="15" fill="hold">
-                      <p:stCondLst>
-                        <p:cond delay="indefinite"/>
-                      </p:stCondLst>
-                      <p:childTnLst>
-                        <p:par>
-                          <p:cTn id="16" fill="hold">
-                            <p:stCondLst>
-                              <p:cond delay="0"/>
-                            </p:stCondLst>
-                            <p:childTnLst>
-                              <p:par>
-                                <p:cTn id="17" presetID="2" presetClass="entr" presetSubtype="4" fill="hold" nodeType="clickEffect">
-                                  <p:stCondLst>
-                                    <p:cond delay="0"/>
-                                  </p:stCondLst>
-                                  <p:childTnLst>
-                                    <p:set>
-                                      <p:cBhvr>
-                                        <p:cTn id="18" dur="1" fill="hold">
-                                          <p:stCondLst>
-                                            <p:cond delay="0"/>
-                                          </p:stCondLst>
-                                        </p:cTn>
-                                        <p:tgtEl>
-                                          <p:spTgt spid="5"/>
-                                        </p:tgtEl>
-                                        <p:attrNameLst>
-                                          <p:attrName>style.visibility</p:attrName>
-                                        </p:attrNameLst>
-                                      </p:cBhvr>
-                                      <p:to>
-                                        <p:strVal val="visible"/>
-                                      </p:to>
-                                    </p:set>
-                                    <p:anim calcmode="lin" valueType="num">
-                                      <p:cBhvr additive="base">
-                                        <p:cTn id="19" dur="500" fill="hold"/>
-                                        <p:tgtEl>
-                                          <p:spTgt spid="5"/>
-                                        </p:tgtEl>
-                                        <p:attrNameLst>
-                                          <p:attrName>ppt_x</p:attrName>
-                                        </p:attrNameLst>
-                                      </p:cBhvr>
-                                      <p:tavLst>
-                                        <p:tav tm="0">
-                                          <p:val>
-                                            <p:strVal val="#ppt_x"/>
-                                          </p:val>
-                                        </p:tav>
-                                        <p:tav tm="100000">
-                                          <p:val>
-                                            <p:strVal val="#ppt_x"/>
-                                          </p:val>
-                                        </p:tav>
-                                      </p:tavLst>
-                                    </p:anim>
-                                    <p:anim calcmode="lin" valueType="num">
-                                      <p:cBhvr additive="base">
-                                        <p:cTn id="20" dur="500" fill="hold"/>
-                                        <p:tgtEl>
-                                          <p:spTgt spid="5"/>
-                                        </p:tgtEl>
-                                        <p:attrNameLst>
-                                          <p:attrName>ppt_y</p:attrName>
-                                        </p:attrNameLst>
-                                      </p:cBhvr>
-                                      <p:tavLst>
-                                        <p:tav tm="0">
-                                          <p:val>
-                                            <p:strVal val="1+#ppt_h/2"/>
-                                          </p:val>
-                                        </p:tav>
-                                        <p:tav tm="100000">
-                                          <p:val>
-                                            <p:strVal val="#ppt_y"/>
-                                          </p:val>
-                                        </p:tav>
-                                      </p:tavLst>
-                                    </p:anim>
-                                  </p:childTnLst>
-                                </p:cTn>
-                              </p:par>
-                            </p:childTnLst>
-                          </p:cTn>
-                        </p:par>
-                      </p:childTnLst>
-                    </p:cTn>
-                  </p:par>
-                </p:childTnLst>
-              </p:cTn>
-              <p:prevCondLst>
-                <p:cond evt="onPrev" delay="0">
-                  <p:tgtEl>
-                    <p:sldTgt/>
-                  </p:tgtEl>
-                </p:cond>
-              </p:prevCondLst>
-              <p:nextCondLst>
-                <p:cond evt="onNext" delay="0">
-                  <p:tgtEl>
-                    <p:sldTgt/>
-                  </p:tgtEl>
-                </p:cond>
-              </p:nextCondLst>
-            </p:seq>
-          </p:childTnLst>
-        </p:cTn>
-      </p:par>
-    </p:tnLst>
-  </p:timing>
-</p:sld>
-</file>
-
-<file path=ppt/slides/slide21.xml><?xml version="1.0" encoding="utf-8"?>
-<p:sld xmlns:a="http://schemas.openxmlformats.org/drawingml/2006/main" xmlns:r="http://schemas.openxmlformats.org/officeDocument/2006/relationships" xmlns:p="http://schemas.openxmlformats.org/presentationml/2006/main">
-  <p:cSld>
-    <p:spTree>
-      <p:nvGrpSpPr>
-        <p:cNvPr id="1" name=""/>
-        <p:cNvGrpSpPr/>
-        <p:nvPr/>
-      </p:nvGrpSpPr>
-      <p:grpSpPr>
-        <a:xfrm>
-          <a:off x="0" y="0"/>
-          <a:ext cx="0" cy="0"/>
-          <a:chOff x="0" y="0"/>
-          <a:chExt cx="0" cy="0"/>
-        </a:xfrm>
-      </p:grpSpPr>
-      <p:sp>
-        <p:nvSpPr>
-          <p:cNvPr id="2" name="Title 1">
-            <a:extLst>
-              <a:ext uri="{FF2B5EF4-FFF2-40B4-BE49-F238E27FC236}">
-                <a16:creationId xmlns:a16="http://schemas.microsoft.com/office/drawing/2014/main" id="{E52A0004-AEC1-4D2F-8A7E-370FDC8B4F59}"/>
-              </a:ext>
-            </a:extLst>
-          </p:cNvPr>
-          <p:cNvSpPr>
-            <a:spLocks noGrp="1"/>
-          </p:cNvSpPr>
-          <p:nvPr>
-            <p:ph type="title"/>
-          </p:nvPr>
-        </p:nvSpPr>
-        <p:spPr>
-          <a:xfrm>
-            <a:off x="5277329" y="640080"/>
-            <a:ext cx="6274590" cy="4018341"/>
-          </a:xfrm>
-          <a:noFill/>
-        </p:spPr>
-        <p:txBody>
-          <a:bodyPr vert="horz" lIns="91440" tIns="45720" rIns="91440" bIns="45720" rtlCol="0" anchor="b">
-            <a:normAutofit/>
-          </a:bodyPr>
-          <a:lstStyle/>
-          <a:p>
-            <a:r>
-              <a:rPr lang="en-US" sz="6000" dirty="0"/>
-              <a:t>UML – </a:t>
-            </a:r>
-            <a:br>
-              <a:rPr lang="en-US" sz="6000" dirty="0"/>
-            </a:br>
-            <a:r>
-              <a:rPr lang="en-US" sz="6000" dirty="0"/>
-              <a:t>BMI Calculator Plus</a:t>
-            </a:r>
-          </a:p>
-        </p:txBody>
-      </p:sp>
-      <p:pic>
-        <p:nvPicPr>
-          <p:cNvPr id="5" name="Picture 4" descr="A close up of text on a whiteboard&#10;&#10;Description automatically generated">
-            <a:extLst>
-              <a:ext uri="{FF2B5EF4-FFF2-40B4-BE49-F238E27FC236}">
-                <a16:creationId xmlns:a16="http://schemas.microsoft.com/office/drawing/2014/main" id="{209B76B0-D4A0-4841-8811-CF57C2FCF540}"/>
-              </a:ext>
-            </a:extLst>
-          </p:cNvPr>
-          <p:cNvPicPr>
-            <a:picLocks noChangeAspect="1"/>
-          </p:cNvPicPr>
-          <p:nvPr/>
-        </p:nvPicPr>
-        <p:blipFill rotWithShape="1">
-          <a:blip r:embed="rId3">
-            <a:extLst>
-              <a:ext uri="{28A0092B-C50C-407E-A947-70E740481C1C}">
-                <a14:useLocalDpi xmlns:a14="http://schemas.microsoft.com/office/drawing/2010/main" val="0"/>
-              </a:ext>
-            </a:extLst>
-          </a:blip>
-          <a:srcRect r="5741"/>
-          <a:stretch/>
-        </p:blipFill>
-        <p:spPr>
-          <a:xfrm>
-            <a:off x="1" y="10"/>
-            <a:ext cx="4654296" cy="6857990"/>
-          </a:xfrm>
-          <a:prstGeom prst="rect">
-            <a:avLst/>
-          </a:prstGeom>
-        </p:spPr>
-      </p:pic>
-    </p:spTree>
-    <p:extLst>
-      <p:ext uri="{BB962C8B-B14F-4D97-AF65-F5344CB8AC3E}">
-        <p14:creationId xmlns:p14="http://schemas.microsoft.com/office/powerpoint/2010/main" val="2044386253"/>
+        <p14:creationId xmlns:p14="http://schemas.microsoft.com/office/powerpoint/2010/main" val="386217113"/>
       </p:ext>
     </p:extLst>
   </p:cSld>
@@ -6879,112 +6139,29 @@
       </p:grpSpPr>
       <p:sp>
         <p:nvSpPr>
-          <p:cNvPr id="4" name="Title 1">
-            <a:extLst>
-              <a:ext uri="{FF2B5EF4-FFF2-40B4-BE49-F238E27FC236}">
-                <a16:creationId xmlns:a16="http://schemas.microsoft.com/office/drawing/2014/main" id="{527CE47F-3EF6-48CA-9239-E8B6E5C6B41A}"/>
-              </a:ext>
-            </a:extLst>
-          </p:cNvPr>
-          <p:cNvSpPr>
-            <a:spLocks noGrp="1"/>
-          </p:cNvSpPr>
-          <p:nvPr>
-            <p:ph type="title"/>
+          <p:cNvPr id="2" name="Title 1"/>
+          <p:cNvSpPr>
+            <a:spLocks noGrp="1"/>
+          </p:cNvSpPr>
+          <p:nvPr>
+            <p:ph type="ctrTitle"/>
           </p:nvPr>
         </p:nvSpPr>
         <p:spPr>
           <a:xfrm>
-            <a:off x="838200" y="365125"/>
-            <a:ext cx="10515600" cy="1325563"/>
+            <a:off x="1496683" y="3025490"/>
+            <a:ext cx="9198634" cy="807019"/>
           </a:xfrm>
         </p:spPr>
         <p:txBody>
-          <a:bodyPr>
-            <a:normAutofit/>
+          <a:bodyPr anchor="ctr">
+            <a:normAutofit fontScale="90000"/>
           </a:bodyPr>
           <a:lstStyle/>
           <a:p>
             <a:r>
-              <a:rPr lang="en-US" sz="3600" dirty="0"/>
-              <a:t>Start, Stop, Continue Retrospective Feedback Model</a:t>
-            </a:r>
-          </a:p>
-        </p:txBody>
-      </p:sp>
-      <p:sp>
-        <p:nvSpPr>
-          <p:cNvPr id="5" name="Content Placeholder 2">
-            <a:extLst>
-              <a:ext uri="{FF2B5EF4-FFF2-40B4-BE49-F238E27FC236}">
-                <a16:creationId xmlns:a16="http://schemas.microsoft.com/office/drawing/2014/main" id="{E8F0EA9A-219C-40FD-AE36-784EE1B77D56}"/>
-              </a:ext>
-            </a:extLst>
-          </p:cNvPr>
-          <p:cNvSpPr>
-            <a:spLocks noGrp="1"/>
-          </p:cNvSpPr>
-          <p:nvPr>
-            <p:ph idx="1"/>
-          </p:nvPr>
-        </p:nvSpPr>
-        <p:spPr>
-          <a:xfrm>
-            <a:off x="838198" y="1690688"/>
-            <a:ext cx="10515601" cy="4486275"/>
-          </a:xfrm>
-        </p:spPr>
-        <p:txBody>
-          <a:bodyPr>
-            <a:normAutofit/>
-          </a:bodyPr>
-          <a:lstStyle/>
-          <a:p>
-            <a:pPr marL="0" indent="0">
-              <a:spcAft>
-                <a:spcPts val="600"/>
-              </a:spcAft>
-              <a:buNone/>
-            </a:pPr>
-            <a:r>
-              <a:rPr lang="en-US" sz="2000" b="1" u="sng" dirty="0"/>
-              <a:t>Continue</a:t>
-            </a:r>
-            <a:r>
-              <a:rPr lang="en-US" sz="2000" dirty="0"/>
-              <a:t>: What is working? Something that we should make sure that we continue to do. </a:t>
-            </a:r>
-          </a:p>
-          <a:p>
-            <a:pPr marL="0" indent="0">
-              <a:spcAft>
-                <a:spcPts val="600"/>
-              </a:spcAft>
-              <a:buNone/>
-            </a:pPr>
-            <a:r>
-              <a:rPr lang="en-US" sz="2000" b="1" u="sng" dirty="0"/>
-              <a:t>Start</a:t>
-            </a:r>
-            <a:r>
-              <a:rPr lang="en-US" sz="2000" dirty="0"/>
-              <a:t>: What is something that would be nice to do that we are not doing now? Maybe something that you have seen work well in other classes or with other teams. </a:t>
-            </a:r>
-          </a:p>
-          <a:p>
-            <a:pPr marL="0" indent="0">
-              <a:spcAft>
-                <a:spcPts val="600"/>
-              </a:spcAft>
-              <a:buNone/>
-            </a:pPr>
-            <a:r>
-              <a:rPr lang="en-US" sz="2000" b="1" u="sng" dirty="0"/>
-              <a:t>Stop</a:t>
-            </a:r>
-            <a:r>
-              <a:rPr lang="en-US" sz="2000" dirty="0"/>
-              <a:t>: What is not working? Something that we should stop doing. </a:t>
+              <a:rPr lang="en-US" sz="4800" dirty="0"/>
+              <a:t>One Space or Two Spaces After a Period?</a:t>
             </a:r>
           </a:p>
         </p:txBody>
@@ -6992,7 +6169,7 @@
     </p:spTree>
     <p:extLst>
       <p:ext uri="{BB962C8B-B14F-4D97-AF65-F5344CB8AC3E}">
-        <p14:creationId xmlns:p14="http://schemas.microsoft.com/office/powerpoint/2010/main" val="1399325998"/>
+        <p14:creationId xmlns:p14="http://schemas.microsoft.com/office/powerpoint/2010/main" val="4007360033"/>
       </p:ext>
     </p:extLst>
   </p:cSld>
@@ -7021,10 +6198,10 @@
       </p:grpSpPr>
       <p:sp>
         <p:nvSpPr>
-          <p:cNvPr id="2" name="Title 1">
-            <a:extLst>
-              <a:ext uri="{FF2B5EF4-FFF2-40B4-BE49-F238E27FC236}">
-                <a16:creationId xmlns:a16="http://schemas.microsoft.com/office/drawing/2014/main" id="{443FD3EE-6698-4602-B4C0-718F014616A4}"/>
+          <p:cNvPr id="4" name="Title 1">
+            <a:extLst>
+              <a:ext uri="{FF2B5EF4-FFF2-40B4-BE49-F238E27FC236}">
+                <a16:creationId xmlns:a16="http://schemas.microsoft.com/office/drawing/2014/main" id="{527CE47F-3EF6-48CA-9239-E8B6E5C6B41A}"/>
               </a:ext>
             </a:extLst>
           </p:cNvPr>
@@ -7035,342 +6212,109 @@
             <p:ph type="title"/>
           </p:nvPr>
         </p:nvSpPr>
-        <p:spPr/>
+        <p:spPr>
+          <a:xfrm>
+            <a:off x="838200" y="365125"/>
+            <a:ext cx="10515600" cy="1325563"/>
+          </a:xfrm>
+        </p:spPr>
         <p:txBody>
           <a:bodyPr>
             <a:normAutofit/>
           </a:bodyPr>
           <a:lstStyle/>
           <a:p>
-            <a:r>
-              <a:rPr lang="en-US" dirty="0"/>
-              <a:t>Scrum Process &amp; Roles – Sprint Retrospective</a:t>
-            </a:r>
-          </a:p>
-        </p:txBody>
-      </p:sp>
-      <p:pic>
-        <p:nvPicPr>
-          <p:cNvPr id="1026" name="Picture 2" descr="https://upload.wikimedia.org/wikipedia/commons/d/df/Scrum_Framework.png">
-            <a:extLst>
-              <a:ext uri="{FF2B5EF4-FFF2-40B4-BE49-F238E27FC236}">
-                <a16:creationId xmlns:a16="http://schemas.microsoft.com/office/drawing/2014/main" id="{94D187A3-9AAC-4908-B843-2E262C28DBFE}"/>
-              </a:ext>
-            </a:extLst>
-          </p:cNvPr>
-          <p:cNvPicPr>
-            <a:picLocks noChangeAspect="1" noChangeArrowheads="1"/>
-          </p:cNvPicPr>
-          <p:nvPr/>
-        </p:nvPicPr>
-        <p:blipFill>
-          <a:blip r:embed="rId2">
-            <a:extLst>
-              <a:ext uri="{28A0092B-C50C-407E-A947-70E740481C1C}">
-                <a14:useLocalDpi xmlns:a14="http://schemas.microsoft.com/office/drawing/2010/main" val="0"/>
-              </a:ext>
-            </a:extLst>
-          </a:blip>
-          <a:srcRect/>
-          <a:stretch>
-            <a:fillRect/>
-          </a:stretch>
-        </p:blipFill>
-        <p:spPr bwMode="auto">
-          <a:xfrm>
-            <a:off x="2221847" y="1341064"/>
-            <a:ext cx="8138182" cy="4531099"/>
-          </a:xfrm>
-          <a:prstGeom prst="rect">
-            <a:avLst/>
-          </a:prstGeom>
-          <a:noFill/>
-          <a:extLst>
-            <a:ext uri="{909E8E84-426E-40DD-AFC4-6F175D3DCCD1}">
-              <a14:hiddenFill xmlns:a14="http://schemas.microsoft.com/office/drawing/2010/main">
-                <a:solidFill>
-                  <a:srgbClr val="FFFFFF"/>
-                </a:solidFill>
-              </a14:hiddenFill>
-            </a:ext>
-          </a:extLst>
-        </p:spPr>
-      </p:pic>
-      <p:sp>
-        <p:nvSpPr>
-          <p:cNvPr id="6" name="Rectangle 5">
-            <a:extLst>
-              <a:ext uri="{FF2B5EF4-FFF2-40B4-BE49-F238E27FC236}">
-                <a16:creationId xmlns:a16="http://schemas.microsoft.com/office/drawing/2014/main" id="{C5034F42-102F-445B-BE40-5AF1FC99349D}"/>
-              </a:ext>
-            </a:extLst>
-          </p:cNvPr>
-          <p:cNvSpPr/>
-          <p:nvPr/>
+            <a:pPr>
+              <a:spcAft>
+                <a:spcPts val="600"/>
+              </a:spcAft>
+            </a:pPr>
+            <a:r>
+              <a:rPr lang="en-US" sz="3600" dirty="0"/>
+              <a:t>Only One Space After a Period</a:t>
+            </a:r>
+          </a:p>
+        </p:txBody>
+      </p:sp>
+      <p:sp>
+        <p:nvSpPr>
+          <p:cNvPr id="5" name="Content Placeholder 2">
+            <a:extLst>
+              <a:ext uri="{FF2B5EF4-FFF2-40B4-BE49-F238E27FC236}">
+                <a16:creationId xmlns:a16="http://schemas.microsoft.com/office/drawing/2014/main" id="{E8F0EA9A-219C-40FD-AE36-784EE1B77D56}"/>
+              </a:ext>
+            </a:extLst>
+          </p:cNvPr>
+          <p:cNvSpPr>
+            <a:spLocks noGrp="1"/>
+          </p:cNvSpPr>
+          <p:nvPr>
+            <p:ph idx="1"/>
+          </p:nvPr>
         </p:nvSpPr>
         <p:spPr>
           <a:xfrm>
-            <a:off x="3916346" y="6123543"/>
-            <a:ext cx="4749185" cy="369332"/>
+            <a:off x="838198" y="1690688"/>
+            <a:ext cx="10515599" cy="5075871"/>
           </a:xfrm>
-          <a:prstGeom prst="rect">
-            <a:avLst/>
-          </a:prstGeom>
         </p:spPr>
         <p:txBody>
-          <a:bodyPr wrap="none">
-            <a:spAutoFit/>
+          <a:bodyPr>
+            <a:normAutofit/>
           </a:bodyPr>
           <a:lstStyle/>
           <a:p>
-            <a:r>
-              <a:rPr lang="en-US" dirty="0"/>
-              <a:t>By </a:t>
-            </a:r>
-            <a:r>
-              <a:rPr lang="en-US" dirty="0" err="1">
-                <a:hlinkClick r:id="rId3" tooltip="User:Dr ian mitchell (page does not exist)"/>
+            <a:pPr marL="0" indent="0">
+              <a:spcAft>
+                <a:spcPts val="600"/>
+              </a:spcAft>
+              <a:buNone/>
+            </a:pPr>
+            <a:r>
+              <a:rPr lang="en-US" sz="2000" dirty="0"/>
+              <a:t>Rule: Utilize one space after a period or similar punctuation </a:t>
+            </a:r>
+            <a:r>
+              <a:rPr lang="en-US" sz="2000" dirty="0">
+                <a:hlinkClick r:id="rId3"/>
               </a:rPr>
-              <a:t>Dr</a:t>
-            </a:r>
-            <a:r>
-              <a:rPr lang="en-US" dirty="0">
-                <a:hlinkClick r:id="rId3" tooltip="User:Dr ian mitchell (page does not exist)"/>
-              </a:rPr>
-              <a:t> </a:t>
-            </a:r>
-            <a:r>
-              <a:rPr lang="en-US" dirty="0" err="1">
-                <a:hlinkClick r:id="rId3" tooltip="User:Dr ian mitchell (page does not exist)"/>
-              </a:rPr>
-              <a:t>ian</a:t>
-            </a:r>
-            <a:r>
-              <a:rPr lang="en-US" dirty="0">
-                <a:hlinkClick r:id="rId3" tooltip="User:Dr ian mitchell (page does not exist)"/>
-              </a:rPr>
-              <a:t> </a:t>
-            </a:r>
-            <a:r>
-              <a:rPr lang="en-US" dirty="0" err="1">
-                <a:hlinkClick r:id="rId3" tooltip="User:Dr ian mitchell (page does not exist)"/>
-              </a:rPr>
-              <a:t>mitchell</a:t>
-            </a:r>
-            <a:r>
-              <a:rPr lang="en-US" dirty="0"/>
-              <a:t> - Own work, </a:t>
-            </a:r>
-            <a:r>
-              <a:rPr lang="en-US" dirty="0">
-                <a:hlinkClick r:id="rId4" tooltip="Creative Commons Attribution-Share Alike 4.0"/>
-              </a:rPr>
-              <a:t>CC BY-SA 4.0</a:t>
-            </a:r>
-            <a:r>
-              <a:rPr lang="en-US" dirty="0"/>
-              <a:t>, </a:t>
-            </a:r>
-            <a:r>
-              <a:rPr lang="en-US" dirty="0">
-                <a:hlinkClick r:id="rId5"/>
-              </a:rPr>
-              <a:t>Link</a:t>
-            </a:r>
-            <a:endParaRPr lang="en-US" dirty="0"/>
-          </a:p>
-        </p:txBody>
-      </p:sp>
-      <p:sp>
-        <p:nvSpPr>
-          <p:cNvPr id="13" name="Oval 12">
-            <a:extLst>
-              <a:ext uri="{FF2B5EF4-FFF2-40B4-BE49-F238E27FC236}">
-                <a16:creationId xmlns:a16="http://schemas.microsoft.com/office/drawing/2014/main" id="{CB822028-AE62-4F61-8F14-297C0D4C1218}"/>
-              </a:ext>
-            </a:extLst>
-          </p:cNvPr>
-          <p:cNvSpPr/>
-          <p:nvPr/>
-        </p:nvSpPr>
-        <p:spPr>
-          <a:xfrm>
-            <a:off x="8810869" y="4396735"/>
-            <a:ext cx="1619250" cy="1067412"/>
-          </a:xfrm>
-          <a:prstGeom prst="ellipse">
-            <a:avLst/>
-          </a:prstGeom>
-          <a:solidFill>
-            <a:schemeClr val="tx1">
-              <a:alpha val="0"/>
-            </a:schemeClr>
-          </a:solidFill>
-          <a:ln w="38100">
-            <a:solidFill>
-              <a:srgbClr val="C00000"/>
-            </a:solidFill>
-          </a:ln>
-        </p:spPr>
-        <p:style>
-          <a:lnRef idx="2">
-            <a:schemeClr val="accent1">
-              <a:shade val="50000"/>
-            </a:schemeClr>
-          </a:lnRef>
-          <a:fillRef idx="1">
-            <a:schemeClr val="accent1"/>
-          </a:fillRef>
-          <a:effectRef idx="0">
-            <a:schemeClr val="accent1"/>
-          </a:effectRef>
-          <a:fontRef idx="minor">
-            <a:schemeClr val="lt1"/>
-          </a:fontRef>
-        </p:style>
-        <p:txBody>
-          <a:bodyPr rtlCol="0" anchor="ctr"/>
-          <a:lstStyle/>
-          <a:p>
-            <a:pPr algn="ctr"/>
-            <a:endParaRPr lang="en-US"/>
+              <a:t>[link]</a:t>
+            </a:r>
+            <a:endParaRPr lang="en-US" sz="2000" dirty="0"/>
+          </a:p>
+          <a:p>
+            <a:pPr marL="0" indent="0">
+              <a:spcAft>
+                <a:spcPts val="600"/>
+              </a:spcAft>
+              <a:buNone/>
+            </a:pPr>
+            <a:endParaRPr lang="en-US" sz="2000" dirty="0"/>
+          </a:p>
+          <a:p>
+            <a:pPr marL="0" indent="0">
+              <a:spcAft>
+                <a:spcPts val="600"/>
+              </a:spcAft>
+              <a:buNone/>
+            </a:pPr>
+            <a:r>
+              <a:rPr lang="en-US" sz="2000" dirty="0"/>
+              <a:t>Proportional based fonts like Helvetica and Times were designed to have the most visually appealing amount of space after the period. </a:t>
+            </a:r>
           </a:p>
         </p:txBody>
       </p:sp>
     </p:spTree>
     <p:extLst>
       <p:ext uri="{BB962C8B-B14F-4D97-AF65-F5344CB8AC3E}">
-        <p14:creationId xmlns:p14="http://schemas.microsoft.com/office/powerpoint/2010/main" val="392396531"/>
+        <p14:creationId xmlns:p14="http://schemas.microsoft.com/office/powerpoint/2010/main" val="2445559282"/>
       </p:ext>
     </p:extLst>
   </p:cSld>
   <p:clrMapOvr>
     <a:masterClrMapping/>
   </p:clrMapOvr>
-  <p:timing>
-    <p:tnLst>
-      <p:par>
-        <p:cTn id="1" dur="indefinite" restart="never" nodeType="tmRoot">
-          <p:childTnLst>
-            <p:seq concurrent="1" nextAc="seek">
-              <p:cTn id="2" dur="indefinite" nodeType="mainSeq">
-                <p:childTnLst>
-                  <p:par>
-                    <p:cTn id="3" fill="hold">
-                      <p:stCondLst>
-                        <p:cond delay="indefinite"/>
-                      </p:stCondLst>
-                      <p:childTnLst>
-                        <p:par>
-                          <p:cTn id="4" fill="hold">
-                            <p:stCondLst>
-                              <p:cond delay="0"/>
-                            </p:stCondLst>
-                            <p:childTnLst>
-                              <p:par>
-                                <p:cTn id="5" presetID="2" presetClass="entr" presetSubtype="4" fill="hold" grpId="0" nodeType="clickEffect">
-                                  <p:stCondLst>
-                                    <p:cond delay="0"/>
-                                  </p:stCondLst>
-                                  <p:childTnLst>
-                                    <p:set>
-                                      <p:cBhvr>
-                                        <p:cTn id="6" dur="1" fill="hold">
-                                          <p:stCondLst>
-                                            <p:cond delay="0"/>
-                                          </p:stCondLst>
-                                        </p:cTn>
-                                        <p:tgtEl>
-                                          <p:spTgt spid="13"/>
-                                        </p:tgtEl>
-                                        <p:attrNameLst>
-                                          <p:attrName>style.visibility</p:attrName>
-                                        </p:attrNameLst>
-                                      </p:cBhvr>
-                                      <p:to>
-                                        <p:strVal val="visible"/>
-                                      </p:to>
-                                    </p:set>
-                                    <p:anim calcmode="lin" valueType="num">
-                                      <p:cBhvr additive="base">
-                                        <p:cTn id="7" dur="500" fill="hold"/>
-                                        <p:tgtEl>
-                                          <p:spTgt spid="13"/>
-                                        </p:tgtEl>
-                                        <p:attrNameLst>
-                                          <p:attrName>ppt_x</p:attrName>
-                                        </p:attrNameLst>
-                                      </p:cBhvr>
-                                      <p:tavLst>
-                                        <p:tav tm="0">
-                                          <p:val>
-                                            <p:strVal val="#ppt_x"/>
-                                          </p:val>
-                                        </p:tav>
-                                        <p:tav tm="100000">
-                                          <p:val>
-                                            <p:strVal val="#ppt_x"/>
-                                          </p:val>
-                                        </p:tav>
-                                      </p:tavLst>
-                                    </p:anim>
-                                    <p:anim calcmode="lin" valueType="num">
-                                      <p:cBhvr additive="base">
-                                        <p:cTn id="8" dur="500" fill="hold"/>
-                                        <p:tgtEl>
-                                          <p:spTgt spid="13"/>
-                                        </p:tgtEl>
-                                        <p:attrNameLst>
-                                          <p:attrName>ppt_y</p:attrName>
-                                        </p:attrNameLst>
-                                      </p:cBhvr>
-                                      <p:tavLst>
-                                        <p:tav tm="0">
-                                          <p:val>
-                                            <p:strVal val="1+#ppt_h/2"/>
-                                          </p:val>
-                                        </p:tav>
-                                        <p:tav tm="100000">
-                                          <p:val>
-                                            <p:strVal val="#ppt_y"/>
-                                          </p:val>
-                                        </p:tav>
-                                      </p:tavLst>
-                                    </p:anim>
-                                  </p:childTnLst>
-                                </p:cTn>
-                              </p:par>
-                            </p:childTnLst>
-                          </p:cTn>
-                        </p:par>
-                      </p:childTnLst>
-                    </p:cTn>
-                  </p:par>
-                </p:childTnLst>
-              </p:cTn>
-              <p:prevCondLst>
-                <p:cond evt="onPrev" delay="0">
-                  <p:tgtEl>
-                    <p:sldTgt/>
-                  </p:tgtEl>
-                </p:cond>
-              </p:prevCondLst>
-              <p:nextCondLst>
-                <p:cond evt="onNext" delay="0">
-                  <p:tgtEl>
-                    <p:sldTgt/>
-                  </p:tgtEl>
-                </p:cond>
-              </p:nextCondLst>
-            </p:seq>
-          </p:childTnLst>
-        </p:cTn>
-      </p:par>
-    </p:tnLst>
-    <p:bldLst>
-      <p:bldP spid="13" grpId="0" animBg="1"/>
-    </p:bldLst>
-  </p:timing>
 </p:sld>
 </file>
 
@@ -7403,19 +6347,26 @@
         </p:nvSpPr>
         <p:spPr>
           <a:xfrm>
-            <a:off x="1524000" y="3051480"/>
-            <a:ext cx="9144000" cy="755040"/>
+            <a:off x="1524000" y="3025490"/>
+            <a:ext cx="9144000" cy="807019"/>
           </a:xfrm>
         </p:spPr>
         <p:txBody>
           <a:bodyPr anchor="ctr">
-            <a:noAutofit/>
+            <a:normAutofit fontScale="90000"/>
           </a:bodyPr>
           <a:lstStyle/>
           <a:p>
             <a:r>
-              <a:rPr lang="en-US" sz="4400" dirty="0"/>
-              <a:t>Sprint 1 Retrospective: Start, Stop, Continue Feedback</a:t>
+              <a:rPr lang="en-US" sz="4800" dirty="0"/>
+              <a:t>Friendly Conversation Topic – </a:t>
+            </a:r>
+            <a:br>
+              <a:rPr lang="en-US" sz="4800" dirty="0"/>
+            </a:br>
+            <a:r>
+              <a:rPr lang="en-US" sz="4800" dirty="0"/>
+              <a:t>Source Code Snippets in VS Code</a:t>
             </a:r>
           </a:p>
         </p:txBody>
@@ -7423,7 +6374,7 @@
     </p:spTree>
     <p:extLst>
       <p:ext uri="{BB962C8B-B14F-4D97-AF65-F5344CB8AC3E}">
-        <p14:creationId xmlns:p14="http://schemas.microsoft.com/office/powerpoint/2010/main" val="4082810682"/>
+        <p14:creationId xmlns:p14="http://schemas.microsoft.com/office/powerpoint/2010/main" val="3113491839"/>
       </p:ext>
     </p:extLst>
   </p:cSld>
@@ -7462,19 +6413,19 @@
         </p:nvSpPr>
         <p:spPr>
           <a:xfrm>
-            <a:off x="1524000" y="3051480"/>
-            <a:ext cx="9144000" cy="755040"/>
+            <a:off x="1524000" y="3025490"/>
+            <a:ext cx="9144000" cy="807019"/>
           </a:xfrm>
         </p:spPr>
         <p:txBody>
           <a:bodyPr anchor="ctr">
-            <a:normAutofit fontScale="90000"/>
+            <a:normAutofit/>
           </a:bodyPr>
           <a:lstStyle/>
           <a:p>
             <a:r>
               <a:rPr lang="en-US" sz="4800" dirty="0"/>
-              <a:t>Continue: Turning in Assignments on Time! Well Done!!!</a:t>
+              <a:t>Q&amp;A: Concepts &amp; Practices</a:t>
             </a:r>
           </a:p>
         </p:txBody>
@@ -7482,7 +6433,7 @@
     </p:spTree>
     <p:extLst>
       <p:ext uri="{BB962C8B-B14F-4D97-AF65-F5344CB8AC3E}">
-        <p14:creationId xmlns:p14="http://schemas.microsoft.com/office/powerpoint/2010/main" val="2629364624"/>
+        <p14:creationId xmlns:p14="http://schemas.microsoft.com/office/powerpoint/2010/main" val="3975331637"/>
       </p:ext>
     </p:extLst>
   </p:cSld>
@@ -7521,19 +6472,29 @@
         </p:nvSpPr>
         <p:spPr>
           <a:xfrm>
-            <a:off x="1524000" y="3051480"/>
-            <a:ext cx="9144000" cy="755040"/>
+            <a:off x="1524000" y="3025490"/>
+            <a:ext cx="9144000" cy="807019"/>
           </a:xfrm>
         </p:spPr>
         <p:txBody>
           <a:bodyPr anchor="ctr">
-            <a:normAutofit/>
+            <a:normAutofit fontScale="90000"/>
           </a:bodyPr>
           <a:lstStyle/>
           <a:p>
             <a:r>
               <a:rPr lang="en-US" sz="4800" dirty="0"/>
-              <a:t>Feedback?</a:t>
+              <a:t>Discussion: OOP Patterns</a:t>
+            </a:r>
+            <a:br>
+              <a:rPr lang="en-US" sz="4800" dirty="0"/>
+            </a:br>
+            <a:br>
+              <a:rPr lang="en-US" sz="4800" dirty="0"/>
+            </a:br>
+            <a:r>
+              <a:rPr lang="en-US" sz="4800" dirty="0"/>
+              <a:t>(Who are the Gang of Four?)</a:t>
             </a:r>
           </a:p>
         </p:txBody>
@@ -7541,7 +6502,7 @@
     </p:spTree>
     <p:extLst>
       <p:ext uri="{BB962C8B-B14F-4D97-AF65-F5344CB8AC3E}">
-        <p14:creationId xmlns:p14="http://schemas.microsoft.com/office/powerpoint/2010/main" val="2704588863"/>
+        <p14:creationId xmlns:p14="http://schemas.microsoft.com/office/powerpoint/2010/main" val="1022670605"/>
       </p:ext>
     </p:extLst>
   </p:cSld>
@@ -7570,10 +6531,10 @@
       </p:grpSpPr>
       <p:sp>
         <p:nvSpPr>
-          <p:cNvPr id="2" name="Title 1">
-            <a:extLst>
-              <a:ext uri="{FF2B5EF4-FFF2-40B4-BE49-F238E27FC236}">
-                <a16:creationId xmlns:a16="http://schemas.microsoft.com/office/drawing/2014/main" id="{2A5755BE-860E-40EB-ADA6-6E82BCB49EC3}"/>
+          <p:cNvPr id="4" name="Title 1">
+            <a:extLst>
+              <a:ext uri="{FF2B5EF4-FFF2-40B4-BE49-F238E27FC236}">
+                <a16:creationId xmlns:a16="http://schemas.microsoft.com/office/drawing/2014/main" id="{527CE47F-3EF6-48CA-9239-E8B6E5C6B41A}"/>
               </a:ext>
             </a:extLst>
           </p:cNvPr>
@@ -7584,85 +6545,164 @@
             <p:ph type="title"/>
           </p:nvPr>
         </p:nvSpPr>
-        <p:spPr/>
-        <p:txBody>
-          <a:bodyPr/>
-          <a:lstStyle/>
+        <p:spPr>
+          <a:xfrm>
+            <a:off x="838200" y="365125"/>
+            <a:ext cx="10515600" cy="1325563"/>
+          </a:xfrm>
+        </p:spPr>
+        <p:txBody>
+          <a:bodyPr>
+            <a:normAutofit/>
+          </a:bodyPr>
+          <a:lstStyle/>
+          <a:p>
+            <a:r>
+              <a:rPr lang="en-US" sz="3600" dirty="0">
+                <a:latin typeface="+mn-lt"/>
+              </a:rPr>
+              <a:t>Model-View-Controller (MVC)</a:t>
+            </a:r>
+          </a:p>
+        </p:txBody>
+      </p:sp>
+      <p:pic>
+        <p:nvPicPr>
+          <p:cNvPr id="6" name="Picture 5">
+            <a:extLst>
+              <a:ext uri="{FF2B5EF4-FFF2-40B4-BE49-F238E27FC236}">
+                <a16:creationId xmlns:a16="http://schemas.microsoft.com/office/drawing/2014/main" id="{2CE7C933-0F89-420D-9B13-0331165A1E50}"/>
+              </a:ext>
+            </a:extLst>
+          </p:cNvPr>
+          <p:cNvPicPr>
+            <a:picLocks noChangeAspect="1"/>
+          </p:cNvPicPr>
+          <p:nvPr/>
+        </p:nvPicPr>
+        <p:blipFill>
+          <a:blip r:embed="rId3"/>
+          <a:stretch>
+            <a:fillRect/>
+          </a:stretch>
+        </p:blipFill>
+        <p:spPr>
+          <a:xfrm>
+            <a:off x="10765403" y="59830"/>
+            <a:ext cx="1290389" cy="1420356"/>
+          </a:xfrm>
+          <a:prstGeom prst="rect">
+            <a:avLst/>
+          </a:prstGeom>
+        </p:spPr>
+      </p:pic>
+      <p:pic>
+        <p:nvPicPr>
+          <p:cNvPr id="1026" name="Picture 2" descr="https://upload.wikimedia.org/wikipedia/commons/thumb/a/a0/MVC-Process.svg/500px-MVC-Process.svg.png">
+            <a:extLst>
+              <a:ext uri="{FF2B5EF4-FFF2-40B4-BE49-F238E27FC236}">
+                <a16:creationId xmlns:a16="http://schemas.microsoft.com/office/drawing/2014/main" id="{58197343-A56A-436A-A4E2-8CF036E81E86}"/>
+              </a:ext>
+            </a:extLst>
+          </p:cNvPr>
+          <p:cNvPicPr>
+            <a:picLocks noChangeAspect="1" noChangeArrowheads="1"/>
+          </p:cNvPicPr>
+          <p:nvPr/>
+        </p:nvPicPr>
+        <p:blipFill>
+          <a:blip r:embed="rId4">
+            <a:extLst>
+              <a:ext uri="{28A0092B-C50C-407E-A947-70E740481C1C}">
+                <a14:useLocalDpi xmlns:a14="http://schemas.microsoft.com/office/drawing/2010/main" val="0"/>
+              </a:ext>
+            </a:extLst>
+          </a:blip>
+          <a:srcRect/>
+          <a:stretch>
+            <a:fillRect/>
+          </a:stretch>
+        </p:blipFill>
+        <p:spPr bwMode="auto">
+          <a:xfrm>
+            <a:off x="838200" y="1728381"/>
+            <a:ext cx="3969968" cy="4366965"/>
+          </a:xfrm>
+          <a:prstGeom prst="rect">
+            <a:avLst/>
+          </a:prstGeom>
+          <a:noFill/>
+          <a:extLst>
+            <a:ext uri="{909E8E84-426E-40DD-AFC4-6F175D3DCCD1}">
+              <a14:hiddenFill xmlns:a14="http://schemas.microsoft.com/office/drawing/2010/main">
+                <a:solidFill>
+                  <a:srgbClr val="FFFFFF"/>
+                </a:solidFill>
+              </a14:hiddenFill>
+            </a:ext>
+          </a:extLst>
+        </p:spPr>
+      </p:pic>
+      <p:sp>
+        <p:nvSpPr>
+          <p:cNvPr id="5" name="Rectangle 4">
+            <a:extLst>
+              <a:ext uri="{FF2B5EF4-FFF2-40B4-BE49-F238E27FC236}">
+                <a16:creationId xmlns:a16="http://schemas.microsoft.com/office/drawing/2014/main" id="{91EBC757-1DAC-4931-A145-B2C52C88F2EE}"/>
+              </a:ext>
+            </a:extLst>
+          </p:cNvPr>
+          <p:cNvSpPr/>
+          <p:nvPr/>
+        </p:nvSpPr>
+        <p:spPr>
+          <a:xfrm>
+            <a:off x="5314597" y="1511309"/>
+            <a:ext cx="6096000" cy="4524315"/>
+          </a:xfrm>
+          <a:prstGeom prst="rect">
+            <a:avLst/>
+          </a:prstGeom>
+        </p:spPr>
+        <p:txBody>
+          <a:bodyPr>
+            <a:spAutoFit/>
+          </a:bodyPr>
+          <a:lstStyle/>
+          <a:p>
+            <a:endParaRPr lang="en-US" dirty="0"/>
+          </a:p>
           <a:p>
             <a:r>
               <a:rPr lang="en-US" dirty="0"/>
-              <a:t>Remaining Schedule </a:t>
-            </a:r>
-          </a:p>
-        </p:txBody>
-      </p:sp>
-      <p:graphicFrame>
-        <p:nvGraphicFramePr>
-          <p:cNvPr id="6" name="Object 5">
-            <a:extLst>
-              <a:ext uri="{FF2B5EF4-FFF2-40B4-BE49-F238E27FC236}">
-                <a16:creationId xmlns:a16="http://schemas.microsoft.com/office/drawing/2014/main" id="{34B5E9E6-C04C-5D42-B429-3968FB740036}"/>
-              </a:ext>
-            </a:extLst>
-          </p:cNvPr>
-          <p:cNvGraphicFramePr>
-            <a:graphicFrameLocks noChangeAspect="1"/>
-          </p:cNvGraphicFramePr>
-          <p:nvPr>
-            <p:extLst>
-              <p:ext uri="{D42A27DB-BD31-4B8C-83A1-F6EECF244321}">
-                <p14:modId xmlns:p14="http://schemas.microsoft.com/office/powerpoint/2010/main" val="2679033270"/>
-              </p:ext>
-            </p:extLst>
-          </p:nvPr>
-        </p:nvGraphicFramePr>
-        <p:xfrm>
-          <a:off x="1333500" y="1820863"/>
-          <a:ext cx="9525000" cy="3213100"/>
-        </p:xfrm>
-        <a:graphic>
-          <a:graphicData uri="http://schemas.openxmlformats.org/presentationml/2006/ole">
-            <mc:AlternateContent xmlns:mc="http://schemas.openxmlformats.org/markup-compatibility/2006">
-              <mc:Choice xmlns:v="urn:schemas-microsoft-com:vml" Requires="v">
-                <p:oleObj spid="_x0000_s3075" name="Worksheet" r:id="rId3" imgW="9525000" imgH="3213100" progId="Excel.Sheet.12">
-                  <p:embed/>
-                </p:oleObj>
-              </mc:Choice>
-              <mc:Fallback>
-                <p:oleObj name="Worksheet" r:id="rId3" imgW="9525000" imgH="3213100" progId="Excel.Sheet.12">
-                  <p:embed/>
-                  <p:pic>
-                    <p:nvPicPr>
-                      <p:cNvPr id="0" name=""/>
-                      <p:cNvPicPr/>
-                      <p:nvPr/>
-                    </p:nvPicPr>
-                    <p:blipFill>
-                      <a:blip r:embed="rId4"/>
-                      <a:stretch>
-                        <a:fillRect/>
-                      </a:stretch>
-                    </p:blipFill>
-                    <p:spPr>
-                      <a:xfrm>
-                        <a:off x="1333500" y="1820863"/>
-                        <a:ext cx="9525000" cy="3213100"/>
-                      </a:xfrm>
-                      <a:prstGeom prst="rect">
-                        <a:avLst/>
-                      </a:prstGeom>
-                    </p:spPr>
-                  </p:pic>
-                </p:oleObj>
-              </mc:Fallback>
-            </mc:AlternateContent>
-          </a:graphicData>
-        </a:graphic>
-      </p:graphicFrame>
+              <a:t>Diagram of interactions within the MVC pattern.</a:t>
+            </a:r>
+          </a:p>
+          <a:p>
+            <a:r>
+              <a:rPr lang="en-US" b="1" dirty="0"/>
+              <a:t>Model–view–controller </a:t>
+            </a:r>
+            <a:r>
+              <a:rPr lang="en-US" dirty="0"/>
+              <a:t>is an architectural pattern commonly used for developing user interfaces that divides an application into three interconnected parts. This is done to separate internal representations of information from the ways information is presented to and accepted from the user.[1][2] The MVC design pattern decouples these major components allowing for efficient code reuse and parallel development.</a:t>
+            </a:r>
+          </a:p>
+          <a:p>
+            <a:endParaRPr lang="en-US" dirty="0"/>
+          </a:p>
+          <a:p>
+            <a:r>
+              <a:rPr lang="en-US" dirty="0"/>
+              <a:t>Traditionally used for desktop graphical user interfaces (GUIs), this architecture has become popular for designing web applications and even mobile, desktop and other clients.[3] Popular programming languages like Java, C#, Ruby, PHP have MVC frameworks that are used in web application development straight out of the box</a:t>
+            </a:r>
+          </a:p>
+        </p:txBody>
+      </p:sp>
     </p:spTree>
     <p:extLst>
       <p:ext uri="{BB962C8B-B14F-4D97-AF65-F5344CB8AC3E}">
-        <p14:creationId xmlns:p14="http://schemas.microsoft.com/office/powerpoint/2010/main" val="1508207628"/>
+        <p14:creationId xmlns:p14="http://schemas.microsoft.com/office/powerpoint/2010/main" val="2125374807"/>
       </p:ext>
     </p:extLst>
   </p:cSld>
@@ -7694,7 +6734,7 @@
           <p:cNvPr id="2" name="Title 1">
             <a:extLst>
               <a:ext uri="{FF2B5EF4-FFF2-40B4-BE49-F238E27FC236}">
-                <a16:creationId xmlns:a16="http://schemas.microsoft.com/office/drawing/2014/main" id="{443FD3EE-6698-4602-B4C0-718F014616A4}"/>
+                <a16:creationId xmlns:a16="http://schemas.microsoft.com/office/drawing/2014/main" id="{2A5755BE-860E-40EB-ADA6-6E82BCB49EC3}"/>
               </a:ext>
             </a:extLst>
           </p:cNvPr>
@@ -7712,333 +6752,74 @@
           <a:p>
             <a:r>
               <a:rPr lang="en-US" dirty="0"/>
-              <a:t>Scrum Process &amp; Roles – Sprint Planning</a:t>
-            </a:r>
-          </a:p>
-        </p:txBody>
-      </p:sp>
-      <p:pic>
-        <p:nvPicPr>
-          <p:cNvPr id="1026" name="Picture 2" descr="https://upload.wikimedia.org/wikipedia/commons/d/df/Scrum_Framework.png">
-            <a:extLst>
-              <a:ext uri="{FF2B5EF4-FFF2-40B4-BE49-F238E27FC236}">
-                <a16:creationId xmlns:a16="http://schemas.microsoft.com/office/drawing/2014/main" id="{94D187A3-9AAC-4908-B843-2E262C28DBFE}"/>
-              </a:ext>
-            </a:extLst>
-          </p:cNvPr>
-          <p:cNvPicPr>
-            <a:picLocks noChangeAspect="1" noChangeArrowheads="1"/>
-          </p:cNvPicPr>
-          <p:nvPr/>
-        </p:nvPicPr>
-        <p:blipFill>
-          <a:blip r:embed="rId2">
-            <a:extLst>
-              <a:ext uri="{28A0092B-C50C-407E-A947-70E740481C1C}">
-                <a14:useLocalDpi xmlns:a14="http://schemas.microsoft.com/office/drawing/2010/main" val="0"/>
-              </a:ext>
-            </a:extLst>
-          </a:blip>
-          <a:srcRect/>
-          <a:stretch>
-            <a:fillRect/>
-          </a:stretch>
-        </p:blipFill>
-        <p:spPr bwMode="auto">
-          <a:xfrm>
-            <a:off x="2221847" y="1341064"/>
-            <a:ext cx="8138182" cy="4531099"/>
-          </a:xfrm>
-          <a:prstGeom prst="rect">
-            <a:avLst/>
-          </a:prstGeom>
-          <a:noFill/>
-          <a:extLst>
-            <a:ext uri="{909E8E84-426E-40DD-AFC4-6F175D3DCCD1}">
-              <a14:hiddenFill xmlns:a14="http://schemas.microsoft.com/office/drawing/2010/main">
-                <a:solidFill>
-                  <a:srgbClr val="FFFFFF"/>
-                </a:solidFill>
-              </a14:hiddenFill>
-            </a:ext>
-          </a:extLst>
-        </p:spPr>
-      </p:pic>
-      <p:sp>
-        <p:nvSpPr>
-          <p:cNvPr id="6" name="Rectangle 5">
-            <a:extLst>
-              <a:ext uri="{FF2B5EF4-FFF2-40B4-BE49-F238E27FC236}">
-                <a16:creationId xmlns:a16="http://schemas.microsoft.com/office/drawing/2014/main" id="{C5034F42-102F-445B-BE40-5AF1FC99349D}"/>
-              </a:ext>
-            </a:extLst>
-          </p:cNvPr>
-          <p:cNvSpPr/>
-          <p:nvPr/>
+              <a:t>Assignment for Next Class</a:t>
+            </a:r>
+          </a:p>
+        </p:txBody>
+      </p:sp>
+      <p:sp>
+        <p:nvSpPr>
+          <p:cNvPr id="3" name="Content Placeholder 2">
+            <a:extLst>
+              <a:ext uri="{FF2B5EF4-FFF2-40B4-BE49-F238E27FC236}">
+                <a16:creationId xmlns:a16="http://schemas.microsoft.com/office/drawing/2014/main" id="{72EF5DE0-5958-4171-A9E3-3D288A31AC3F}"/>
+              </a:ext>
+            </a:extLst>
+          </p:cNvPr>
+          <p:cNvSpPr>
+            <a:spLocks noGrp="1"/>
+          </p:cNvSpPr>
+          <p:nvPr>
+            <p:ph idx="1"/>
+          </p:nvPr>
         </p:nvSpPr>
         <p:spPr>
           <a:xfrm>
-            <a:off x="3916346" y="6123543"/>
-            <a:ext cx="4749185" cy="369332"/>
+            <a:off x="838200" y="1654444"/>
+            <a:ext cx="10515600" cy="4522519"/>
           </a:xfrm>
-          <a:prstGeom prst="rect">
-            <a:avLst/>
-          </a:prstGeom>
         </p:spPr>
         <p:txBody>
-          <a:bodyPr wrap="none">
-            <a:spAutoFit/>
+          <a:bodyPr>
+            <a:normAutofit/>
           </a:bodyPr>
           <a:lstStyle/>
           <a:p>
-            <a:r>
-              <a:rPr lang="en-US" dirty="0"/>
-              <a:t>By </a:t>
-            </a:r>
-            <a:r>
-              <a:rPr lang="en-US" dirty="0" err="1">
-                <a:hlinkClick r:id="rId3" tooltip="User:Dr ian mitchell (page does not exist)"/>
-              </a:rPr>
-              <a:t>Dr</a:t>
-            </a:r>
-            <a:r>
-              <a:rPr lang="en-US" dirty="0">
-                <a:hlinkClick r:id="rId3" tooltip="User:Dr ian mitchell (page does not exist)"/>
-              </a:rPr>
-              <a:t> </a:t>
-            </a:r>
-            <a:r>
-              <a:rPr lang="en-US" dirty="0" err="1">
-                <a:hlinkClick r:id="rId3" tooltip="User:Dr ian mitchell (page does not exist)"/>
-              </a:rPr>
-              <a:t>ian</a:t>
-            </a:r>
-            <a:r>
-              <a:rPr lang="en-US" dirty="0">
-                <a:hlinkClick r:id="rId3" tooltip="User:Dr ian mitchell (page does not exist)"/>
-              </a:rPr>
-              <a:t> </a:t>
-            </a:r>
-            <a:r>
-              <a:rPr lang="en-US" dirty="0" err="1">
-                <a:hlinkClick r:id="rId3" tooltip="User:Dr ian mitchell (page does not exist)"/>
-              </a:rPr>
-              <a:t>mitchell</a:t>
-            </a:r>
-            <a:r>
-              <a:rPr lang="en-US" dirty="0"/>
-              <a:t> - Own work, </a:t>
-            </a:r>
-            <a:r>
-              <a:rPr lang="en-US" dirty="0">
-                <a:hlinkClick r:id="rId4" tooltip="Creative Commons Attribution-Share Alike 4.0"/>
-              </a:rPr>
-              <a:t>CC BY-SA 4.0</a:t>
-            </a:r>
-            <a:r>
-              <a:rPr lang="en-US" dirty="0"/>
-              <a:t>, </a:t>
-            </a:r>
-            <a:r>
-              <a:rPr lang="en-US" dirty="0">
-                <a:hlinkClick r:id="rId5"/>
-              </a:rPr>
-              <a:t>Link</a:t>
-            </a:r>
+            <a:pPr marL="0" indent="0">
+              <a:buNone/>
+            </a:pPr>
+            <a:r>
+              <a:rPr lang="en-US" sz="2000" dirty="0"/>
+              <a:t>ALL Sprint 1 Assignments &amp; Activity List Items are due this Sunday.</a:t>
+            </a:r>
+          </a:p>
+          <a:p>
+            <a:pPr marL="0" indent="0">
+              <a:buNone/>
+            </a:pPr>
+            <a:endParaRPr lang="en-US" sz="2000" dirty="0"/>
+          </a:p>
+          <a:p>
+            <a:pPr marL="0" indent="0">
+              <a:buNone/>
+            </a:pPr>
+            <a:endParaRPr lang="en-US" sz="1800" dirty="0"/>
+          </a:p>
+          <a:p>
             <a:endParaRPr lang="en-US" dirty="0"/>
-          </a:p>
-        </p:txBody>
-      </p:sp>
-      <p:sp>
-        <p:nvSpPr>
-          <p:cNvPr id="13" name="Oval 12">
-            <a:extLst>
-              <a:ext uri="{FF2B5EF4-FFF2-40B4-BE49-F238E27FC236}">
-                <a16:creationId xmlns:a16="http://schemas.microsoft.com/office/drawing/2014/main" id="{CB822028-AE62-4F61-8F14-297C0D4C1218}"/>
-              </a:ext>
-            </a:extLst>
-          </p:cNvPr>
-          <p:cNvSpPr/>
-          <p:nvPr/>
-        </p:nvSpPr>
-        <p:spPr>
-          <a:xfrm>
-            <a:off x="3492082" y="4266588"/>
-            <a:ext cx="1303578" cy="554229"/>
-          </a:xfrm>
-          <a:prstGeom prst="ellipse">
-            <a:avLst/>
-          </a:prstGeom>
-          <a:solidFill>
-            <a:schemeClr val="tx1">
-              <a:alpha val="0"/>
-            </a:schemeClr>
-          </a:solidFill>
-          <a:ln w="38100">
-            <a:solidFill>
-              <a:srgbClr val="C00000"/>
-            </a:solidFill>
-          </a:ln>
-        </p:spPr>
-        <p:style>
-          <a:lnRef idx="2">
-            <a:schemeClr val="accent1">
-              <a:shade val="50000"/>
-            </a:schemeClr>
-          </a:lnRef>
-          <a:fillRef idx="1">
-            <a:schemeClr val="accent1"/>
-          </a:fillRef>
-          <a:effectRef idx="0">
-            <a:schemeClr val="accent1"/>
-          </a:effectRef>
-          <a:fontRef idx="minor">
-            <a:schemeClr val="lt1"/>
-          </a:fontRef>
-        </p:style>
-        <p:txBody>
-          <a:bodyPr rtlCol="0" anchor="ctr"/>
-          <a:lstStyle/>
-          <a:p>
-            <a:pPr algn="ctr"/>
-            <a:endParaRPr lang="en-US"/>
           </a:p>
         </p:txBody>
       </p:sp>
     </p:spTree>
     <p:extLst>
       <p:ext uri="{BB962C8B-B14F-4D97-AF65-F5344CB8AC3E}">
-        <p14:creationId xmlns:p14="http://schemas.microsoft.com/office/powerpoint/2010/main" val="860603555"/>
+        <p14:creationId xmlns:p14="http://schemas.microsoft.com/office/powerpoint/2010/main" val="3934992363"/>
       </p:ext>
     </p:extLst>
   </p:cSld>
   <p:clrMapOvr>
     <a:masterClrMapping/>
   </p:clrMapOvr>
-  <p:timing>
-    <p:tnLst>
-      <p:par>
-        <p:cTn id="1" dur="indefinite" restart="never" nodeType="tmRoot">
-          <p:childTnLst>
-            <p:seq concurrent="1" nextAc="seek">
-              <p:cTn id="2" dur="indefinite" nodeType="mainSeq">
-                <p:childTnLst>
-                  <p:par>
-                    <p:cTn id="3" fill="hold">
-                      <p:stCondLst>
-                        <p:cond delay="indefinite"/>
-                      </p:stCondLst>
-                      <p:childTnLst>
-                        <p:par>
-                          <p:cTn id="4" fill="hold">
-                            <p:stCondLst>
-                              <p:cond delay="0"/>
-                            </p:stCondLst>
-                            <p:childTnLst>
-                              <p:par>
-                                <p:cTn id="5" presetID="2" presetClass="entr" presetSubtype="4" fill="hold" grpId="0" nodeType="clickEffect">
-                                  <p:stCondLst>
-                                    <p:cond delay="0"/>
-                                  </p:stCondLst>
-                                  <p:childTnLst>
-                                    <p:set>
-                                      <p:cBhvr>
-                                        <p:cTn id="6" dur="1" fill="hold">
-                                          <p:stCondLst>
-                                            <p:cond delay="0"/>
-                                          </p:stCondLst>
-                                        </p:cTn>
-                                        <p:tgtEl>
-                                          <p:spTgt spid="13"/>
-                                        </p:tgtEl>
-                                        <p:attrNameLst>
-                                          <p:attrName>style.visibility</p:attrName>
-                                        </p:attrNameLst>
-                                      </p:cBhvr>
-                                      <p:to>
-                                        <p:strVal val="visible"/>
-                                      </p:to>
-                                    </p:set>
-                                    <p:anim calcmode="lin" valueType="num">
-                                      <p:cBhvr additive="base">
-                                        <p:cTn id="7" dur="500" fill="hold"/>
-                                        <p:tgtEl>
-                                          <p:spTgt spid="13"/>
-                                        </p:tgtEl>
-                                        <p:attrNameLst>
-                                          <p:attrName>ppt_x</p:attrName>
-                                        </p:attrNameLst>
-                                      </p:cBhvr>
-                                      <p:tavLst>
-                                        <p:tav tm="0">
-                                          <p:val>
-                                            <p:strVal val="#ppt_x"/>
-                                          </p:val>
-                                        </p:tav>
-                                        <p:tav tm="100000">
-                                          <p:val>
-                                            <p:strVal val="#ppt_x"/>
-                                          </p:val>
-                                        </p:tav>
-                                      </p:tavLst>
-                                    </p:anim>
-                                    <p:anim calcmode="lin" valueType="num">
-                                      <p:cBhvr additive="base">
-                                        <p:cTn id="8" dur="500" fill="hold"/>
-                                        <p:tgtEl>
-                                          <p:spTgt spid="13"/>
-                                        </p:tgtEl>
-                                        <p:attrNameLst>
-                                          <p:attrName>ppt_y</p:attrName>
-                                        </p:attrNameLst>
-                                      </p:cBhvr>
-                                      <p:tavLst>
-                                        <p:tav tm="0">
-                                          <p:val>
-                                            <p:strVal val="1+#ppt_h/2"/>
-                                          </p:val>
-                                        </p:tav>
-                                        <p:tav tm="100000">
-                                          <p:val>
-                                            <p:strVal val="#ppt_y"/>
-                                          </p:val>
-                                        </p:tav>
-                                      </p:tavLst>
-                                    </p:anim>
-                                  </p:childTnLst>
-                                </p:cTn>
-                              </p:par>
-                            </p:childTnLst>
-                          </p:cTn>
-                        </p:par>
-                      </p:childTnLst>
-                    </p:cTn>
-                  </p:par>
-                </p:childTnLst>
-              </p:cTn>
-              <p:prevCondLst>
-                <p:cond evt="onPrev" delay="0">
-                  <p:tgtEl>
-                    <p:sldTgt/>
-                  </p:tgtEl>
-                </p:cond>
-              </p:prevCondLst>
-              <p:nextCondLst>
-                <p:cond evt="onNext" delay="0">
-                  <p:tgtEl>
-                    <p:sldTgt/>
-                  </p:tgtEl>
-                </p:cond>
-              </p:nextCondLst>
-            </p:seq>
-          </p:childTnLst>
-        </p:cTn>
-      </p:par>
-    </p:tnLst>
-    <p:bldLst>
-      <p:bldP spid="13" grpId="0" animBg="1"/>
-    </p:bldLst>
-  </p:timing>
 </p:sld>
 </file>
 
